--- a/Präsentation/Stressfrei - e^κ - Teil 1 - v1.pptx
+++ b/Präsentation/Stressfrei - e^κ - Teil 1 - v1.pptx
@@ -10,6 +10,7 @@
     <p:sldId id="260" r:id="rId4"/>
     <p:sldId id="261" r:id="rId5"/>
     <p:sldId id="259" r:id="rId6"/>
+    <p:sldId id="262" r:id="rId7"/>
   </p:sldIdLst>
   <p:sldSz cx="12192000" cy="6858000"/>
   <p:notesSz cx="6858000" cy="9144000"/>
@@ -108,6 +109,11 @@
       </a:defRPr>
     </a:lvl9pPr>
   </p:defaultTextStyle>
+  <p:extLst>
+    <p:ext uri="{EFAFB233-063F-42B5-8137-9DF3F51BA10A}">
+      <p15:sldGuideLst xmlns:p15="http://schemas.microsoft.com/office/powerpoint/2012/main"/>
+    </p:ext>
+  </p:extLst>
 </p:presentation>
 </file>
 
@@ -143,7 +149,7 @@
   <inkml:trace contextRef="#ctx0" brushRef="#br0" timeOffset="661.236">1229 723 11392,'-6'-6'4224,"6"6"-3297,0 6-255,23-6-96,4 0-640,1 0 384,12 0 224,3-6-256,8 2-160,-1-2-64,1 2-224,-2-7 32,1 7-4031,-5-2-1729,-6 2 2944</inkml:trace>
   <inkml:trace contextRef="#ctx0" brushRef="#br0" timeOffset="986.363">1814 633 11264,'-5'-1'614,"0"0"1,1 1 0,-1 0 0,0 0 0,0 0-1,0 1 1,1-1 0,-1 1 0,0 0 0,-3 2-615,0 0 196,0 0 1,0 1-1,1 0 1,-1 1-1,-4 3-196,5-2 137,0-1 0,0 2 0,1-1 0,0 1 0,0 0 0,1 0 0,-1 0 0,2 1 0,-1 0 0,1 0 0,0 0 0,1 0 0,0 1 0,0-1 0,1 1 0,-1 6-137,2-11 12,1 0 0,0 0-1,0-1 1,0 1 0,0 0 0,1 0-1,0-1 1,-1 1 0,1 0 0,1-1-1,-1 1 1,0-1 0,2 2-12,-2-3-2,0-1 0,0 1 1,0-1-1,0 0 0,0 1 0,0-1 1,0 0-1,1 0 0,-1 0 0,1 0 0,-1 0 1,1 0-1,-1 0 0,1 0 0,-1-1 0,1 1 1,0-1-1,-1 1 0,1-1 0,0 1 1,-1-1-1,1 0 0,0 0 0,0 0 0,-1 0 1,1 0-1,0 0 0,0-1 0,1 1 2,7-3-152,1 0 0,-1-1 0,0 0 0,0 0 0,0-1-1,5-4 153,16-11-1572,9-9 1572,-14 9-1189,22-11 1189,-48 31 3,0 0 0,0 0 0,1-1 1,-1 1-1,0 0 0,1 0 0,-1 0 0,0-1 1,0 1-1,1 0 0,-1 0 0,1 0 0,-1 0 1,0 0-1,1 0 0,-1 0 0,0 0 0,1 0 1,-1 0-1,0 0 0,1 0 0,-1 0 0,0 0 1,1 0-1,-1 0 0,0 0 0,1 0 0,-1 0 1,0 1-1,1-1 0,-1 0 0,0 0 0,1 0 1,-1 1-1,0-1 0,1 0-3,-1 1 13,0 0 1,1 0-1,-1 1 1,0-1-1,1 0 1,-1 0-1,0 0 1,0 0 0,0 0-1,0 0 1,0 0-1,0 1-13,-9 37 363,-7 18 594,2 0 0,-5 51-957,19-103-86,0-1-1,0 1 0,0-1 0,1 1 1,0 2 86,-1-7-99,0 1-1,0 0 1,0-1 0,0 1 0,0 0 0,0-1 0,0 1 0,0 0 0,0-1-1,1 1 1,-1-1 0,0 1 0,1 0 0,-1-1 0,0 1 0,1-1 0,-1 1 0,1-1-1,-1 1 1,0-1 0,1 1 0,-1-1 0,1 0 0,0 1 0,-1-1 0,1 1-1,-1-1 1,1 0 0,-1 0 0,1 1 0,0-1 0,-1 0 0,1 0 0,0 0-1,-1 0 1,1 0 0,0 0 99,2-2-639,0 0 0,0-1 0,0 1 0,-1-1 0,1 0 0,-1 0 1,0 0-1,2-3 639,4-4-729,15-18-385</inkml:trace>
   <inkml:trace contextRef="#ctx0" brushRef="#br0" timeOffset="1322.464">2114 678 11008,'-4'3'575,"0"0"1,0 0 0,0 1 0,1 0-1,-1 0 1,1 0 0,0 0-1,0 0 1,0 0 0,0 2-576,-7 13 169,2-1 0,0 2-169,0 0 491,4-12-258,-16 41 2734,-7 26-2967,25-63 275,6-8-110,-3-5-169,1 1-1,-1 0 1,1-1 0,-1 1 0,0-1 0,1 1 0,-1-1 0,0 0 0,1 1 0,-1-1 0,1 0 4,20-15-476,0-1 0,14-14 476,-19 15-233,1 1 0,0 1 1,1 1-1,5-2 233,-22 14 0,1-1 0,-1 1 0,0 0 0,1 0 1,-1 1-1,1-1 0,-1 0 0,1 1 0,-1-1 0,1 1 0,-1 0 0,3 0 0,-4 0 32,1 1 0,0-1-1,-1 1 1,1-1 0,-1 1-1,1 0 1,-1-1 0,1 1-1,-1 0 1,1 0 0,-1 0-1,0 0 1,0 0 0,1 0-1,-1 1 1,0-1 0,0 0-1,0 1 1,0-1 0,0 1-32,1 2 80,1 1-1,-1 0 1,0-1 0,-1 1 0,1 0-1,-1 0 1,0 0 0,0 1 0,0 3-80,0 49 294,-2-33-256,1-3-348,1 0 0,2 9 310,6 4-2296,-7-29 870,1 1 1,-1-1-1,2 0 1,1 2 1425,-4-6-443,-1-1 0,1 0 0,0 0 0,0 0-1,-1 0 1,1 0 0,0 0 0,0 0 0,0 0 0,1 0 0,-1-1 0,1 2 443,0-2-487,0 1 0,1-1 0,-1 1 0,0-1 1,1 0-1,-1 0 0,2 0 487</inkml:trace>
-  <inkml:trace contextRef="#ctx0" brushRef="#br0" timeOffset="1724.39">2571 871 10624,'-2'-1'334,"1"0"0,-1-1 1,0 1-1,0 0 0,0 0 1,1 0-1,-1 0 0,0 0 0,0 1 1,0-1-1,-1 1 0,1-1 1,0 1-1,0 0 0,0 0 1,0 0-1,-2 0-334,1 0 182,0 1-1,0 0 1,-1 0-1,1 0 1,0 0-1,0 0 1,1 1-1,-1-1 1,0 1 0,0 0-1,0 0-181,-6 6 254,1 0 0,-1 0 0,2 1 1,-1 0-1,1 0 0,0 1-254,3-4 159,0-1 0,1 1 0,0 0 0,0 0 0,0 0 0,0 0 0,1 1 0,0-1 0,1 1 0,-1 3-159,1-7 40,1 0 0,0 0 0,0 0-1,1 0 1,-1 0 0,1 0-1,-1 0 1,1 0 0,0-1 0,0 1-1,0 0 1,0 0 0,1 0-1,-1-1 1,1 1 0,0-1 0,-1 1-1,1-1 1,0 0 0,1 0-1,-1 0 1,0 0 0,0 0 0,2 1-40,-2-2 0,1 1 0,0-1-1,0 1 1,-1-1 0,1 0 0,0 0 0,0 0 0,0 0 0,0-1 0,0 1 0,0-1 0,1 0 0,-1 0 0,0 0 0,0 0 0,0-1 0,0 1-1,0-1 1,0 0 0,0 1 0,1-2 0,6-2-32,0 0-1,0-1 0,0 0 0,0-1 0,2-1 33,13-11-217,-1-1 0,-1 0 0,-1-2 0,0 0 0,-2-2 0,-1 0 0,0-1 0,-2-1 0,-1-1 0,8-16 217,-12 17-388,0-1 0,4-16 388,-13 33-11,-1-1 0,0 0 0,0 0 0,0 0 0,-1 0 0,-1 0 0,0 0 0,0 0 0,-1-1 11,1 10 23,0-1 0,0 1 0,-1 0-1,1-1 1,0 1 0,-1 0 0,1 0 0,-1-1-1,1 1 1,-1 0 0,0 0 0,0 0 0,1 0-1,-1-1 1,0 1 0,0 0 0,0 1 0,0-1 0,0 0-1,0 0 1,0 0 0,0 0 0,-2 0-23,2 1 25,-1-1 1,1 1 0,-1 0-1,1 0 1,-1 0-1,1 0 1,-1 0 0,1 0-1,-1 0 1,1 1-1,-1-1 1,1 0 0,-1 1-1,1-1 1,-1 1-1,1 0 1,-1-1 0,1 1-1,0 0 1,0 0-1,-1 0 1,1 0-26,-4 3 95,1 1 0,-1-1 0,1 1 1,0 0-1,1 1 0,-1-1 0,1 1 0,0-1 0,0 1 0,1 0 0,-1 0 0,1 2-95,-4 12 317,1-1-1,1 1 1,-1 7-317,3-10 122,1-1 1,0 1 0,1 0-1,1 0 1,0 0 0,1 0-1,1 0 1,1 0 0,0-1-1,2 1-122,-4-10-30,1-1-1,0 1 0,0 0 0,0-1 0,1 0 0,0 0 0,0 0 0,1 0 0,0-1 0,0 1 1,0-1-1,1-1 0,-1 1 0,1-1 0,0 0 0,0 0 0,1 0 0,-1-1 0,1 0 1,0-1-1,-1 1 0,1-1 0,1-1 0,3 1 31,-1-1-542,0 0 1,1-1-1,-1-1 1,0 0-1,1 0 1,-1-1-1,0 0 1,0-1-1,0 0 1,0 0-1,0-1 1,-1-1-1,9-5 542,31-18-1002</inkml:trace>
+  <inkml:trace contextRef="#ctx0" brushRef="#br0" timeOffset="1724.389">2571 871 10624,'-2'-1'334,"1"0"0,-1-1 1,0 1-1,0 0 0,0 0 1,1 0-1,-1 0 0,0 0 0,0 1 1,0-1-1,-1 1 0,1-1 1,0 1-1,0 0 0,0 0 1,0 0-1,-2 0-334,1 0 182,0 1-1,0 0 1,-1 0-1,1 0 1,0 0-1,0 0 1,1 1-1,-1-1 1,0 1 0,0 0-1,0 0-181,-6 6 254,1 0 0,-1 0 0,2 1 1,-1 0-1,1 0 0,0 1-254,3-4 159,0-1 0,1 1 0,0 0 0,0 0 0,0 0 0,0 0 0,1 1 0,0-1 0,1 1 0,-1 3-159,1-7 40,1 0 0,0 0 0,0 0-1,1 0 1,-1 0 0,1 0-1,-1 0 1,1 0 0,0-1 0,0 1-1,0 0 1,0 0 0,1 0-1,-1-1 1,1 1 0,0-1 0,-1 1-1,1-1 1,0 0 0,1 0-1,-1 0 1,0 0 0,0 0 0,2 1-40,-2-2 0,1 1 0,0-1-1,0 1 1,-1-1 0,1 0 0,0 0 0,0 0 0,0 0 0,0-1 0,0 1 0,0-1 0,1 0 0,-1 0 0,0 0 0,0 0 0,0-1 0,0 1-1,0-1 1,0 0 0,0 1 0,1-2 0,6-2-32,0 0-1,0-1 0,0 0 0,0-1 0,2-1 33,13-11-217,-1-1 0,-1 0 0,-1-2 0,0 0 0,-2-2 0,-1 0 0,0-1 0,-2-1 0,-1-1 0,8-16 217,-12 17-388,0-1 0,4-16 388,-13 33-11,-1-1 0,0 0 0,0 0 0,0 0 0,-1 0 0,-1 0 0,0 0 0,0 0 0,-1-1 11,1 10 23,0-1 0,0 1 0,-1 0-1,1-1 1,0 1 0,-1 0 0,1 0 0,-1-1-1,1 1 1,-1 0 0,0 0 0,0 0 0,1 0-1,-1-1 1,0 1 0,0 0 0,0 1 0,0-1 0,0 0-1,0 0 1,0 0 0,0 0 0,-2 0-23,2 1 25,-1-1 1,1 1 0,-1 0-1,1 0 1,-1 0-1,1 0 1,-1 0 0,1 0-1,-1 0 1,1 1-1,-1-1 1,1 0 0,-1 1-1,1-1 1,-1 1-1,1 0 1,-1-1 0,1 1-1,0 0 1,0 0-1,-1 0 1,1 0-26,-4 3 95,1 1 0,-1-1 0,1 1 1,0 0-1,1 1 0,-1-1 0,1 1 0,0-1 0,0 1 0,1 0 0,-1 0 0,1 2-95,-4 12 317,1-1-1,1 1 1,-1 7-317,3-10 122,1-1 1,0 1 0,1 0-1,1 0 1,0 0 0,1 0-1,1 0 1,1 0 0,0-1-1,2 1-122,-4-10-30,1-1-1,0 1 0,0 0 0,0-1 0,1 0 0,0 0 0,0 0 0,1 0 0,0-1 0,0 1 1,0-1-1,1-1 0,-1 1 0,1-1 0,0 0 0,0 0 0,1 0 0,-1-1 0,1 0 1,0-1-1,-1 1 0,1-1 0,1-1 0,3 1 31,-1-1-542,0 0 1,1-1-1,-1-1 1,0 0-1,1 0 1,-1-1-1,0 0 1,0-1-1,0 0 1,0 0-1,0-1 1,-1-1-1,9-5 542,31-18-1002</inkml:trace>
 </inkml:ink>
 </file>
 
@@ -200,7 +206,7 @@
     </inkml:brush>
   </inkml:definitions>
   <inkml:trace contextRef="#ctx0" brushRef="#br0">224 129 4352,'0'-7'1135,"0"7"-717,4 6 823,-3-5-425,-1-1 0,0 0-666,1-1 0,0 1 0,0 0-1,0 0 1,0 0 0,-1-1 0,1 1-1,0 0 1,0-1 0,0 1 0,-1-1-1,1 1 1,0-1-150,1-5 328,1-2 69,-1 6-341,0 0-1,-1 1 0,1-1 0,-1 0 0,1 0 1,-1 0-1,0 0 0,0-1 0,0 1 0,0 0 1,0 0-1,0-1 0,-1 1 0,1 0 1,-1-1-1,0 1 0,1-2-55,-1 3 90,0 0-1,0 0 1,0 0-1,0 0 1,0 0 0,1 0-1,-1 0 1,0 0-1,1 1 1,-1-1 0,1 0-1,-1 0 1,1 0-1,0 0-89,-1 0 77,1 1 0,-1-1 0,1 0 0,-1 0 0,1 1 0,-1-1 0,0 0-1,1 0 1,-1 0 0,0 0 0,0 1 0,1-1 0,-1 0 0,0 0-77,0-1 130,1 0 1,-1 0 0,1 1 0,-1-1 0,1 1 0,0-1-1,0 0 1,0 1 0,0-1 0,0 1 0,0 0 0,0-1-1,1 1 1,-1 0 0,1-1-131,0-4 413,-2 4-349,-2 7 24,-5 16 155,1 0-1,0 7-242,-8 26 161,-52 153-940,16-63 235,23-70 485</inkml:trace>
-  <inkml:trace contextRef="#ctx0" brushRef="#br0" timeOffset="932.469">251 20 5760,'0'-6'1242,"0"6"-1168,-1-1-1,1 1 1,0 0 0,0-1-1,0 1 1,0 0 0,0-1-1,0 1 1,0-1-1,0 1 1,0 0 0,0-1-1,0 1 1,0 0 0,0-1-1,0 1 1,0-1 0,0 1-1,0 0 1,0-1-1,0 1 1,1 0 0,-1-1-1,0 1 1,0 0 0,0-1-1,1 1 1,-1 0-1,0-1 1,0 1 0,1 0-1,-1 0 1,0-1 0,1 1-1,-1 0 1,0 0-1,1 0 1,-1 0 0,0-1-1,1 1 1,-1 0-74,1 0 149,-1 0-53,1 0-76,-1 0-1,0 0 0,1 0 0,-1 0 1,0 0-1,1 0 0,-1 0 0,1 0 1,-1 0-1,0 0 0,1 0 0,-1 0 1,0 1-1,1-1 0,-1 0 0,0 0 1,0 0-1,1 1 0,-1-1 1,0 0-1,1 0 0,-1 0 0,0 1 1,0-1-1,1 0 0,-1 1 0,0-1 1,0 0-1,0 1 0,0-1 0,1 0 1,-1 1-1,0-1 0,0 0 0,0 1 1,0-1-20,1 7 273,-1 0 1,0 0 0,0 1-1,-1-1 1,0 0 0,0 0-1,-1 0-273,-14 54 926,13-51-807,-34 108 1151,-35 69-1270,16-59-3233,54-123 2945,-6 11-1472,0 0 0,-6 7 1760,-1-2-2546,-17 17 2546,32-38-3</inkml:trace>
+  <inkml:trace contextRef="#ctx0" brushRef="#br0" timeOffset="932.468">251 20 5760,'0'-6'1242,"0"6"-1168,-1-1-1,1 1 1,0 0 0,0-1-1,0 1 1,0 0 0,0-1-1,0 1 1,0-1-1,0 1 1,0 0 0,0-1-1,0 1 1,0 0 0,0-1-1,0 1 1,0-1 0,0 1-1,0 0 1,0-1-1,0 1 1,1 0 0,-1-1-1,0 1 1,0 0 0,0-1-1,1 1 1,-1 0-1,0-1 1,0 1 0,1 0-1,-1 0 1,0-1 0,1 1-1,-1 0 1,0 0-1,1 0 1,-1 0 0,0-1-1,1 1 1,-1 0-74,1 0 149,-1 0-53,1 0-76,-1 0-1,0 0 0,1 0 0,-1 0 1,0 0-1,1 0 0,-1 0 0,1 0 1,-1 0-1,0 0 0,1 0 0,-1 0 1,0 1-1,1-1 0,-1 0 0,0 0 1,0 0-1,1 1 0,-1-1 1,0 0-1,1 0 0,-1 0 0,0 1 1,0-1-1,1 0 0,-1 1 0,0-1 1,0 0-1,0 1 0,0-1 0,1 0 1,-1 1-1,0-1 0,0 0 0,0 1 1,0-1-20,1 7 273,-1 0 1,0 0 0,0 1-1,-1-1 1,0 0 0,0 0-1,-1 0-273,-14 54 926,13-51-807,-34 108 1151,-35 69-1270,16-59-3233,54-123 2945,-6 11-1472,0 0 0,-6 7 1760,-1-2-2546,-17 17 2546,32-38-3</inkml:trace>
 </inkml:ink>
 </file>
 
@@ -276,6 +282,62 @@
           <inkml:channelProperty channel="F" name="resolution" value="0" units="1/dev"/>
         </inkml:channelProperties>
       </inkml:inkSource>
+      <inkml:timestamp xml:id="ts0" timeString="2019-05-24T10:30:14.865"/>
+    </inkml:context>
+    <inkml:brush xml:id="br0">
+      <inkml:brushProperty name="width" value="0.1" units="cm"/>
+      <inkml:brushProperty name="height" value="0.1" units="cm"/>
+      <inkml:brushProperty name="color" value="#F6630D"/>
+    </inkml:brush>
+  </inkml:definitions>
+  <inkml:trace contextRef="#ctx0" brushRef="#br0">33 476 3328,'0'0'36,"0"0"0,0 0 0,0-1 0,-1 1 0,1 0-1,0 0 1,0 0 0,0 0 0,0 0 0,0 0 0,0-1 0,0 1 0,0 0 0,0 0 0,0 0 0,0 0 0,0 0 0,-1 0 0,1 0 0,0 0-1,0 0 1,0 0 0,0 0 0,0-1 0,0 1 0,0 0 0,-1 0 0,1 0 0,0 0 0,0 0 0,0 0 0,0 0 0,0 0 0,0 0 0,-1 0-1,1 0 1,0 0 0,0 0 0,0 0 0,0 0 0,0 0 0,0 1 0,-1-1 0,1 0 0,0 0 0,0 0 0,0 0 0,0 0 0,0 0 0,0 0-1,0 0 1,0 0 0,-1 0 0,1 0 0,0 1 0,0-1 0,0 0 0,0 0 0,0 0 0,0 0-36,-2 1 713,-15 26 2274,13-18-2475,3-9-466,1 1 0,0-1 1,-1 0-1,1 1 0,0-1 0,0 0 0,0 1 0,-1-1 0,1 0 1,0 1-1,0-1 0,0 1 0,0-1 0,0 0 0,0 1 0,-1-1 0,1 1 1,0-1-1,0 0 0,0 1 0,0-1 0,1 1 0,-1-1 0,0 0 1,0 1-1,0-1-46,5 13 944,-2-11-777,0 0 1,0 0 0,0 0-1,1 0 1,-1 0-1,0-1 1,1 1 0,-1-1-1,1 0 1,-1 0 0,1 0-1,0-1-167,48 6 1556,-34-5-1209,3 0-135,0-2 0,-1 0 0,1-1 0,-1-2 0,1 0 0,-1-1 0,0-1 0,10-4-212,75-18 923,-86 22-950,-1 1 1,1 1 0,0 1-1,0 1 1,2 1 26,99-1 89,-64 3-366,16-3 277,-29-1-10,-2 0 58,0-2-1,2-1-47,12-5 28,42-9-106,2 4 0,57 1 78,-90 12 40,0-3 0,17-5-40,211-36 608,-182 33-309,24 3-299,-99 8 45,0-3 1,-1-1-1,1-1-45,7-2 66,29-2-66,16 6 9,50 4-9,21 0 135,-68 2 79,-1 1-157,-75-2 21,0 0 0,-1-2-1,1 1 1,6-4-78,31-6 212,0 1-1,19 1-211,4-1 62,-33 6-18,-29 4-32,0 0 0,0-1 0,9-3-12,-13 3-1,-1 0 1,1 0-1,0 1 1,-1 0-1,1 1 0,5 1 1,1-1-7,105-8-14,-92 6 121,-23 1-112,0 1-1,-1-1 1,1 1 0,0 1 0,0-1 0,0 1 12,9 1 22,0 0-1,0-2 1,-1 0 0,11-1-22,10 0 30,-25 1-29,-1-1 0,1 0 0,0 0 0,-1-1 0,1 0-1,43-1 0,1-2 0,-33 1-10,1 2 0,0 1-1,2 0 11,43-3-97,-28 1 162,-29 3-26,0 0-1,0-1 1,0-1-1,8-1-38,-10 1 7,1 0-1,-1 0 1,1 1 0,0 1-1,0 0 1,7 0-7,5 0-3,74-9 339,-4 1-405,7 0 186,-57 4-115,-33 2 16,0 1-1,0 1 1,0-1 0,0 1 0,2 0-18,-1 1 14,0-1 0,0 0-1,9-1-13,13-1-89,-14 0 51,-15 2 38,0-1 1,1 1 0,-1 0-1,0 0 1,1 0 0,-1 0-1,0 0 1,1 0-1,-1 1 1,1-1-1,4 2 17,-1-1-1,1-1 1,0 1 0,0-1 0,0 0-1,4-1-16,12 0 17,25-7-6,-25 7 40,0-1 1,2-2-52,-3 1 52,0 1 1,3 1-53,-6 0 20,0-1 0,11-3-20,-11 2-1,0 1-1,13 0 2,-12 3 29,-11 0-10,0-1-1,0 0 1,0-1 0,0 0 0,3 0-19,-8 0 1,1 0 0,0 1-1,0 0 1,0 0 0,0 0 0,-1 0-1,3 1 0,19 1 0,-8-3 61,0 0 0,14-4-61,-14 2 174,-1 1 0,16 0-174,-8 3 40,-18-1-19,1 1 0,-1-1 0,1 0-1,-1-1 1,0 1 0,7-3-21,-11 2 1,1 1-1,-1-1 1,0 1-1,0 0 1,0 0 0,1 0-1,-1 0 1,0 1-1,1 0 0,21 1 0,85-2 128,-106-1-119,-1 1 0,0-1 0,0 0 0,0 1 0,0-1 0,0-1 0,0 1 0,0 0 0,0-1-9,0 1 16,0-1-1,0 1 0,1-1 0,-1 1 1,0 0-1,1 1 0,-1-1 1,0 1-1,2-1-15,65 1 219,-59-3-127,-10 3-89,-1 0-1,0 0 0,1 0 1,-1 0-1,0-1 1,1 1-1,-1 0 1,0 0-1,1 0 0,-1 0 1,0 0-1,1 0 1,-1 0-1,1 0 1,-1 0-1,0 0 0,1 0 1,-1 0-1,0 0 1,1 1-1,-1-1 1,0 0-1,1 0 0,-1 0 1,0 0-1,1 1 1,-1-1-1,0 0 1,0 0-1,1 1-2,1-1-116,-1 1 0,1-1 0,0 1 0,0-1 0,0 0 0,0 0 0,-1 0-1,1 0 1,0 0 0,0 0 0,0 0 0,0 0 0,-1-1 0,1 1 0,0-1 0,0 0 0,-1 1 0,1-1 0,0 0 0,-1 0 0,2-1 116,-1 2-539,2-2-2773,3-5 1830</inkml:trace>
+</inkml:ink>
+</file>
+
+<file path=ppt/ink/ink15.xml><?xml version="1.0" encoding="utf-8"?>
+<inkml:ink xmlns:inkml="http://www.w3.org/2003/InkML">
+  <inkml:definitions>
+    <inkml:context xml:id="ctx0">
+      <inkml:inkSource xml:id="inkSrc0">
+        <inkml:traceFormat>
+          <inkml:channel name="X" type="integer" min="-2.14748E9" max="2.14748E9" units="cm"/>
+          <inkml:channel name="Y" type="integer" min="-2.14748E9" max="2.14748E9" units="cm"/>
+          <inkml:channel name="F" type="integer" max="32767" units="dev"/>
+        </inkml:traceFormat>
+        <inkml:channelProperties>
+          <inkml:channelProperty channel="X" name="resolution" value="1000" units="1/cm"/>
+          <inkml:channelProperty channel="Y" name="resolution" value="1000" units="1/cm"/>
+          <inkml:channelProperty channel="F" name="resolution" value="0" units="1/dev"/>
+        </inkml:channelProperties>
+      </inkml:inkSource>
+      <inkml:timestamp xml:id="ts0" timeString="2019-05-24T10:30:17.598"/>
+    </inkml:context>
+    <inkml:brush xml:id="br0">
+      <inkml:brushProperty name="width" value="0.1" units="cm"/>
+      <inkml:brushProperty name="height" value="0.1" units="cm"/>
+      <inkml:brushProperty name="color" value="#F6630D"/>
+    </inkml:brush>
+  </inkml:definitions>
+  <inkml:trace contextRef="#ctx0" brushRef="#br0">4 120 4864,'-4'0'3775,"10"1"-306,11 1-2164,-5-2-1223,-6 1 59,-1-1-1,1 0 1,-1-1-1,1 1 1,-1-1 0,1 0-1,-1 0 1,1 0-1,-1-1 1,2-1-141,7-2 3,0 0 0,1 1 0,0 0 0,0 1 0,0 1 0,0 1 0,2 0-3,2-1-69,11 0 63,-22 2 8,0 0 1,0-1-1,0 1 0,0-2 0,6-1-2,6-2-2,-1 1 0,1 1 0,0 1 0,0 0 0,12 2 2,-21-1 5,-1 0 0,1-1 0,0 0 1,3-1-6,27-5 160,-19 3-22,-19 3-107,0 2-1,0-1 1,0 0-1,0 1 0,0-1 1,0 1-1,0 0 1,0 0-1,1 0 1,-1 0-31,3 1 61,-1-1 0,0 0 0,0 0 1,1-1-1,-1 1 0,0-1 1,0 0-1,5-2-61,-5 1 32,0 1 0,0 0 0,1 0 0,-1 0 0,0 1 0,0-1 0,0 1 0,2 1-32,0-1 7,-1 1 1,0-1-1,0-1 0,1 1 1,-1-1-1,2 0-7,-1 0 41,-1 0 1,1 0-1,-1 1 0,1 0 1,3 0-42,1 1 117,0-1 1,0 0-1,10-2-117,21 0 80,-11 3 39,19-1-119,-10 0 3,-11-2 788,0-1 0,17-4-791,-39 6-56,3 0 26,0-1 1,1 1 0,-1 1-1,5 0 30,17 2 16,1-1 0,11-3-16,9 1-160,-26 1 160,18 0-136,-1 1 0,8 4 136,97 21 299,-133-24 107,-1-1 1,0-1-1,1 0 0,4-1-406,14 0-100,255 1 570,-263-3-392,-21 2-85,-1 0-1,1 0 0,0 1 0,0 0 1,-1 0-1,2 0 8,61 8-374,-41-7-3247,-17-1 2619</inkml:trace>
+</inkml:ink>
+</file>
+
+<file path=ppt/ink/ink16.xml><?xml version="1.0" encoding="utf-8"?>
+<inkml:ink xmlns:inkml="http://www.w3.org/2003/InkML">
+  <inkml:definitions>
+    <inkml:context xml:id="ctx0">
+      <inkml:inkSource xml:id="inkSrc0">
+        <inkml:traceFormat>
+          <inkml:channel name="X" type="integer" min="-2.14748E9" max="2.14748E9" units="cm"/>
+          <inkml:channel name="Y" type="integer" min="-2.14748E9" max="2.14748E9" units="cm"/>
+          <inkml:channel name="F" type="integer" max="32767" units="dev"/>
+        </inkml:traceFormat>
+        <inkml:channelProperties>
+          <inkml:channelProperty channel="X" name="resolution" value="1000" units="1/cm"/>
+          <inkml:channelProperty channel="Y" name="resolution" value="1000" units="1/cm"/>
+          <inkml:channelProperty channel="F" name="resolution" value="0" units="1/dev"/>
+        </inkml:channelProperties>
+      </inkml:inkSource>
       <inkml:timestamp xml:id="ts0" timeString="2019-05-24T06:51:23.573"/>
     </inkml:context>
     <inkml:brush xml:id="br0">
@@ -298,7 +360,7 @@
   <inkml:trace contextRef="#ctx0" brushRef="#br0" timeOffset="100737.688">15370 3902 4864,'0'0'1824,"0"0"-1408,0 0 512,0 0 640,0 0-896,0 0 256,0 7-576,0 0-896,4 3 288,-4 0-800,4 6 608</inkml:trace>
   <inkml:trace contextRef="#ctx0" brushRef="#br0" timeOffset="-69346.551">5037 4157 6784,'4'-10'2624,"-4"13"-2048,0-3 576,0 0 64,0 0-160,0 0 96,0 0 0,0 0-33,0 0-575,0 0-128,0 3 32,0 4-192,0 3-64,-4 3 32,-4 4 64,1 3-64,-4 4-64,-1 3-64,-3 3 0,-4 3-64,-3 8 64,-1-5-64,-3 1 64,-4 3-64,-1 1-32,1-1 32,0 0-32,0 0 0,0 4 0,3-1 0,9-9 0,-1-4 0,-4 10 0,4-6 0,-3 6 0,3-3 0,-4 7 64,4-8-32,-7 5-32,7-8 32,-7 4-32,3-4 0,-3 8 0,3-14 0,-7 6 0,7-3 0,-7 7 0,7-3 0,-3 6 0,3-7 64,-3 4 32,3 0 32,-7 3 0,11-10-64,-11 14-64,15-11 32,-15 8 32,15-8 96,-15 11 64,11-7-96,-4 0-32,4-1-32,-3 5-64,7-8-64,-12 4-32,8-7-2272,1-6-959,6-1 1663,-7-10 896</inkml:trace>
   <inkml:trace contextRef="#ctx0" brushRef="#br0" timeOffset="14006.613">15007 5766 6912,'-3'3'2624,"3"-3"-2048,0 0 288,0 0 0,0 0-32,0 0 64,0 4-416,0-4-128,0 0-224,0 0-96,0 0 64,0 0-128,7 3 0,1-3 160,3 0 160,4 0 128,4 0 128,0 0-96,7 0-1,4 0-191,1-3 0,3-1-224,-1 1-32,5 0 0,0-1 0,3 1 0,1 3 0,3 0 0,0 0 0,8 0 0,0 0 0,3 3 0,1-3 64,3 0 32,-3 0 96,3 0-96,-15 0 0,-7 0 32,19 0 64,-12 0-160,19-3-96,-15 3 32,11-3 0,-11 3 96,8-4 32,-12 1-192,8 3-64,-8 0 64,8 0 32,-8 0 128,4 0 32,-7 0-32,7 0-64,-8 0-64,8 0 32,-4 0 96,-7 0 32,-4 0-32,4 0-64,-4 0-128,3 0 0,-3 0 128,8 0 128,-8 0-96,4-3-96,-5 3 32,1 0 64,-3 0 0,-1 0 64,-4 0 0,0 0 96,-3 0-96,3-4 0,1 4-96,-1 0-32,1 0 32,-1 0 64,-3 0-96,3 0 0,-3 0 32,-1 0 0,-3 0 0,4 0 64,-4 0-32,3-3-32,-3 0-64,0-1 32,0 4 32,0 0 64,0 0-32,3-3-32,-3-1 32,4 4-32,-5 0 0,1-3 64,-4 3-32,0 0-32,-3 0 96,3-3 0,-4-1-32,8 4 32,-4 0-64,4 0-32,-4 0 32,8 0-32,-4 0 64,11 0 32,-11 0 32,7 0 0,-7 0-64,3 0 32,-3 0-352,-4 0-128,0 0 192,-11-6 64</inkml:trace>
-  <inkml:trace contextRef="#ctx0" brushRef="#br0" timeOffset="15777.878">15015 5769 7040,'0'-3'2624,"0"13"-2048,0-13 416,0 3 32,0 0-192,0 0-32,0 0-160,0 0-64,0 6-320,0 1 192,0 3 96,4 0 63,0 4 97,-1-1-96,1 4-64,0 3-96,3 3 32,1 4-128,0 3 32,-5 4-160,5 3 32,-1-4-96,-3 1 64,0-1-64,0 1 64,-4-1-64,0 1 64,0-1 0,0 1 32,0-4-64,0 0-32,0 0-96,3 4-64,1-1-64,0-6 32,-4-3 32,4 6 64,-4-3-96,0 3 0,0 0 96,0 0 32,0-6-32,4 2 32,-4-2-64,3 3-32,-3-4 96,0 4 64,0-4-128,0 4-32,0-3 288,0-1 96,8 11-96,-8-11-32,0-6-64,4 3-32,-4-3-96,0-1-64,0-2-64,0-1 32,0-3-32,0 0-64,0 0-352,0-3-64,0 3-1728,0-3-640,0-4-2399,-4 4-1089,4 0 3360</inkml:trace>
+  <inkml:trace contextRef="#ctx0" brushRef="#br0" timeOffset="15777.877">15015 5769 7040,'0'-3'2624,"0"13"-2048,0-13 416,0 3 32,0 0-192,0 0-32,0 0-160,0 0-64,0 6-320,0 1 192,0 3 96,4 0 63,0 4 97,-1-1-96,1 4-64,0 3-96,3 3 32,1 4-128,0 3 32,-5 4-160,5 3 32,-1-4-96,-3 1 64,0-1-64,0 1 64,-4-1-64,0 1 64,0-1 0,0 1 32,0-4-64,0 0-32,0 0-96,3 4-64,1-1-64,0-6 32,-4-3 32,4 6 64,-4-3-96,0 3 0,0 0 96,0 0 32,0-6-32,4 2 32,-4-2-64,3 3-32,-3-4 96,0 4 64,0-4-128,0 4-32,0-3 288,0-1 96,8 11-96,-8-11-32,0-6-64,4 3-32,-4-3-96,0-1-64,0-2-64,0-1 32,0-3-32,0 0-64,0 0-352,0-3-64,0 3-1728,0-3-640,0-4-2399,-4 4-1089,4 0 3360</inkml:trace>
   <inkml:trace contextRef="#ctx0" brushRef="#br0" timeOffset="69285.831">15237 7636 8064,'4'-7'2976,"-4"7"-2304,0 7 224,0-7 0,0 0-192,4 0-32,4 0-160,3 0-64,0 0-256,1 7 96,3-4 31,0 1 33,0-1 32,4-3 64,-4 0 128,-4 0-32,8 0-32,3 0-128,5 0-64,-1-3-128,4-1-32,1 4-96,-1-3 32,4 3-64,0 0 64,3 0-64,1 0-32,3 3 32,-3 1 32,-4-1 32,-7 0 32,-5 1 0,12-4 64,11 0-96,-11 0 0,-4 0-32,12 0 32,-8 0-64,15 0 64,-11 0-128,11 3 0,-12-3 32,8 0 64,-7 0-96,7 0 0,-7 0 32,11 0 0,-7-3 0,7 6 64,-8-3-96,8 0 0,-7 0-32,3 0 0,-7 0 64,3 0 0,-7 0 0,4 0 64,-4 0-32,0 0-32,-4 0 32,0 0-32,-4 0-96,8 0 64,-4-3 32,4-1 64,-4 1-96,8 0 0,-4-1-32,4 8 0,-8-4 0,0 0 0,0 0 64,4 0 0,-7 0 0,-1 0 64,-3 0-96,3 0 0,-3 0 32,3-4 0,-3 4 0,3-3 0,-7-4 0,7 7 0,-3 0 0,0 0 64,-5 0-32,1 0-32,-4-3-64,0 3 32,0 0 32,1 0 0,-1 0 0,0-4 0,0 4 0,4 0 64,-4 0-96,4 0 0,-4 0 32,0 0 0,-4 0 0,0 0 0,1 0 0,-1 0 0,0 0 0,1 0 64,-5 0-96,4 0 0,1 0 32,-1 0 0,-3 0 0,3 0 64,-4 0-96,9 0 0,-9 0 32,8 0 0,-7 0 0,3 0 0,-3 0 0,-1 0 64,1 0-96,3 0 0,-4 0 32,1 0 0,0 0 0,-1 0 0,1 0 0,-1 0 0,1 0 0,-1 0 0,-3 0 0,0 0 0,0 0 0,-1 0 0,1 0 64,0 0 32,0 0-128,-1 0 32,5 0 0,-8 0 0,4 0 0,0 0 0,-1 0 0,5 0 0,-8 0 64,4 0 32,-1 0-32,1 0-64,0 0 32,0 0-32,-4 0 0,0 0 64,0 0-32,0 0 64,0 0 0,0 0 96,0 0-32,0 0 0,0 0-96,3 0-64,-3 0 96,0 0 0,0-3 96,0 0 32,0-1-32,0-2 32,0-1-352,-3 0-128,-1 1-1376,0-11-512,0 3 1088,4-9 544</inkml:trace>
   <inkml:trace contextRef="#ctx0" brushRef="#br0" timeOffset="65712.383">18269 5763 4608,'-8'-4'1760,"8"8"-1376,0-4 672,0 0 192,0 0-256,0 0-96,4 0-256,-4 0 0,0 0-352,0 0 192,0 0 64,0 0 64,0 0 32,4 6 0,0 4 0,-1 4-97,1-1 65,0 4-128,-4 3 32,4 0-160,-1 0-32,1 4-64,0 3 0,0-1-64,-4 5 32,0 2-64,4-3 64,-4 0-128,3 1-64,-3-5 64,0 1 0,0 0-128,0 0 32,0 0 0,4-4 0,-4 4 64,0-4 32,0 1 32,0-1 0,0 1-64,0-1 32,0 1-64,-4-1 64,4 4-64,-3 0 64,-1 0 0,4-4 32,0 4-64,0 0 32,0-1 0,0-2 32,-4-1-64,4 1-64,0-1 96,0-3 0,0 0-32,-4 4 32,4-1 0,-4-2 32,4-1-64,0 0-64,0 0 32,0-3-32,0-1 0,0 1 64,0 0-32,0 0-32,-3-1 32,-1 5-32,4-1 0,-4 0 0,4 0-96,0-3 64,0-4 32,0 4 64,-4 3-32,4 0 64,0 3-64,0-2-32,0-5 32,0 1 32,0 3-32,-3-3 64,3 0-64,0-1 64,-4-2 0,4 6 32,0-3-64,0-1 32,0-2-128,0 6 0,0-3 160,0-1 64,0-2-64,-8 3-96,5-4 0,3 4-32,0-7-96,-4 0 0,4-3-1632,0-1-768,0-6 1280,0 0 576</inkml:trace>
   <inkml:trace contextRef="#ctx0" brushRef="#br0" timeOffset="12099.72">14913 5468 3712,'-4'0'1408,"4"0"-1120,-3 0 224,3 0 64,-4 0 384,0 0 192,0 0-128,1 0 32,-1 0-608,0 0 384,4 0 128,0 0 0,0 0 0,-4 0-288,4 0 0,0 0-257,0 0-95,0 0-96,0 0-64,0 0-32,8 0 0,3 0 0,0 0 64,5 0 32,2 0 96,9 0-32,3 0 0,4 0-96,0 0 32,4 0-128,11 0 0,-4 0-32,0 0-64,4-4 32,-7 4-32,-9 0 0,16-3 0,16 0 0,-1-1 0,-4 4 0,-3 0 0,-5 0 0,-3 0 0,0 0 0,0 0 0,4 0 0,-15 0 0,-4 0 0,11 0 0,-7 0 0,15 0 64,-12 0-96,12 0 0,-12 0-32,8 0 0,-7 0 0,3-3-64,-7 0 96,7-1 0,-7 4 32,7 0 0,-7 0 0,7 0 0,-11 0 0,11 0 64,-7 0-96,7 0 0,-11 0 32,7 0 0,-7 0 0,4 0 0,0 0-96,-4 0 64,-4 0 32,7 0 64,-3 0-32,4 0-32,-11 0 32,6 0-32,-2 0 0,3 0 0,-4 0 0,0 0 0,-4 0 0,4 0 64,-3 0-32,3 0-32,-4 0 32,5 0-32,-5 0 0,4 0 0,-11 0 0,7-3 0,-3 3-96,3-7 64,-3 7 32,3 0 64,-3 0-32,0 0-32,-5 0-64,5 0 32,-4 0 32,4 0 64,-5 0-32,5 0-32,-4 0-64,3 0 32,-3 0 32,4 0 64,-4 0-32,0 0 64,0 0 0,-1 0 32,1 0-64,0 0 32,4 0-64,-4 0 64,-1 0-64,1 0-32,0 0 32,0 0 32,-4 0-96,0 0 0,-4 0-128,1 0 32,-5 0-288,5-3-64,-5 0-2495,4-1-1121,1 4 2080,-5 0 992</inkml:trace>
@@ -307,38 +369,38 @@
   <inkml:trace contextRef="#ctx0" brushRef="#br0" timeOffset="-51772.124">1107 9393 7168,'8'-10'2720,"-16"10"-2112,8-10 800,0 6 224,0 1-288,-3 0-64,-5-1-513,0 1-223,-3 3-320,0 3 256,-1 1 224,-3 6-224,0 3-96,-7 7-224,7 4-64,-8 6-32,8 3 32,-4 4-64,12-7 64,-1-6-64,4 13 64,4 3-64,4 0-32,4-3 32,3-4-32,4-2 64,4-1 96,0-7-64,7-3-64,-3-3 0,3-4-32,0-3 0,1-3 0,3-3 0,-4-8 0,1-3 0,3-9 64,0-4-32,0 0-32,-3-1 32,3-2 32,-4-1-32,-7 1 64,0 0-64,-4-1-32,-4 1 96,1-4 0,-5 3-32,1-2-64,-5 2 32,-3-6-32,-3 6 0,3 1 64,-8 3 32,1 0 32,-1-4-160,-3 4 32,-4 3 0,0 1 64,-8 2-32,0 4-32,-3 4 32,0-1-32,-5 7-224,-3 0-96,-3 0-256,-1 7-96,-3 3-1504,3 6-639,0 8 1471,8 6 672</inkml:trace>
   <inkml:trace contextRef="#ctx0" brushRef="#br0" timeOffset="-28087.851">11919 3686 5888,'0'-4'2176,"0"4"-1664,4 0 448,-4 0 128,0 0-352,0 0-96,0 0-224,0 0-96,0 0-192,0 0-32,0-3 32,0 3-64,3-3-64,1-1 224,-4-3 160,0 7 288,0 0 224,0 0 64,0 0 127,0 0-223,0 0-128,0 0-224,0 0-64,0-6-192,0 6 0,0 0-96,0 0 64,0 0-64,0 0 64,4 6 64,0 1 64,-1 3 32,1 0 64,0 7-96,0 0-32,0 10-128,-4-1 32,3 5-128,-3 2 0,4 1-32,-4-4 32,0-3-64,4-4-32,-4 1 32,0-11-32,0-6-224,0 3-96,0-10-1216,0-4-544,0-9-3359,0 0-1441,4-4 3584</inkml:trace>
   <inkml:trace contextRef="#ctx0" brushRef="#br0" timeOffset="-31797.913">11926 3739 2048,'-3'4'864,"3"-1"-672,-4-3-32,4 0-96</inkml:trace>
-  <inkml:trace contextRef="#ctx0" brushRef="#br0" timeOffset="-28240.444">11919 3719 2816,'-4'0'1120,"4"0"-864,0 3-192,0-3-192,0 0-256,0 0 0,4-3 192,0 0 96</inkml:trace>
+  <inkml:trace contextRef="#ctx0" brushRef="#br0" timeOffset="-28240.445">11919 3719 2816,'-4'0'1120,"4"0"-864,0 3-192,0-3-192,0 0-256,0 0 0,4-3 192,0 0 96</inkml:trace>
   <inkml:trace contextRef="#ctx0" brushRef="#br0" timeOffset="-27354.813">11945 3646 4864,'-4'0'1824,"4"0"-1408,0 4 576,0-1 256,0-3-160,0 0 32,0 0-224,0 0 0,0 0-512,0 0 352,0 0 192,0 0-64,0 3 31,0 1-191,-3-4-128,3 0-128,0 0 32,0 0 32,0 0-32,0 0-160,0 0-128,7 0-32,1 0 32,3-4-32,4 1 0,0 0 32,4-1 96,0 4 0,4 0 64,3-3-192,4-4-32,8 7 0,-4-6 0,0-1-64,-4 0-64,-4 1-128,-7-5-64,-4 5-2240,-7 2-992,-12 1 1729,-7-4 831</inkml:trace>
-  <inkml:trace contextRef="#ctx0" brushRef="#br0" timeOffset="125688.982">15695 11090 1920,'0'-7'768,"0"7"-576,8 0 352,-8 0 768,4 0-736,-1 0 960,5 0-896,-8 0 960,0 0-928,0 0 512,0 0-672,0-3 128,7 3-352,-3-7 256,4 7-320,-5-3 224,1 3-224,-4-3 0,4 3-128,-4-4 288,0 4-192,0-3 384,0 6-320,0-6 160,0 3-256,0-3 64,0 6-129,0-3 225,0 0-192,0 0 384,0 0-288,-4 0 224,4 7-224,-7-4 64,3 4-160,-4-1 160,5 1-192,-9 0 192,5 3-192,-5-3 96,5 3-96,-4-4 96,-1 4-128,-3-3 32,8 0-32,-5 0 32,5-1-64,-4-2 64,7 2-64,-4-2-32,4-1 32,-3 0-128,7 1 64,-8-4-32,8 0 0,-7 0 64,7 3 0,-8-3 64,4 3-32,-3 1 64,3-1-64,-3 0-32,7 1 32,-8-1-32,8 1 0,-7-4 0,7 3 0,-4-3 64,4 0-32,-4 0 128,4 3-96,-4-3-32,4 4 0,-4-4-32,8 3 0,-4-3 0,0 0 0,0 0 0,0 0 64,0 0 32,0 0 96,0 0 96,0 0-128,0 0-32,0 0 64,0 0-96,0 0-64,0 0-96,0 3 32,0 1-32,0-4 0,0 0 64,0 0 0,-4 0 0,4 0 64,0 0-32,0 3-32,0-3 32,0 3 32,0-3-32,-3 0-32,3 0-64,0 0 32,0 0 32,0 0 0,0 0 0,0 0 0,0 0 0,0 0 0,0 0 0,0 0 64,0 0-32,0 0-32,0 0 96,0 0 0,0 0-128,0 0 32,0 0 0,0 0 64,0 0-32,0 0 64,0 0 0,0 0 32,0 4-160,0-4 32,0 0 0,0 0 0,0 3 0,0-3 64,3 7-32,1-1-32,0 1 32,4 0-32,-1 0 64,1-1 32,-1 1-128,1 0 32,-1-1 64,1 1 32,-1 0-128,1-1 32,-1 5 0,1-5 64,0 1-32,3 0 64,-7-1-64,3 1 64,1-4 0,-5 4 32,5-4 0,-8-3 0,0 7-64,11-4 32,-11 1-64,15-1 64,-7 1-352,-4-1-64,3 0 512,5 4 288,-5 0-128,1-1-96,-1 1-96,-3 0 32,-4-4-96,0-3 0,0 0-192,0 0-64,0 0-512,0 0-128,0 0-2400,0 0-1087,0 0 2207,0-3 1056</inkml:trace>
+  <inkml:trace contextRef="#ctx0" brushRef="#br0" timeOffset="125688.981">15695 11090 1920,'0'-7'768,"0"7"-576,8 0 352,-8 0 768,4 0-736,-1 0 960,5 0-896,-8 0 960,0 0-928,0 0 512,0 0-672,0-3 128,7 3-352,-3-7 256,4 7-320,-5-3 224,1 3-224,-4-3 0,4 3-128,-4-4 288,0 4-192,0-3 384,0 6-320,0-6 160,0 3-256,0-3 64,0 6-129,0-3 225,0 0-192,0 0 384,0 0-288,-4 0 224,4 7-224,-7-4 64,3 4-160,-4-1 160,5 1-192,-9 0 192,5 3-192,-5-3 96,5 3-96,-4-4 96,-1 4-128,-3-3 32,8 0-32,-5 0 32,5-1-64,-4-2 64,7 2-64,-4-2-32,4-1 32,-3 0-128,7 1 64,-8-4-32,8 0 0,-7 0 64,7 3 0,-8-3 64,4 3-32,-3 1 64,3-1-64,-3 0-32,7 1 32,-8-1-32,8 1 0,-7-4 0,7 3 0,-4-3 64,4 0-32,-4 0 128,4 3-96,-4-3-32,4 4 0,-4-4-32,8 3 0,-4-3 0,0 0 0,0 0 0,0 0 64,0 0 32,0 0 96,0 0 96,0 0-128,0 0-32,0 0 64,0 0-96,0 0-64,0 0-96,0 3 32,0 1-32,0-4 0,0 0 64,0 0 0,-4 0 0,4 0 64,0 0-32,0 3-32,0-3 32,0 3 32,0-3-32,-3 0-32,3 0-64,0 0 32,0 0 32,0 0 0,0 0 0,0 0 0,0 0 0,0 0 0,0 0 0,0 0 64,0 0-32,0 0-32,0 0 96,0 0 0,0 0-128,0 0 32,0 0 0,0 0 64,0 0-32,0 0 64,0 0 0,0 0 32,0 4-160,0-4 32,0 0 0,0 0 0,0 3 0,0-3 64,3 7-32,1-1-32,0 1 32,4 0-32,-1 0 64,1-1 32,-1 1-128,1 0 32,-1-1 64,1 1 32,-1 0-128,1-1 32,-1 5 0,1-5 64,0 1-32,3 0 64,-7-1-64,3 1 64,1-4 0,-5 4 32,5-4 0,-8-3 0,0 7-64,11-4 32,-11 1-64,15-1 64,-7 1-352,-4-1-64,3 0 512,5 4 288,-5 0-128,1-1-96,-1 1-96,-3 0 32,-4-4-96,0-3 0,0 0-192,0 0-64,0 0-512,0 0-128,0 0-2400,0 0-1087,0 0 2207,0-3 1056</inkml:trace>
   <inkml:trace contextRef="#ctx0" brushRef="#br0" timeOffset="127611.841">16780 11175 7296,'-4'-3'2816,"4"3"-2208,-3 0 704,3 0 96,0 3-576,0-3-128,-4 4 544,0-1 255,-3 0-735,-5 4-64,1 0-96,0-1-448,-1 4-64,5-3 128,-4 3 96,-1 0-32,-3 0 64,8 4 96,-1-1 32,0 0-128,5 4-32,-1 0-192,4 0-96,4-4 0,-1 1-32,1-1 0,0-3 0,4 0 0,-1 3 64,1-6-32,7 0 64,-4-4-64,-3-3 64,-1 0-128,1 0 0,-1 0 32,5 0 0,-5 0 0,4 0 0,-3 0 0,-1-3 0,1 3 0,0-3 0,-5-1 64,1 1 32,0-1 32,3 1 0,-3 0-64,4-7 32,-5 6-128,1-2-64,0 2 128,0-2 32,0-1-160,-1 0 0,1 0 32,0 1 32,0-1 160,-1 0 64,1 1-64,0-1-96,0 4 0,-1-4-32,1 4-224,0-1-96,-4 1 448,0 0 224,0-1-96,0 1-64,0-1-96,0 1-96,0 0 32,0-1-32,0 1 0,4-4 0,-4 4 0,0-4 64,0 4-32,0-4 64,0 4 0,0-4 32,0 4-64,-4-4 32,0 4-128,-3-4-64,3 0-32,-4 1 0,-3-1-128,0 4 0,3-1-640,-3 1-224,0 0-1248,-1-1-512,5 4 1537,-1 0 767</inkml:trace>
   <inkml:trace contextRef="#ctx0" brushRef="#br0" timeOffset="196266.302">17579 11220 6656,'0'0'2528,"0"0"-1952,4-7 608,-4 4 704,0 6-1088,0-3 416,0 0-736,0-3 352,0 3-481,0-4 385,3 1-416,-3 0 416,4 3-448,-4-4 448,0 8-448,0-1 288,4 7-320,0 4 128,-1-1-224,1 4 128,0-1-160,-4-2 0,0 9 0,0 1 0,0-7 0,0-1-64,0-2-64,0-4-192,0-4-32,0-6-64,0 0 96,0 0-32,0-3 64,0-10-128,0 3-32,0-7-128,0 0 160,0 0 96,0 1 128,0-1 32,0 0 32,0 4 0,0-4-96,0 0 64,0 0 32,0 1 64,0 2-32,0 4 64,4 0 128,-4 3 128,0 1-64,0-1 64,0 4 0,0-1 32,0 1-64,0 3-32,0 0-96,0 0-32,0 0-32,0 0 0,0 0-64,4 0-64,3 0 32,1 3 32,3-3-32,4 0 64,4 0-64,0 0-32,0 0 32,-1 0 32,-2 0-32,-1 4-32,0-1 32,0 0 32,-4 1-32,-3-1-32,-1 0 32,-3 1-32,-4-4 0,4 3 64,-4-3 32,0 0 32,0 0-64,3 7-64,1 0 32,0-1 32,4 1-32,-8 0-32,0-1 32,3 4 32,-3 0-32,4 4-32,-4 6 32,0-3-32,0 3 0,0-3 0,0 3 0,0-7 0,4 4 0,-4 0 0,0-4 0,0-3 0,0 0 0,0-3 0,4 0 0,-4-7 64,0 6 96,0-6-224,0 0 0,0 0 64,0 0 128,0 0-192,0 0 0,0 0 0,0 0 32,0 0 32,0 0 0,0 0 64,0 0 32,0 0-32,0 4-64,-4-1-128,-4 0 0,-3-3 352,0 4 128,-4-1-64,0 0-96,-4 1-96,0-4 0,0 0-128,0 0 0,0-4-128,4 8 32,0-8-224,4 4-96,0 0-256,-1 0-32,5-3-480,-1 3-160,1-3-2431,3 3-1057,0 0 2528,0 3 1184</inkml:trace>
   <inkml:trace contextRef="#ctx0" brushRef="#br0" timeOffset="22244.589">15862 5996 7552,'0'0'2880,"0"3"-2240,-8 4 608,8 0 160,4 6-96,-4 0 0,0 4-225,0 3-31,0 0-608,4 4 96,-4-4 96,0 0-224,0 0 0,3-3-224,-3-4-64,-3-3 0,-1 1 0,4-5-160,-4-2 32,0-4-224,4-4 0,-3 1 32,-1-7 32,4-4 0,-4-2 32,0-4 0,0-1 0,1-2 96,3 0 0,3-1 32,-3 1 0,4 2-96,4-2 0,3 6-32,0 1 96,1-1 0,-1 3 32,4 4 0,-4 0 0,1 4 64,-1-1 32,0 3-32,1 1 32,3 3 0,-4 0 96,0 3-96,1 4-64,-5 3 0,1 0-32,-5 4-96,-3-4 64,0 3 32,-3-3 64,-5 0-32,1 0-32,-5 4 32,1-8-32,0 1 0,-4 0 64,3 0-32,-3-1-32,0 1 32,-4 0-32,4-4-96,4 4 0,3-4-32,5 4 96,3-1 64,0 1 64,3 3 96,5 0 96,-1 0-64,1 0-64,0 0 0,-1 0 32,8 4-96,-4-4 0,-3 0-192,0-3 0,-1-1-608,-3-2-256,0-1-2655,-1-3-1153,1-3 2432,4-4 1184</inkml:trace>
-  <inkml:trace contextRef="#ctx0" brushRef="#br0" timeOffset="22978.63">16039 6100 9984,'-4'7'3680,"4"-1"-2848,0 8 256,4-8-33,-4 4 33,0 0 128,4 0-288,-1 1-96,1-1-480,4-4 0,-1 1 0,1 0-128,-1-4-64,5-3-64,-5 0 0,1 0-64,7-7 64,0-6-224,-4 3 32,0 0-128,-3-4 0,0-6-512,-1 4-256,1-1-1728,-5 3-703,1 4 1695,-4 4 896</inkml:trace>
+  <inkml:trace contextRef="#ctx0" brushRef="#br0" timeOffset="22978.629">16039 6100 9984,'-4'7'3680,"4"-1"-2848,0 8 256,4-8-33,-4 4 33,0 0 128,4 0-288,-1 1-96,1-1-480,4-4 0,-1 1 0,1 0-128,-1-4-64,5-3-64,-5 0 0,1 0-64,7-7 64,0-6-224,-4 3 32,0 0-128,-3-4 0,0-6-512,-1 4-256,1-1-1728,-5 3-703,1 4 1695,-4 4 896</inkml:trace>
   <inkml:trace contextRef="#ctx0" brushRef="#br0" timeOffset="23239.928">16250 6066 9728,'0'4'3680,"0"2"-2848,4 1 608,-4 0 127,0 3-447,-4 0-64,0 3-416,0 1-160,1-1-256,-1 0-96,0 1 64,0-1 32,1-6 32,3 0 0,0-4 0,0-3-128,0-3-32,7-4-192,4-3-64,4-3-160,-3 2-32,-5 1 32,5 0 32,-1 4 96,0-1 128,4 0-32,-7 4 32,-1 0 64,-3 6 64,0 4 32,-4-1 32,0 1-160,0 3-32,0 0-1120,0 0-480,0 0-2463,4-3-1025,-4-7 2752</inkml:trace>
   <inkml:trace contextRef="#ctx0" brushRef="#br0" timeOffset="23645.844">16545 5953 7936,'0'-3'2976,"4"0"-2304,-4 6 448,0-3 64,0 7 96,0 3 95,-4 3-255,0 4-128,0 3-544,1 7 128,-5 0 160,1-1-256,-1-2-32,1-4-128,-1 0-32,4-3-160,-3-4-96,3-3-160,0 0 0,4-10-160,0 0-32,0-3 0,4-7 32,3-3-32,1-4 32,3-7 96,1-2 32,-1-5 96,0 1 32,1 3 32,-5 7 0,1 7 64,3 0 32,0-1 160,1 4 96,-5 3-64,-3 7 0,3 7 32,1 3 32,-4 7 32,0 3 0,-1 7-64,5-4 32,-8 4-128,4-7 32,-4-3-96,3 0 0,1 3-320,0-3-64,0-4-384,-4-6-160,0-1-1696,0-2-799,0-1 1695,0-3 800</inkml:trace>
   <inkml:trace contextRef="#ctx0" brushRef="#br0" timeOffset="24171.437">16522 6087 10880,'0'4'4128,"4"-4"-3200,-8 0 415,4 0 1,0 0-224,4 3 64,0 0-512,-4-3-160,7 4-320,9-1-256,-1 1-128,3-4-1664,-6 0-704,-1 0 1313,-7-7 607</inkml:trace>
-  <inkml:trace contextRef="#ctx0" brushRef="#br0" timeOffset="21107.63">15458 5946 6784,'4'-7'2624,"-4"7"-2048,4 0 832,-4 0 1216,0 0-1472,-4 0 959,4 0-1247,-8 0 384,5 3-736,-9 1 288,5 2-480,-8 1 256,7 3-320,-7 0 128,4 0-224,-4 4 128,3-1-160,-3 7 0,8-3-64,-1 3-64,4 0 32,1 0 32,3 0-32,0-3-32,3 3 32,1-3-128,4 3 64,-1-7 32,1 1 0,-1-4-96,5 3 64,-1-6-128,4 3 96,-4-7-96,4 4 64,1-7 0,-1 3 32,0-6-96,0 3 96,0-7 32,0 1 32,-4-4 0,4 3 0,-3-3 0,3 3 0,-4-3 0,0 3 0,-3-3 128,-1 4-64,-3-4 32,4 3-32,-4-3 32,-1 3-64,1-3 64,0 3-64,-4-3 64,0 4-64,0-8 64,0 8-64,0-8 64,0 4-64,0-3-32,0 3 32,-4-4-32,4 8 0,-4-8 0,4 7 0,-3-9 0,6 9 0,-6-3 64,3 7-32,-8-7 128,8 6-96,-4-3 32,4 4-32,-7-4 32,3 7-64,-4-6-160,5 6 64,-9-4-320,5 4 224,-5-3-512,5 0 384,-4-4-864,3 7 672,-7-3-3583,7 3 2239,-7 0-2400,4 3 2464</inkml:trace>
+  <inkml:trace contextRef="#ctx0" brushRef="#br0" timeOffset="21107.629">15458 5946 6784,'4'-7'2624,"-4"7"-2048,4 0 832,-4 0 1216,0 0-1472,-4 0 959,4 0-1247,-8 0 384,5 3-736,-9 1 288,5 2-480,-8 1 256,7 3-320,-7 0 128,4 0-224,-4 4 128,3-1-160,-3 7 0,8-3-64,-1 3-64,4 0 32,1 0 32,3 0-32,0-3-32,3 3 32,1-3-128,4 3 64,-1-7 32,1 1 0,-1-4-96,5 3 64,-1-6-128,4 3 96,-4-7-96,4 4 64,1-7 0,-1 3 32,0-6-96,0 3 96,0-7 32,0 1 32,-4-4 0,4 3 0,-3-3 0,3 3 0,-4-3 0,0 3 0,-3-3 128,-1 4-64,-3-4 32,4 3-32,-4-3 32,-1 3-64,1-3 64,0 3-64,-4-3 64,0 4-64,0-8 64,0 8-64,0-8 64,0 4-64,0-3-32,0 3 32,-4-4-32,4 8 0,-4-8 0,4 7 0,-3-9 0,6 9 0,-6-3 64,3 7-32,-8-7 128,8 6-96,-4-3 32,4 4-32,-7-4 32,3 7-64,-4-6-160,5 6 64,-9-4-320,5 4 224,-5-3-512,5 0 384,-4-4-864,3 7 672,-7-3-3583,7 3 2239,-7 0-2400,4 3 2464</inkml:trace>
   <inkml:trace contextRef="#ctx0" brushRef="#br0" timeOffset="25236.59">15390 6160 8960,'0'-3'3424,"0"6"-2656,-3-3 544,3 0 64,0 0-33,0 0 65,0 0-416,0 0-128,0 0-512,0 0-224,0 0 0,0 0-608,0 0-192,7 0-2016,1 0-863,-5 0 1823,5 0 864</inkml:trace>
   <inkml:trace contextRef="#ctx0" brushRef="#br0" timeOffset="25477.949">15481 6133 8192,'0'0'3072,"0"0"-2400,0 0 608,0 0 128,0 0-320,0 0-65,0 0-575,0 0-224,0 0-128,0 0-448,0 0-64,0 0-1791,0 0-705,0 0 1504,0 0 768</inkml:trace>
   <inkml:trace contextRef="#ctx0" brushRef="#br0" timeOffset="32953.958">17587 5958 7040,'0'-7'2624,"4"7"-2048,-4-3 576,0 3 64,0 0-96,-4 0 64,1 0-448,-1 3-192,0 1-320,-7 2-161,7 1-31,0 3-127,4 0 63,0 0-32,0 0 0,0 4 64,8-4 0,3-4 0,-7-2 0,7-1 64,0-3 32,-3-3 31,3-4 1,-7 0 0,4-6 64,-1 6-32,-3-3 0,0 0-32,-4 0 64,0 3 32,0 1 32,0-1-224,0 0 0,0 1 32,-4 2 96,0 1-576,4 0-256,0-1-1055,0 4-513,0 0 1088,-4 7 608</inkml:trace>
-  <inkml:trace contextRef="#ctx0" brushRef="#br0" timeOffset="33675.033">17825 6035 7168,'-8'-3'2720,"8"-1"-2112,-7 4 320,7 0 64,-4 4-256,0-1 32,1 0-224,-5 1-64,0 3-288,1-1 160,3 1 128,0 0-96,1-1-65,3 1-95,0 0-64,3-4-96,5 0-64,-1-3 96,1 0 0,3-3-128,1 0 32,-1-1 0,-4 1 0,1 0 480,-4-1 224,0-2-480,-4-1-160,0 4-384,-4-1-64,-4 1 352,1 0 224,-5 3-1824,1 0-799,-4 0 1215,4 6 576</inkml:trace>
+  <inkml:trace contextRef="#ctx0" brushRef="#br0" timeOffset="33675.032">17825 6035 7168,'-8'-3'2720,"8"-1"-2112,-7 4 320,7 0 64,-4 4-256,0-1 32,1 0-224,-5 1-64,0 3-288,1-1 160,3 1 128,0 0-96,1-1-65,3 1-95,0 0-64,3-4-96,5 0-64,-1-3 96,1 0 0,3-3-128,1 0 32,-1-1 0,-4 1 0,1 0 480,-4-1 224,0-2-480,-4-1-160,0 4-384,-4-1-64,-4 1 352,1 0 224,-5 3-1824,1 0-799,-4 0 1215,4 6 576</inkml:trace>
   <inkml:trace contextRef="#ctx0" brushRef="#br0" timeOffset="34199.628">17568 6176 8320,'-4'0'3168,"4"3"-2464,-8 1 480,1-1 96,3 0-352,0 4-1,0 0-159,1-1-32,-1 4-384,4 1-416,0-5-128,0 1 0,0 0 96,4-1 256,3-6 224,1 0-128,3 0-64,4-3-96,-7-4 0,7 1-64,-4-1 64,0 0-64,-7 0-32,4 1 32,-5 2 32,-3-2-96,0-1 0,-3 4-192,-1-1-96,-4 4-800,-3 0-319,0 0 735,-1 0 352</inkml:trace>
   <inkml:trace contextRef="#ctx0" brushRef="#br0" timeOffset="37742.157">17711 6102 4864,'0'0'1824,"0"0"-1408,0 0 672,0 0 224,0 0-160,0 0 64,0 0-576,0 0-128,0 0-320,0 0 96,0 0 32,0 0 32,0 0 32,0 0 0,0 0 64,0-3-160,4-1-96,-1 1-192,1 3 0,-4 0-64,0 0 0,0 0 64,0 0 0,4 3 64,-4 4 32,0 0-32,0-4 32,-4 1 0,0-1 32,1 4 0,-1-4 63,-4 4-95,-3-1 0,0 4-32,-4 0-64,-1 4-64,1-4 32,0 0-1791,8 0-801,-1-3 1344</inkml:trace>
-  <inkml:trace contextRef="#ctx0" brushRef="#br0" timeOffset="38447.273">17643 6002 5120,'-4'0'2016,"4"0"-1568,0 3 928,0-3 384,0 0-256,0 0-96,0 0-640,0 0-320,4 3-256,3 4 0,1 3 0,0-7 0,-1 4-32,4 0-192,-3 0 32,3 3-2400,-3-4-1024,3-2 1728,0-1 832</inkml:trace>
+  <inkml:trace contextRef="#ctx0" brushRef="#br0" timeOffset="38447.272">17643 6002 5120,'-4'0'2016,"4"0"-1568,0 3 928,0-3 384,0 0-256,0 0-96,0 0-640,0 0-320,4 3-256,3 4 0,1 3 0,0-7 0,-1 4-32,4 0-192,-3 0 32,3 3-2400,-3-4-1024,3-2 1728,0-1 832</inkml:trace>
   <inkml:trace contextRef="#ctx0" brushRef="#br0" timeOffset="38975.86">18001 5904 7552,'0'-3'2816,"0"6"-2208,0-6 416,0 3 0,0 0 160,0 0 128,0 0-544,0 0-225,-4 3-319,1 1-96,-1 2 0,4 1 128,0 0 96,0 0-288,0-1-64,0 1-128,0 0 96,4-1 288,-1-2 128,5-1-96,-1 0-96,1-3-96,0 0 0,-1-3-64,1 0 64,-1-1-128,1 1-64,-1 0-96,1-4-32,-4 0 32,-1 1 128,-3-1 32,0 4 32,-3-1 64,-1-3 32,-4 4 32,1-4 0,-1 4 0,1 0 64,-5 3-160,1 0-32,0 0 0,3 3 0,1 0-96,-1 1 64,4 2 32,1 1 0,-1 0-96,4 0 0,0-1 64,4-2 64,3-1-64,1 0 0,-1-3-32,4 0 0,1-3 64,-1 0 0,-3-4 0,-1 0 0,1 1 0,-5-1 0,1 0 64,-4 0 32,0 4-32,-4 0 32,1-1-128,-5 4 0,-3 4-320,0 2-160,3 1 96,0 0 160,1 0-2719,3-1-1281,0 1 2176,1 3 1024</inkml:trace>
   <inkml:trace contextRef="#ctx0" brushRef="#br0" timeOffset="39739.818">18005 6075 8192,'0'4'3072,"0"-4"-2400,-8 3 608,8-3 64,0 7-416,0-1-64,-3 1-449,3 0-95,0 0-192,0-1 64,0 1 0,3 0 0,1-4-32,-4-3-192,4 3-32,3 1 224,-7-4 192,8 0-96,-4-4 0,0 1-128,-1 0-32,1-4 32,0 0 64,-4 1-96,0-1 0,0 4 32,-4-1 64,4 1-96,-4-1-64,1 4-160,-1 4 0,0-1 0,0 1 64,4 2 32,0 1 96,0-4-32,0-3-32,0 0 32,0 0 32,0 0-32,8 0 64,-1-3-224,1 0-32,-1-4-96,1 0 64,-4 0-32,-1 4 64,-3 0 96,0-1 32,-3 1 32,-1 3 64,-4 0 32,1 3 96,-1 4 32,1 0 32,-1 0-64,1-1-32,-1 1-96,4 0-64,1-1 32,3 1-32,0 0-352,3-1-96,1 1-1888,0 0-863,0 0 1567,-1-4 832</inkml:trace>
-  <inkml:trace contextRef="#ctx0" brushRef="#br0" timeOffset="40434.961">18001 6280 8064,'0'3'2976,"0"-3"-2304,0 0 864,0 0 224,0 0-289,0 0 1,0 0-480,0 7-224,0 0-416,0-7-160,0 6 0,0 4-32,0-3 64,4 0-128,0-1-64,-1-2 0,5 2 32,0-2 32,-1-4 32,1-4-160,-1 4 32,1-3 0,-1 0 0,-3-4-96,-4-3 0,0 3 64,0 1 0,0-1 32,-4 4 0,-3-1 64,-1 4-32,1 0 64,-1 4-64,1 2 64,-1 1-64,0 0-32,5-1 32,-1 1-32,4-7-96,0 7 64,7-4 32,1 0 0,0-3 0,-1-3 0,4 0-96,-3-1 64,-1-2 96,-3-1 32,-4 4-32,0-1 32,0 1 0,-4 0 32,1-1-224,-5 4-64,4-3-1504,1 3-576,-1 0 1153,-4 0 543</inkml:trace>
+  <inkml:trace contextRef="#ctx0" brushRef="#br0" timeOffset="40434.96">18001 6280 8064,'0'3'2976,"0"-3"-2304,0 0 864,0 0 224,0 0-289,0 0 1,0 0-480,0 7-224,0 0-416,0-7-160,0 6 0,0 4-32,0-3 64,4 0-128,0-1-64,-1-2 0,5 2 32,0-2 32,-1-4 32,1-4-160,-1 4 32,1-3 0,-1 0 0,-3-4-96,-4-3 0,0 3 64,0 1 0,0-1 32,-4 4 0,-3-1 64,-1 4-32,1 0 64,-1 4-64,1 2 64,-1 1-64,0 0-32,5-1 32,-1 1-32,4-7-96,0 7 64,7-4 32,1 0 0,0-3 0,-1-3 0,4 0-96,-3-1 64,-1-2 96,-3-1 32,-4 4-32,0-1 32,0 1 0,-4 0 32,1-1-224,-5 4-64,4-3-1504,1 3-576,-1 0 1153,-4 0 543</inkml:trace>
   <inkml:trace contextRef="#ctx0" brushRef="#br0" timeOffset="78173.07">18088 6106 4096,'4'-4'1568,"-4"8"-1216,0-4 608,0 0 192,0 0-96,0 0 32,0 0-192,0 0 0,0 0-512,0 0 128,0 0 64,0 0 96,0 0 128,0 0-64,0 0-64,0 0-225,0 3-31,0 4-128,0-1 64,0 1-64,0 3 0,0-3-160,0 3-32,-4-4 32,0 1 0,0 0-288,1-4-64,-5 1-288,0-1-96,1-3-192,3 0-31,0 0-1665,1-3-768,3-1 1696,0-2 800</inkml:trace>
-  <inkml:trace contextRef="#ctx0" brushRef="#br0" timeOffset="78668.746">18073 6139 6656,'-4'0'2464,"8"0"-1920,-4 0 416,0 0 32,0 0-32,0 0 128,0 0-96,0 0 32,0 0-576,0 0 95,0 7 97,0-4-160,0 4 0,-4-4-288,0 4-64,4-4-64,0-3-64,0 0-128,0 0-64,0 0-480,4-3-128,4-4 1,-1 4-1,-3-1 224,0 1 192,-4 0 224,0-1 160,0 1 96,0 3 32,0 0-288,-4 0-128,0 0-768,4 0-352,-4 0 736,4 0 320</inkml:trace>
+  <inkml:trace contextRef="#ctx0" brushRef="#br0" timeOffset="78668.745">18073 6139 6656,'-4'0'2464,"8"0"-1920,-4 0 416,0 0 32,0 0-32,0 0 128,0 0-96,0 0 32,0 0-576,0 0 95,0 7 97,0-4-160,0 4 0,-4-4-288,0 4-64,4-4-64,0-3-64,0 0-128,0 0-64,0 0-480,4-3-128,4-4 1,-1 4-1,-3-1 224,0 1 192,-4 0 224,0-1 160,0 1 96,0 3 32,0 0-288,-4 0-128,0 0-768,4 0-352,-4 0 736,4 0 320</inkml:trace>
   <inkml:trace contextRef="#ctx0" brushRef="#br0" timeOffset="54107.413">15369 6738 6400,'0'0'2464,"-3"3"-1920,3-3 672,0 0 288,0 0-96,0 0 32,3 7-160,1 0-1,0 3-703,-4 0 160,4-4 128,-4 1-192,0 0-64,0 0-288,0-7-128,0 0-192,7 0 0,1-4-64,-1-2-64,1-1-64,3 0-32,-3 0 32,-1 4 128,1 0 32,-4 3 32,-4 0 0,3 6 64,-3 1 32,0 0 96,0 0-32,0-1 0,4-2-96,-4-4-64,0 0 32,4 3-32,3-3-160,1-3-32,3-4-64,-3 0 64,-1 0-32,1 1 64,-1 2-64,-3 1 64,0 0 96,-4 3 32,0 0 32,4 6 64,-4-6 32,4 7 32,-1-4-64,-3-3-64,0 0 32,8 0-32,-1 0-96,1 0 64,0-3 32,-1 0 64,1-1-192,-1 1 32,1 0 32,-1 3 32,1 0-64,-8 0 0,4 0-32,-1 3 0,1 0 160,-4-3 32,4 4 64,-4-4 0,4 3-160,-1-3 32,5 0 0,-1-3 64,1-1-32,0 1-32,-1 0-64,1 3 32,-5 0 32,1 3 64,4 0-32,-1 1-32,1-1-64,-1 0 32,-3-3-32,0 0-64,3 0 0,-3-3 96,4 0 0,-5-1 96,5 1 96,-8 3 64,0 0 32,0 0 0,0 0-128,0 0-32,4 0-32,3 3-64,1-3-128,3-3 0,0 0-288,5-1-128,-1-2 0,-4-1 64,0 4 224,-3-1 128,-1 4 224,1 7 192,-4 0 32,-4-1 128,3 1-160,1 0-96,0-1-96,0-2 0,3-1-352,1-3-64,3-7-3711</inkml:trace>
   <inkml:trace contextRef="#ctx0" brushRef="#br0" timeOffset="55353.077">16501 6731 7808,'-4'4'2880,"4"9"-2240,0-3 896,4-3 288,-4-1-384,0 8-129,0-4-543,0-3-160,0-1-352,0 1-96,3 0-32,5-7-160,-1-4 32,5-2-160,-1-4-32,0 0-192,1-1 0,-1 1 32,0 4 160,1-1 32,-5 4 96,-3 3 96,0 3 64,-4 4-32,0-1-64,0 1 512,0 0 288,0 0-128,0-1 0,0 1-320,0-7-64,0 0-160,0 0-96,11 0-96,-3 0 32,3-3-32,0-4-64,0 4-64,1-1 32,-1 4 96,-7 0 32,3 0 32,-7 0 64,0 0 32,4 7 32,0 0 0,-4-7 64,4 3-32,-1 0 0,1 4 32,0-4 32,4 1-96,-1-4-32,1 0-32,3-4-64,0 1-64,1-4-32,-1 4-96,-4 0 32,1-1 96,3 1 32,-7 3-64,4 0 64,-5 0 448,1 3 192,0 4 128,0 0 96,-1-1-1216,1-2-512,-4-4 416,4 3 288,3 0 800,-3-3 320,8-3-1088,-1 0-544,0-4 160,1 0 128,3 1 448,-8-1 288,1 4-128,-1 3-96,1 0-64,-4 0-32,-4 0 64,3 3 96,5 4 0,-8-7 64,4 3-128,-1 0-64,9 1 0,-9-4-32,5 3-160,0 0 32,-1 1-160,1-1-32,3 0-416,-11 1-160,0-4-3487,4 3-1473,7-6 2912</inkml:trace>
-  <inkml:trace contextRef="#ctx0" brushRef="#br0" timeOffset="56481.061">17492 6735 8448,'0'6'3232,"0"1"-2496,0 0 640,0-1 64,0 1-33,0 3 33,0 0-448,0 0-128,0-3-512,4 3-224,0-7 0,7 1-96,-7-4-32,3-4-128,5 1 0,-1-4-96,4-3 0,0 4-224,-4-1-128,1 0 224,-5 4 192,-3 3 64,-4 0-32,0 0 224,4 6 96,-4 1 160,0 3 128,0-3-64,0 0 0,0-1-160,7 1 0,-7-7-160,0 3-64,8-3 0,-1-3-32,5-4-160,-1-3 32,0 4-160,1-1-32,-5 0 0,1 4 32,-1 3 256,-7 0 64,0 0 160,4 7 96,-4-1 64,4 1 96,-4 0-96,0-1 32,4-2-224,-4-4-96,3 3-32,5-3 32,-1 0-96,1-3 0,3 3-32,1-4 0,-1 1 0,-4 0 0,1-1 64,0 4 64,-1 0-32,1 0 64,-1 4-64,4-4-32,1 3 32,-5-3-32,1 0 0,3 0 0,-3 0 0,-1 3 0,1 1 64,-1-1 32,-3-3 32,4 3 0,-5 1-64,5-1-64,-4-3-64,3 0 32,1 0-128,3-3-32,-3 3-64,7-4 64,-4 1-96,0 0-32,1-1-128,-5 1-32,1 3 96,-4 0 96,-4 0-704,0 3-288,0 1 673,0-4 287</inkml:trace>
-  <inkml:trace contextRef="#ctx0" brushRef="#br0" timeOffset="58896.605">15403 7100 9216,'-3'0'3520,"3"0"-2752,-4 7 576,4-7 32,0 0-97,0 0 1,0 0-480,0 0-224,0 0-352,7-7-160,5 4-32,3-8-32,0 1 64,0-3-32,0 6-32,0 1 32,-4 2-32,1-2 64,-5 12 96,1 1 64,-1 0 96,1 3-32,-4 3 0,-1 1-96,-3-4 32,0 6-128,0-2-64,0-4-224,0 0-32,0 0-416,0-3-128,0-7-1088,0 0-448,0 0-2079,0 0-865,4 0 2784</inkml:trace>
+  <inkml:trace contextRef="#ctx0" brushRef="#br0" timeOffset="56481.06">17492 6735 8448,'0'6'3232,"0"1"-2496,0 0 640,0-1 64,0 1-33,0 3 33,0 0-448,0 0-128,0-3-512,4 3-224,0-7 0,7 1-96,-7-4-32,3-4-128,5 1 0,-1-4-96,4-3 0,0 4-224,-4-1-128,1 0 224,-5 4 192,-3 3 64,-4 0-32,0 0 224,4 6 96,-4 1 160,0 3 128,0-3-64,0 0 0,0-1-160,7 1 0,-7-7-160,0 3-64,8-3 0,-1-3-32,5-4-160,-1-3 32,0 4-160,1-1-32,-5 0 0,1 4 32,-1 3 256,-7 0 64,0 0 160,4 7 96,-4-1 64,4 1 96,-4 0-96,0-1 32,4-2-224,-4-4-96,3 3-32,5-3 32,-1 0-96,1-3 0,3 3-32,1-4 0,-1 1 0,-4 0 0,1-1 64,0 4 64,-1 0-32,1 0 64,-1 4-64,4-4-32,1 3 32,-5-3-32,1 0 0,3 0 0,-3 0 0,-1 3 0,1 1 64,-1-1 32,-3-3 32,4 3 0,-5 1-64,5-1-64,-4-3-64,3 0 32,1 0-128,3-3-32,-3 3-64,7-4 64,-4 1-96,0 0-32,1-1-128,-5 1-32,1 3 96,-4 0 96,-4 0-704,0 3-288,0 1 673,0-4 287</inkml:trace>
+  <inkml:trace contextRef="#ctx0" brushRef="#br0" timeOffset="58896.604">15403 7100 9216,'-3'0'3520,"3"0"-2752,-4 7 576,4-7 32,0 0-97,0 0 1,0 0-480,0 0-224,0 0-352,7-7-160,5 4-32,3-8-32,0 1 64,0-3-32,0 6-32,0 1 32,-4 2-32,1-2 64,-5 12 96,1 1 64,-1 0 96,1 3-32,-4 3 0,-1 1-96,-3-4 32,0 6-128,0-2-64,0-4-224,0 0-32,0 0-416,0-3-128,0-7-1088,0 0-448,0 0-2079,0 0-865,4 0 2784</inkml:trace>
   <inkml:trace contextRef="#ctx0" brushRef="#br0" timeOffset="59276.587">15656 7016 9600,'0'-3'3584,"0"3"-2784,4 3 224,-4-3-160,7 3-65,1 1 129,3-1-192,4 1-128,0-1-352,-3 4-96,-1-7 32,-4 10-32,1-7 64,-8-3-128,0 7 0,0-4 32,-4 4 64,0-1-96,1-2 0,-1-1-96,4 4-32,0 0-32,0 3-64,4 0 96,-1 0 0,-3 0 32,4 0 0,0 0 0,-4-3 0,0-4 64,0 4 96,0 6 224,-4-6 128,0-4-64,-3 4 0,-1-7-192,-3 6-96,0-6-160,-1 0 0,1 0-416,4-6-160,-1 6-736,4-7-352,4 7-1471,4-3-545,0-1 1920,3 1 928</inkml:trace>
   <inkml:trace contextRef="#ctx0" brushRef="#br0" timeOffset="59708.435">15860 7194 9728,'3'3'3680,"-6"-3"-2848,-1 0 672,4 0 95,0 0-575,0 0-192,0 7-768,0-7-288,-4 6 96,4-6-2911,0 0-1281,0 0 2176,0-6 1056</inkml:trace>
-  <inkml:trace contextRef="#ctx0" brushRef="#br0" timeOffset="60023.591">15954 7040 8064,'0'0'2976,"-4"0"-2304,8 0 512,-4 6 128,0 1 64,0 3 127,0 3-543,0 4-160,0-3-480,-4 6-64,4-4 64,0-2-128,0-4 64,0-3-160,4 3-64,-4-10-96,7 0 32,1 0 32,3 0 0,1 3 0,-5 0 0,1 1-96,-5-1 64,5 4 224,-4-1 192,-4 1 224,-4 0 160,0 0-800,0-4-352,1-3-192,-5 0-64,1 0-800,-1-7-320,0-3 929,1-10 415</inkml:trace>
-  <inkml:trace contextRef="#ctx0" brushRef="#br0" timeOffset="60367.671">16010 7023 10624,'12'3'3936,"-1"-3"-3040,4 0 575,-7 0 129,7 0-608,0 0-160,0 0-576,8-3-224,-8-1-32,0 4-2144,0 0-927,0 0 1439,0 4 832</inkml:trace>
-  <inkml:trace contextRef="#ctx0" brushRef="#br0" timeOffset="67198.413">15139 7107 5888,'0'0'2176,"-3"0"-1664,3 0 96,0 0-32,0 0-352,0 3-64,0-3 32,0 0 32,0 3-96,-4-3 256,4 0 224,0 0 96,0 0 128,0 0 32,0 0 32,0 0-128,0 0-96,0 0-289,0 0-159,0-3-64,0 3-32,0 0 0,0 0 64,0 0 96,0 0 160,0 0-64,0 0 96,0 0-64,0 0 64,0 7-64,0 3 0,4 6-32,-4 1 64,0 0-96,3 10-32,-3 0-128,0 3 32,0-3 0,4 6 32,0-6-64,0 3-32,0-10-192,-1 7 32,1-10-416,0-1-160,-4-2-4608,4-7-2111,-1-1 3679</inkml:trace>
+  <inkml:trace contextRef="#ctx0" brushRef="#br0" timeOffset="60023.59">15954 7040 8064,'0'0'2976,"-4"0"-2304,8 0 512,-4 6 128,0 1 64,0 3 127,0 3-543,0 4-160,0-3-480,-4 6-64,4-4 64,0-2-128,0-4 64,0-3-160,4 3-64,-4-10-96,7 0 32,1 0 32,3 0 0,1 3 0,-5 0 0,1 1-96,-5-1 64,5 4 224,-4-1 192,-4 1 224,-4 0 160,0 0-800,0-4-352,1-3-192,-5 0-64,1 0-800,-1-7-320,0-3 929,1-10 415</inkml:trace>
+  <inkml:trace contextRef="#ctx0" brushRef="#br0" timeOffset="60367.67">16010 7023 10624,'12'3'3936,"-1"-3"-3040,4 0 575,-7 0 129,7 0-608,0 0-160,0 0-576,8-3-224,-8-1-32,0 4-2144,0 0-927,0 0 1439,0 4 832</inkml:trace>
+  <inkml:trace contextRef="#ctx0" brushRef="#br0" timeOffset="67198.412">15139 7107 5888,'0'0'2176,"-3"0"-1664,3 0 96,0 0-32,0 0-352,0 3-64,0-3 32,0 0 32,0 3-96,-4-3 256,4 0 224,0 0 96,0 0 128,0 0 32,0 0 32,0 0-128,0 0-96,0 0-289,0 0-159,0-3-64,0 3-32,0 0 0,0 0 64,0 0 96,0 0 160,0 0-64,0 0 96,0 0-64,0 0 64,0 7-64,0 3 0,4 6-32,-4 1 64,0 0-96,3 10-32,-3 0-128,0 3 32,0-3 0,4 6 32,0-6-64,0 3-32,0-10-192,-1 7 32,1-10-416,0-1-160,-4-2-4608,4-7-2111,-1-1 3679</inkml:trace>
   <inkml:trace contextRef="#ctx0" brushRef="#br0" timeOffset="68806.114">15185 7502 4736,'-4'0'1824,"8"0"-1408,-4 0 96,0 0 0,0 0 384,0 0 224,0 0-32,0 0 0,0 0-608,0 0 128,0 0 64,0 0-224,0 0-32,0 0-160,0 0-96,0 0 192,0 0 160,3 10 159,1-3 129,-4 0 64,0-1 32,0 1-416,0 6-192,4-3-288,0-3-64,-4 6-1664,4-6-703,-4-7 1247,0 0 576</inkml:trace>
   <inkml:trace contextRef="#ctx0" brushRef="#br0" timeOffset="60953.107">16583 7157 10624,'-7'0'3936,"7"3"-3040,-4-3 351,4 0-31,0 0-32,0 0 64,0 0-608,0 0-224,4 0-256,3 0-192,5-3 0,-1 0-32,0-4-64,5-3-64,-5 3 32,0 7 32,-3-3-32,-1-1 192,-3 4 32,-4 0 0,0 0 32,4 7 0,-4 6 96,0 1-32,0-4 64,0 10-64,0-10 64,0 7-128,0-4 0,0-6 32,-4 6 0,4-3-64,-4-3 32,4 0-64,0-7 64,0 0-416,0 0-192,0 0-416,0 0-160,0 0-352,0 0-64,0 0-1343,0 0-577,0 0 1088,0 0 608,4 0 1056,0 0 416</inkml:trace>
   <inkml:trace contextRef="#ctx0" brushRef="#br0" timeOffset="61448.78">16798 7120 8960,'4'-3'3328,"-4"3"-2592,4 0 512,-4 0 32,0 0-353,0 0 1,4 6-224,3 1-64,-7 0-352,4 3-96,0 0 0,3 0-96,-3 10 0,0-3-32,0 0 32,-1-4 0,1 7 32,0-10-64,-4 7-64,0-7 32,0 0-32,0-3-96,-4 3 0,0-7-32,1 0 0,-1 1-64,-4-4-32,5-4-320,-5 1-32,0 0 288,1-7 160,-1 3 0,1 4 96,3-4 224,0 4 128,1-4-256,-1-3 0,0 3-64,4 4 64,0-7-96,4 0-64,0 0 128,3 0 32,4 3 0,-3-3-64,3 3 32,1 0-32,-1 1-96,4-4 64,-4 3 32,1 0 0,-1 4-96,0-4 0,-3 4 256,-1-7 128,5 3 64,-9 4 96,5-4-96,-1 0-32,-3 1 0,0-1 128,0 0-64,-4 4 32,-4-4-160,0 4 0,-3-1-224,-5 1-96,1 0-320,0-1-160,-1 1-1216,5 3-512,-1 0 1185,5 3 543</inkml:trace>
@@ -348,15 +410,15 @@
   <inkml:trace contextRef="#ctx0" brushRef="#br0" timeOffset="-39244.027">5022 4151 3712,'0'3'1408,"-3"-6"-1120,6 3 512,-3 0 192,0 0-64,0 0 96,0 0-384,0 0-64,0 0-320,0 0 32,0 0 128,0 0 64,0-3 0,0 3-224,0 0-96,0 0 96,0-4 96,0 4-128,0 0 32,0-3-32,0 3 96,0-3-32,0 3 64,0 0-128,0 0 32,0 0-96,0 0 0,0 0-32,0 0 0,0 0-64,0 0 32,4 0 0,-4 0 32,0 0 63,0 0 97,0 0 0,0 0 0,0 0-96,0 0-32,0 0 160,-4 0 128,1 3-96,3-3-32,-4 3-64,0-3 0,-3 7-64,-1-4 32,-3 4-64,-4 0 64,-4 0-128,-4-1 0,1 1-32,-1 6 32,0-3-128,4 0 0,1-3-128,2 0 32,5 0-1152,0-4-416,3 0-2943,5-3-1249,3-3 3072</inkml:trace>
   <inkml:trace contextRef="#ctx0" brushRef="#br0" timeOffset="-38313.516">5071 4148 5888,'-3'-4'2272,"3"11"-1760,0-10 640,0 3 192,0 0-96,0 0 32,0 0-288,0 0-64,0 0-512,0 0 95,0 0 129,0 0 0,0 0 96,3 3-64,5 14 480,-1 3-224,5 3-128,-1 4 0,0 3-352,1 1-32,-1 2-96,0 1-32,1-4-160,-1-7-32,-3-3-384,-1 0-128,-3 4-3136,-4-7-1279,0-11 2431,-4-6 1216</inkml:trace>
   <inkml:trace contextRef="#ctx0" brushRef="#br0" timeOffset="-39530.262">4977 4134 2176,'0'0'864,"0"4"-672,0-1-32,0-3-32</inkml:trace>
-  <inkml:trace contextRef="#ctx0" brushRef="#br0" timeOffset="-43223.388">5017 4151 2304,'4'0'960,"-1"3"-768,-3-3-384,0 7-160,0-7 128,0 0 96</inkml:trace>
+  <inkml:trace contextRef="#ctx0" brushRef="#br0" timeOffset="-43223.389">5017 4151 2304,'4'0'960,"-1"3"-768,-3-3-384,0 7-160,0-7 128,0 0 96</inkml:trace>
   <inkml:trace contextRef="#ctx0" brushRef="#br0" timeOffset="-66958.935">3672 6341 4992,'-8'0'1824,"8"0"-1408,-7 4 576,7-4 192,0 0-128,0 0 96,0 3-224,0-3-96,0 0-448,0 0 96,0 3 160,0 1 64,0-4 64,0 0-65,7 0 33,-7 0-416,8-4-96,-8 1-96,11-10 64,-3 6-32,3-10 64,-3-3 64,10-10 160,1 10-256,0-20-32,0 10-96,7-7 32,-11 0-928,4 7-352,-7 6 480,3 1 384</inkml:trace>
   <inkml:trace contextRef="#ctx0" brushRef="#br0" timeOffset="-36421.572">3651 6380 7040,'0'0'2720,"0"0"-2112,0 0 672,0 0 992,0 0-1280,0 0 799,0 0-1055,0 0 448,4 3-672,3-3 416,1 0-512,3-3 256,8 3-384,15-7 256,-4 0-288,8-6-64,3 10-128,-3-11-1952,0 8 1024,-4-8-1536,-12 14 1345</inkml:trace>
   <inkml:trace contextRef="#ctx0" brushRef="#br0" timeOffset="-37203.482">3606 6219 4224,'-8'0'1568,"8"0"-1216,0 0 32,0 0-64,0 0-128,0 0 32,0 0 0,0 0 32,0 0-128,0 0 320,0-3 192,0-1 224,0 1 192,0 0-160,0-1 0,0-3-288,0-3-32,0 4-224,0-1-32,0 0 0,0 1 32,0-1 96,0 7 128,0-3-129,0-1 1,0 4-128,0 0-32,0 0 96,0 0 160,8 7-160,-8 0 32,11 13-128,-3 0 0,-8 0 32,11 7 128,-11 0-64,7-14 32,-7 7-224,8-3-128,-8 3-32,0-3 32,0-4-544,0-6-128,0-4-2752,0 4-1119,0-7 2207,-8-7 1152</inkml:trace>
   <inkml:trace contextRef="#ctx0" brushRef="#br0" timeOffset="165578.343">8369 2093 9088,'0'-4'3424,"0"8"-2656,4 2 320,-4-6 0,4 4-65,-1 9 129,1 7-288,0 4-128,3 6-416,1 3 160,-4 4 128,-1 3-32,1-3-32,-4 0-96,0 0-32,0-3-160,0-4-96,0-7-224,-4-6-96,4 0-1568,0-7-672,0-10 1216,0-7 576</inkml:trace>
   <inkml:trace contextRef="#ctx0" brushRef="#br0" timeOffset="165939.378">8663 2036 9088,'4'0'3424,"-4"3"-2656,4 4 672,-4-1 224,0 8-321,0 6-95,-4 3-416,0 4-192,0 3-352,-3-3-128,-1 3 32,-7-3-96,0 0 0,0 0 32,-4-7 64,0 3-160,0-13-32,1 0-64,3-3 0,-1-7-96,1 0-32,4-3 0,3 3 64,1 0-32,-1-4 128,5 4-64,-1 0 32,0 0 64,4-3 0,0 3 0,0 0 64,0-7 32,4 7 32,0 0 0,3 0 64,4 0-32,5 7 64,-1-7-128,4 3 0,-1 4 96,1 3 96,0 0 0,-4 0 0,0 0 32,0 4 32,4-1-32,-4 4-32,0 0-160,-3-4-96,3-3-96,0 0-32,4-3-448,3-7-128,1-3-2400,0-4-1023,-5 4 2111,-3 3 992</inkml:trace>
   <inkml:trace contextRef="#ctx0" brushRef="#br0" timeOffset="-3062.751">13103 3602 11136,'0'-3'4128,"0"3"-3200,0 3 415,0-3 65,0 7-448,0-1 0,0 11-352,0-3-32,-4 12-352,0-5 64,-7 9 128,11-4-96,-8 1 0,8-3-192,-3-1-96,3-3 0,0-3-32,0 0 0,3-7 64,-3 0-192,8-7 32,3 1 96,4-8 128,-3 1-192,10-7-96,-7 3 96,0-3 0,4 0 128,-4-3 32,-3 3-320,6 0-96,-6 0-480,-5 3-128,5 0-2400,-5 4-1087,1-1 2271,-8 8 1088</inkml:trace>
-  <inkml:trace contextRef="#ctx0" brushRef="#br0" timeOffset="-2640.883">13295 3954 10624,'0'-10'3936,"0"10"-3040,-11-10 351,11 10-31,0 0-192,-8 0 32,4 0-448,1 0-128,-9 3-288,1 1 96,-4 2 32,4 1-32,-1 3 64,-3-3-128,8 3-64,3-4-64,-4 1-96,8 0-192,12-4-128,-12 1-160,19-8-128,-12 4 128,12-3 128,-12-1 128,5 1 64,-5 0 160,5 3 64,-5 0 64,-7 6 64,0 1-32,0 7 0,0-4-448,-4 3-128,4 0-800,0-2-256,0-1-3039,4-7-1441,-4 0 3072</inkml:trace>
-  <inkml:trace contextRef="#ctx0" brushRef="#br0" timeOffset="-2296.801">13476 3897 9984,'0'-3'3776,"0"3"-2944,0 0 544,0 0 31,0 3-127,0 0 0,-8 7-256,8-3-160,-11 10-480,4-4-32,-12 7 64,11-3-160,-11 7 0,8-4-352,3 3-160,1-3-1088,-4-3-480,11 3-3007,0-10-1313,0 0 3168</inkml:trace>
+  <inkml:trace contextRef="#ctx0" brushRef="#br0" timeOffset="-2640.884">13295 3954 10624,'0'-10'3936,"0"10"-3040,-11-10 351,11 10-31,0 0-192,-8 0 32,4 0-448,1 0-128,-9 3-288,1 1 96,-4 2 32,4 1-32,-1 3 64,-3-3-128,8 3-64,3-4-64,-4 1-96,8 0-192,12-4-128,-12 1-160,19-8-128,-12 4 128,12-3 128,-12-1 128,5 1 64,-5 0 160,5 3 64,-5 0 64,-7 6 64,0 1-32,0 7 0,0-4-448,-4 3-128,4 0-800,0-2-256,0-1-3039,4-7-1441,-4 0 3072</inkml:trace>
+  <inkml:trace contextRef="#ctx0" brushRef="#br0" timeOffset="-2296.802">13476 3897 9984,'0'-3'3776,"0"3"-2944,0 0 544,0 0 31,0 3-127,0 0 0,-8 7-256,8-3-160,-11 10-480,4-4-32,-12 7 64,11-3-160,-11 7 0,8-4-352,3 3-160,1-3-1088,-4-3-480,11 3-3007,0-10-1313,0 0 3168</inkml:trace>
   <inkml:trace contextRef="#ctx0" brushRef="#br0" timeOffset="2837.474">13445 4077 6144,'0'-3'2368,"0"3"-1856,4 0 864,-4 0 224,0 0-448,0 0-128,0 0-224,7 0-128,-7 0-352,8 0 64,-8 0 63,0 0 33,0 0 32,0 0 96,0 0 0,0 0-192,0 3 0,0-3-192,-8 7-64,8-4-64,0 7 0,-7 3-64,7 1-32,0-4 32,0 7-32,0-4 0,7 0 0,-7-2 0,0-1 0,8 0 64,-5-4 96,5-2 0,7-4 64,-4 0-64,1-7 64,-5 4 0,5-4 32,-5 0-64,4-3-32,-3 3-32,-1 1 0,1-1-64,0 0-64,-5 1-192,1 2-128,0 1-320,-4 0-160,0-1-1472,0 4-671,0 0 1375,0 0 736</inkml:trace>
   <inkml:trace contextRef="#ctx0" brushRef="#br0" timeOffset="3501.696">13613 4208 8064,'-3'0'2976,"3"0"-2304,3 3 448,-3-3 64,0 0-256,0 0-64,4 7-352,0-1-161,4 1-191,-5-4-64,5 4 96,-1-4 32,1 1 32,-1-1-128,1-3-96,-4 0 0,0-3-32,-1 3 0,1-4 0,0 1 64,-4-4 32,0 4 224,-4 0 128,0-1-32,-3 1 64,-1 0-128,-3 3 32,0 0-96,-4 6 64,3 1 0,-3 3 32,4 0-128,0 4-96,3-4-64,4 6-96,0-2-128,8 3 0,0-4-576,7 0-192,-3-3-1504,7 0-607,-4-3 1567,4-3 736</inkml:trace>
   <inkml:trace contextRef="#ctx0" brushRef="#br0" timeOffset="3959.472">13840 4275 9472,'-4'0'3584,"4"0"-2784,-8 6 640,8-6 127,-3 4-95,-1-1 160,-4 4-480,1-1-224,-5 1-512,5-3-128,-1 2 32,1 1-256,-1 3-32,5-3-96,-1-1-64,0 1-128,4 6-64,0-2 64,4 2 96,0-3 160,-4 3 64,0-3 192,-4 1 96,0-1 160,-4-4 64,1 1-160,-4-4 0,3-3-256,-3-3-32,3 3-352,-3-3-96,3-1-1408,5-2-512,-1-1 1056,4-3 608</inkml:trace>
@@ -368,13 +430,13 @@
   <inkml:trace contextRef="#ctx0" brushRef="#br0" timeOffset="9141.619">16387 4717 6912,'-3'0'2624,"10"-3"-2048,-7 3 640,0 0 160,0 0-128,0 0 32,0 0-288,4 6-65,0 4-511,-4 4 384,7-1 224,-7 4-448,0 0-160,0 0-256,0-1-128,4-2-288,-4-1-160,4 4-704,-4-7-256,4-3-543,-4-1-161,3-2 1120,-6-1 512</inkml:trace>
   <inkml:trace contextRef="#ctx0" brushRef="#br0" timeOffset="9637.292">16531 4704 7040,'-4'0'2624,"8"3"-2048,-4 0 416,0 1 32,0-4-128,0 6 32,-4 1-32,0 0 64,0 0-512,1-1-129,3 1 33,-8 3-96,1-3 32,-1-1 192,-3 1 64,-1 0-128,1-1-96,4-2-256,-5-1-32,1 1-32,7-1 64,0 0-96,1-3 0,3 0-128,0 0 32,0 0 64,0 0 32,0 0 32,7-3 64,1 0-32,-5 3 64,5 0 0,0 0 32,-1 0-64,4 0-64,-7 0 32,4 3 32,-1 0 96,1 1 64,-4 2 96,-1 1 32,9 3-96,-12 0-96,0 4-64,0-4-96,7-4-128,-3 4 0,3-10-352,-3 0-192,4 0-1600,-1 0-735,1-6 1535,-1 2 800</inkml:trace>
   <inkml:trace contextRef="#ctx0" brushRef="#br0" timeOffset="-12507.506">3275 5263 9984,'-8'-7'3680,"8"7"-2848,-11 3 512,11-3 63,0 7-479,-8 0-64,8 3-320,-7 0-64,3 7-288,4-4-64,0 7 0,0-3-64,0 3-64,4-3-64,11 3-32,-4-3-96,8 6-32,-4-6 32,8 10 64,-4-7 64,-1 3 96,-2-3 0,-1 4-32,0-4 224,-4 0 160,0-3 96,-7 3 0,0-3-32,-8 3-32,4-3-160,-7-1-96,-1 1-160,-3-3-64,-1-4-192,-3-4 0,4 1-224,0-7-96,-1 0-544,1-3-224,4-1-2911,-1-9-1249,0-1 2816</inkml:trace>
-  <inkml:trace contextRef="#ctx0" brushRef="#br0" timeOffset="-12025.794">3414 5400 9472,'4'4'3520,"-4"-4"-2752,8 3 160,-8-3-96,7 3-352,1-3-1,-1-3-95,1 3 0,3-7-192,-3 1-128,3-8-32,-4 1 160,1-1 128,0 1-96,-5 0-64,1 2 128,-4 1 64,0 0 0,-4 4 32,1-1-64,-9 7-32,5 0-32,-5 3 64,5 1-96,-1 9-64,1-3 0,3 10-32,0-3-64,4 6-64,0-2 32,8 2-32,-1-3-96,8 0 64,0-3-32,4-4 0,-4-3-224,4-10-128,-4 0-416,0-6-128,-3-4-1951,-5 0-833,1 0 1952,-8-7 896</inkml:trace>
+  <inkml:trace contextRef="#ctx0" brushRef="#br0" timeOffset="-12025.795">3414 5400 9472,'4'4'3520,"-4"-4"-2752,8 3 160,-8-3-96,7 3-352,1-3-1,-1-3-95,1 3 0,3-7-192,-3 1-128,3-8-32,-4 1 160,1-1 128,0 1-96,-5 0-64,1 2 128,-4 1 64,0 0 0,-4 4 32,1-1-64,-9 7-32,5 0-32,-5 3 64,5 1-96,-1 9-64,1-3 0,3 10-32,0-3-64,4 6-64,0-2 32,8 2-32,-1-3-96,8 0 64,0-3-32,4-4 0,-4-3-224,4-10-128,-4 0-416,0-6-128,-3-4-1951,-5 0-833,1 0 1952,-8-7 896</inkml:trace>
   <inkml:trace contextRef="#ctx0" brushRef="#br0" timeOffset="-11635.836">3524 5182 9216,'-4'0'3424,"4"0"-2656,11 10 192,-11-10-96,8 11-128,-5-1 31,9 3-223,-5 0-64,8 7-288,-3-3 0,-1 3 32,0-3 32,1 0 0,-1-4-128,-4-6-96,1 0 0,-4-11-32,-4 1-96,0-10 64,0 3 32,-4-14 64,0 4-96,0-7 0,4 7 32,0-3 64,0 2 96,0 5 128,0 2 0,8 4 64,-4 0-128,7 7 32,-3 3-160,3 3 0,0 1-32,4 6-64,0 0-64,0 0-32,-3 0-448,-1-4-192,-3 1-2016,-1-3-831,1-1 1759,-1-10 928</inkml:trace>
   <inkml:trace contextRef="#ctx0" brushRef="#br0" timeOffset="-11229.921">3727 4965 11264,'-4'-4'4224,"4"4"-3296,-3 7 95,3-7-191,3 3-576,-3-3-64,8 7-128,-4-4-64,7 4 32,-3 0-32,7 3 0,-4-4 0,0 5 64,1-1 256,-1 3 96,-4-3 224,1 3 64,-4 1-224,0-1-64,-1-3-160,-3 0-96,0 0-160,-3-3-64,-1 0-128,0-4-32,0 1-160,-3-4-96,-1 0-160,-3-4-64,3 1-256,1-4-128,-1 0-2207,4-6-1057,1 3 2272,3-10 1120</inkml:trace>
   <inkml:trace contextRef="#ctx0" brushRef="#br0" timeOffset="-10896.811">3821 4851 8448,'0'3'3168,"0"-3"-2464,-3 10 704,3-10 224,0 7-289,0-1 1,3 8-352,1-4-128,4 7-480,-4-7-96,3 3 32,1-3-192,3-3 0,-4 0-64,5-7-64,-5 0 32,5-10-32,-5-1 0,1-5 0,-1 2 64,-3-9 96,0 6 128,-4 0 64,0 4-32,-4 0 32,0 2-192,-3 1-32,-1 4-128,1-1-96,-1 4-96,1-1-32,-1 1-224,0 0-128,5-1-192,-1 1-64,0 0-608,0-1-224,1 1-2335,3-1-1025,0 1 2624</inkml:trace>
-  <inkml:trace contextRef="#ctx0" brushRef="#br0" timeOffset="-10554.722">3889 4686 7552,'8'-3'2880,"-8"3"-2240,11 7 608,-11-7 96,8 6-160,-1 1 96,5 3-289,-5 0-127,4 4-480,1-1 96,-1 0 96,0 1-64,-3-4 96,-1 0-192,1-3 0,-1-1-192,-7-6 32,0 0-160,0-6 0,0-1-32,-3-6-64,3 3-128,-4-4 0,0 1-288,0-4-128,1 4-1280,-1-8-544,0 5-2047,4-1-769,0 4 2720</inkml:trace>
+  <inkml:trace contextRef="#ctx0" brushRef="#br0" timeOffset="-10554.723">3889 4686 7552,'8'-3'2880,"-8"3"-2240,11 7 608,-11-7 96,8 6-160,-1 1 96,5 3-289,-5 0-127,4 4-480,1-1 96,-1 0 96,0 1-64,-3-4 96,-1 0-192,1-3 0,-1-1-192,-7-6 32,0 0-160,0-6 0,0-1-32,-3-6-64,3 3-128,-4-4 0,0 1-288,0-4-128,1 4-1280,-1-8-544,0 5-2047,4-1-769,0 4 2720</inkml:trace>
   <inkml:trace contextRef="#ctx0" brushRef="#br0" timeOffset="-10284.445">4017 4572 8320,'8'0'3168,"-8"0"-2464,8 11 1056,-8-11 320,7 6-449,-3 1-159,3 0-416,1-1-192,0 4-480,-1 0-256,1 0-64,-1-3-576,1 3-128,-5-3-2304,1 0-991,0-4 2015,-4-6 960</inkml:trace>
-  <inkml:trace contextRef="#ctx0" brushRef="#br0" timeOffset="-8723.621">3987 4465 6400,'-3'0'2368,"3"0"-1856,0 4 928,0-4 288,0 0-128,0 0 0,0 0-385,0 0-127,0 0-608,0 0 480,3 0 224,-3 0-192,4 0-96,-4 0-448,4 0-128,0 0-416,-4 0-96,0 0-2240,0 0-928,0 0 1697,3-7 831</inkml:trace>
+  <inkml:trace contextRef="#ctx0" brushRef="#br0" timeOffset="-8723.622">3987 4465 6400,'-3'0'2368,"3"0"-1856,0 4 928,0-4 288,0 0-128,0 0 0,0 0-385,0 0-127,0 0-608,0 0 480,3 0 224,-3 0-192,4 0-96,-4 0-448,4 0-128,0 0-416,-4 0-96,0 0-2240,0 0-928,0 0 1697,3-7 831</inkml:trace>
   <inkml:trace contextRef="#ctx0" brushRef="#br0" timeOffset="-10082.983">4021 4482 8064,'-4'0'3072,"4"0"-2400,0 0 192,0 0-128,0 0-832,0 0-224,0 0 128,0 0 64</inkml:trace>
   <inkml:trace contextRef="#ctx0" brushRef="#br0" timeOffset="-9903.468">4014 4261 7808,'3'-4'2880,"-3"4"-2240,16 7 768,-16-7 192,11 7-64,-4 0 127,9 6-223,-5 0-96,8 14-736,-4-7 128,4 4 128,-4-4-288,4 3 0,-1-3-256,-3-3-128,1-3-96,-5-1-96,0-3-192,-3-3-128,-1-1-256,1-2-96,-4-1-1056,-4-3-416,0 0-1151,-4 0-449,4 0 1984,-8-7 928</inkml:trace>
   <inkml:trace contextRef="#ctx0" brushRef="#br0" timeOffset="-9519.494">4247 4214 6144,'0'0'2272,"0"0"-1760,4 7 640,-4-7 192,0 0-96,0 0 32,0 3-224,0-3 0,0 7-609,0-4 33,-4 7 32,1 0-64,-1 7 0,0-4-64,-3 7 64,3 0 64,0 1-32,0-5-96,1 1-64,3-4-128,0-2-32,0-1-96,3-4 32,1-2 0,4-4 32,-1 0-64,4-7 32,1 4 0,-1-7 32,-3 3 0,3-3 64,-4 3-96,1 0 0,0 1-448,-5 2-256,1 1-2368,-8 3-1055,1 0 2047,-9 3 992</inkml:trace>
@@ -408,7 +470,7 @@
   <inkml:trace contextRef="#ctx0" brushRef="#br0">55 3622 6656,'1'-7'1808,"0"7"-738,-2 1-315,-4-5 108,4 3-650,1 0 0,0 0 0,-1 0 1,1 0-1,0 0 0,0 0 0,-1 1 1,1-1-1,0 0 0,0 0 0,0 0 1,0 0-1,0 0 0,0-1-213,0-7 1377,-20-21 858,15 19-2077,0-1-1,1 1 1,1 0 0,0-1-1,0 0 1,1 0 0,1 0-1,0 0 1,1 0 0,0 0 0,0 0-1,2 0 1,-1 1 0,2-5-158,11-41 16,2 0 1,2 1 0,3 1-1,3 1 1,1 1 0,3 1-1,2 2 1,16-18-17,-29 46 85,1 0 1,0 2-1,2 0 0,1 1 0,0 1 0,1 1 1,1 1-1,19-10-85,-2 4 80,1 2 0,1 2 0,1 2 1,0 2-1,3 1-80,308-71 74,-316 75-44,0-1 0,-1-2 0,-1-1-1,0-3 1,-1 0 0,0-2 0,-2-2 0,0-1-1,-1-2 1,-1-1 0,-2-1 0,8-10-30,-6 5 122,-2-2-1,-1-1 1,-2-1 0,-1-1 0,-2-1 0,-1-2 0,0-6-122,-16 28-129,0-1-1,-2 0 1,0 0-1,-1 0 1,0-16 129,1 1-1940,-3 31 1823,-1-3-524,0 0 1,1 0-1,0 0 1,0 0-1,0 0 1,0 0 0,1 0-1,0 0 1,-1 1-1,1-1 1,1 0 640,-2 3-342,-1 0 231,0 1 0,1 0 0,-1 0 0,0-1 1,0 1-1,0 0 0,1 0 0,-1-1 0,0 1 1,0 0-1,0-1 0,0 1 0,0 0 1,0-1-1,0 1 0,0 0 0,0-1 0,0 1 1,0 0-1,0-1 0,0 1 0,0 0 0,0-1 111,-9-12-1850</inkml:trace>
   <inkml:trace contextRef="#ctx0" brushRef="#br0" timeOffset="1694.469">1843 826 8960,'17'-35'5968,"-17"36"-5888,0 0 0,0 0 1,0 0-1,0 0 1,0 0-1,0 0 0,1 1 1,-1-1-1,1 0 1,-1 0-1,1-1 1,-1 1-1,1 1-80,0 0 144,7 17 222,-1 0 1,0 0-1,-1 1 0,0 8-366,11 82 194,-2-9 360,24 135-282,-36-223-498,-1-1 1,2 0-1,3 9 226,-10-29-227,0 0-1,1 0 1,0-1 0,0-2 227,-9-33-62,-15-39 50,4-2 0,3 0 0,4-1 0,0-47 12,14 112-4,1 0 0,0 0-1,2 0 1,1 0 0,3-14 4,6-11-118,15-40 118,-23 75-13,0 0 0,1 0 0,0 1 0,1-1-1,0 1 1,0 1 0,8-9 13,-9 13 27,0-1 0,1 1-1,-1 0 1,1 1 0,0 0 0,1 0 0,-1 0 0,1 0-1,-1 1 1,1 0 0,0 1 0,5-1-27,-6 1 65,1 0 0,-1 1 0,1 0 0,0 0 0,-1 1 0,1 0 1,0 0-1,0 1 0,-1 0 0,1 0 0,0 0 0,-1 1 0,1 0 0,-1 0 0,3 2-65,-2-1-13,-1 1-1,1 0 1,0 1-1,-1 0 1,0 0-1,0 0 0,-1 0 1,1 1-1,-1 0 1,0 0-1,-1 1 0,1-1 1,-1 2 13,4 6 102,-1 0 0,0 1 0,-1 0 0,0 0 0,-1 1 0,-1-1 0,-1 1 0,0 0 0,-1 0 0,0 2-102,-2-8 99,0 0 1,0-1-1,-1 1 0,0 0 1,-1-1-1,0 1 1,-1-1-1,0 0 0,0 0 1,-1 0-1,0 0 0,-1 0 1,0-1-1,0 0 0,0 0 1,-1 0-1,-4 3-99,-1 0 86,0 0 0,-1-1 0,0-1 0,0 0 0,-1 0 0,0-1 0,-1-1-1,0 0 1,-5 1-86,13-6-439,-23 8 1119,-13 3-680,19-8-3705,1-4-5684,37-1 6179</inkml:trace>
   <inkml:trace contextRef="#ctx0" brushRef="#br0" timeOffset="2065.483">2427 980 9728,'-2'0'648,"0"0"-469,0 0-1,0 0 0,1 0 1,-1 0-1,0 0 1,0 0-1,0 0 0,1 0 1,-1 1-1,0-1 0,0 1 1,1-1-1,-1 1 0,1 0 1,-1 0-1,0 0 0,1 0 1,-1 0-1,1 0 0,0 0 1,-1 0-1,1 0 0,0 1 1,0-1-1,0 0 1,0 1-1,0-1 0,-1 2-178,-6 9 440,4-7-194,1 0 0,-1 0 0,1 0 1,1 0-1,-1 0 0,1 1 1,0-1-1,0 1 0,-1 4-246,2-2 239,0 1 0,1-1 0,0 0 0,0 0-1,1 0 1,0 1 0,0-1 0,1 3-239,0-7 79,-1 1 0,1-1 0,0 0 0,0 0-1,0 0 1,0 0 0,1 0 0,-1 0 0,1 0 0,0-1 0,0 1 0,1-1 0,-1 0 0,1 0-1,-1 0 1,3 0-79,-1 0 17,1 0-1,-1-1 0,1 1 0,0-1 0,0 0 1,0-1-1,0 0 0,0 0 0,0 0 0,1 0 1,-1-1-1,0 0 0,0-1 0,0 1 1,1-1-1,-1 0 0,0-1 0,0 1 0,0-1 1,-1-1-1,1 1 0,0-1 0,-1 0 0,0 0 1,2-1-17,3-4-10,-1-1 0,0 1 0,0-1 0,-1-1 0,0 1 0,-1-2 0,5-7 10,-8 11-47,-1 0 0,0 0-1,0 0 1,-1-1 0,0 1 0,0-1-1,-1 0 1,0-3 47,1-14-1139,-1-23 1139,-2 29-547,-2-26-1723,0 0-4883,3 24 4843,0-3 1100</inkml:trace>
-  <inkml:trace contextRef="#ctx0" brushRef="#br0" timeOffset="2398.588">2806 445 9856,'0'0'153,"-1"0"1,1 1-1,0-1 1,-1 0-1,1 0 1,0 0-1,-1 0 1,1 0-1,0 1 1,-1-1 0,1 0-1,0 0 1,0 0-1,-1 1 1,1-1-1,0 0 1,0 1-1,-1-1 1,1 0-1,0 0 1,0 1-1,0-1 1,0 0-1,-1 1 1,1-1 0,0 0-1,0 1 1,0-1-1,0 0 1,0 1-1,0-1 1,0 1-1,0-1 1,0 0-1,0 1 1,0-1-1,0 0 1,0 1-1,0-1-153,4 21 421,-2-13 88,0 14 424,0 0 1,-2 5-934,0 12 1013,3 24-418,8 143 1418,-6-151-3120,3 0 0,11 38 1107,-17-85-509,1 0 1,-1-1-1,2 1 0,-1-1 0,1 1 0,0-1 0,3 4 509,10 11-741</inkml:trace>
+  <inkml:trace contextRef="#ctx0" brushRef="#br0" timeOffset="2398.587">2806 445 9856,'0'0'153,"-1"0"1,1 1-1,0-1 1,-1 0-1,1 0 1,0 0-1,-1 0 1,1 0-1,0 1 1,-1-1 0,1 0-1,0 0 1,0 0-1,-1 1 1,1-1-1,0 0 1,0 1-1,-1-1 1,1 0-1,0 0 1,0 1-1,0-1 1,0 0-1,-1 1 1,1-1 0,0 0-1,0 1 1,0-1-1,0 0 1,0 1-1,0-1 1,0 1-1,0-1 1,0 0-1,0 1 1,0-1-1,0 0 1,0 1-1,0-1-153,4 21 421,-2-13 88,0 14 424,0 0 1,-2 5-934,0 12 1013,3 24-418,8 143 1418,-6-151-3120,3 0 0,11 38 1107,-17-85-509,1 0 1,-1-1-1,2 1 0,-1-1 0,1 1 0,0-1 0,3 4 509,10 11-741</inkml:trace>
   <inkml:trace contextRef="#ctx0" brushRef="#br0" timeOffset="2731.697">3205 826 13056,'-5'0'770,"0"0"0,-1 1-1,1 0 1,0-1 0,0 2 0,0-1 0,-4 2-770,5-1 140,0 0-1,0 0 1,0 0-1,1 0 1,-1 1-1,1 0 1,-1 0-1,1 0 1,-2 2-140,3-3-19,-2 2 29,0 1 0,0-1 0,0 0 0,1 1 0,-1 0 0,1 0 1,1 0-1,-1 0 0,1 0 0,-1 1 0,2-1 0,-1 1 0,0 4-10,1-7 11,1-1-1,0 1 1,1 0 0,-1-1 0,0 1 0,1 0 0,-1 0 0,1-1 0,0 1-1,0-1 1,0 1 0,0 0-11,18 29-4,-13-22-42,11 15-284,1-1 1,3 2 329,-5-7-175,0 2 1,8 16 174,-23-36 14,0 0 0,-1 0 0,1 0 0,0 0 0,-1 0 0,1 0 1,-1 0-1,0 0 0,1 0 0,-1 0 0,0 0 0,0 0 0,1 1 0,-1-1 1,0 0-1,0 0 0,0 0 0,0 0 0,-1 0 0,1 0 0,0 1 0,0-1 0,-1 0 1,1 0-1,-1 0 0,1 0 0,-1 0 0,1 0 0,-1 0 0,1 0 0,-1 0 1,0-1-1,0 1 0,1 0 0,-1 0 0,0 0 0,0-1-14,-2 2 50,0 0 0,0-1 1,-1 1-1,1-1 0,0 0 0,-1 0 0,1 0 0,-1-1 1,1 1-1,-4-1-50,-8 1-357,-1-1 1,1-1-1,0 0 0,-1-1 1,1-1-1,0 0 1,0-1 356,15 4-76,-1 0 1,1 0-1,0 0 1,-1-1-1,1 1 0,-1 0 1,1 0-1,-1 0 1,1 0-1,-1 0 1,1-1-1,0 1 1,-1 0-1,1 0 1,-1 0-1,1-1 0,0 1 1,-1 0-1,1-1 1,0 1-1,-1 0 1,1-1-1,0 1 1,0-1-1,-1 1 0,1 0 1,0-1-1,0 1 1,0-1-1,-1 1 1,1-1-1,0 1 1,0 0-1,0-1 0,0 1 1,0-1-1,0 1 1,0-1-1,0 1 1,0-1-1,0 1 1,0-1-1,0 1 0,0-1 1,1 1-1,-1 0 1,0-1-1,0 0 76,9-17-602</inkml:trace>
   <inkml:trace contextRef="#ctx0" brushRef="#br0" timeOffset="3183.489">3958 836 12672,'-16'-9'4878,"-5"4"-3417,14 5-1476,0-1-1,0 1 0,-1 0 1,-4 2 15,5-1 48,0 0 1,0 1-1,0 0 1,0 1-1,0 0 1,0 0-1,1 0 0,-1 1 1,1 0-1,0 0 1,0 0-1,1 1 1,-1 0-1,1 0 1,0 0-1,0 1 1,1 0-1,0 0 1,-1 2-49,1-3 15,1 0 1,1 0-1,-1 1 1,1 0 0,0-1-1,0 1 1,0 0-1,1 0 1,0 0 0,0 0-1,1 0 1,0 0 0,0 0-1,0 1 1,1-1-1,-1 0 1,2 0 0,-1 0-1,1-1 1,-1 1-1,2 0 1,-1 0 0,1 0-16,-1-2-45,0-1 1,0 0 0,0 0-1,1 0 1,-1 0 0,1 0-1,0-1 1,0 1 0,0-1 0,0 0-1,0 0 1,0 0 0,0 0-1,1 0 1,-1-1 0,1 1-1,-1-1 1,1 0 0,0 0-1,-1-1 1,1 1 0,0-1-1,0 1 1,-1-1 0,1-1-1,0 1 1,0 0 0,0-1-1,2 0 45,10-5-142,-1-1-1,0-1 1,0 0-1,0-1 1,-1 0-1,-1-1 1,0-1-1,0 0 1,-1 0-1,0-2 1,-1 1-1,-1-1 1,0-1-1,-1 0 1,3-6 142,5-11-51,-1-2 0,-2 0 0,-2 0 0,0-1 1,-3-1-1,5-28 51,-7 16 296,-2 1 0,-2-2 0,-2 1 0,-5-37-296,1 56 672,-5-21-672,8 47 18,-1 0 0,1 0 1,0 0-1,-1 0 0,0 1 1,1-1-1,-1 0 0,0 0 0,0 1 1,0-1-1,0 1 0,0-1-18,0 2 4,1 0 0,0-1 0,0 1 0,-1 0-1,1 0 1,0 0 0,0-1 0,-1 1 0,1 0 0,0 0-1,-1 0 1,1 0 0,0 0 0,-1 0 0,1 0 0,0 0-1,-1 0 1,1 0 0,0 0 0,-1 0 0,1 0-1,0 0 1,0 0 0,-1 0 0,1 0-4,-10 9 101,6-2-6,0 0 0,0 0 1,1 0-1,0 1 0,0 0 1,1-1-1,0 1 0,-1 4-95,-2 18 584,0 20-584,4-34 115,-4 50 514,3 0 0,6 64-629,1-87-355,1 0 0,3 2 355,-1-13-2106,1 0 0,12 28 2106,-19-55-745,0-1-1,-1 0 1,1 0 0,1 0-1,-1 0 1,0 0-1,1-1 1,0 1-1,0-1 1,0 1 0,0-1-1,1 0 1,3 2 745,15 7-3296</inkml:trace>
   <inkml:trace contextRef="#ctx0" brushRef="#br0" timeOffset="3546.519">4341 861 9728,'0'0'3205,"7"5"-474,-2 0-2088,1 0 0,-1-1 0,1 1 0,2 0-643,-6-4 55,0 0-1,-1 0 1,1 0 0,0 0 0,0 0 0,0 0-1,0-1 1,0 1 0,0-1 0,0 1 0,0-1-1,0 0 1,0 0 0,0 0 0,0 0 0,0 0-1,2-1-54,15-4 196,-5 1-93,-1 0 1,1-1-1,2-3-103,-12 7 8,0-1 1,0-1-1,-1 1 0,1 0 0,-1-1 1,0 0-1,0 0 0,0 0 1,0 0-1,0 0 0,-1-1 0,1 1 1,0-2-9,-2 2 16,1 0 0,-1 0 0,1 1 1,-1-1-1,0 0 0,0 0 0,-1 0 1,1-1-1,0-1-16,-1 4 4,-1-1 1,1 1-1,0 0 1,0-1-1,-1 1 1,1-1-1,-1 1 1,1 0-1,-1-1 1,0 1-1,1 0 1,-1 0-1,0-1 1,0 1 0,0 0-1,0 0 1,0 0-1,0 0 1,0 0-1,0 0 1,-1 1-1,1-2-4,-3 0 20,1 1 0,-1-1 0,1 0 0,-1 1 0,0-1 0,0 1 0,0 0 0,1 1 0,-1-1 0,0 1 0,0-1 0,0 1 0,0 0 0,0 1 0,0-1 0,0 1 0,0-1 0,0 1 0,1 0 0,-1 1 0,0-1 0,0 1-20,-2 1 29,0-1 1,1 1-1,-1 0 1,1 1-1,0-1 1,0 1 0,0 0-1,1 0 1,-1 1-1,1 0 1,0-1-1,0 1 1,1 0-1,-1 2-29,-1 1-28,1 0 0,1 0 0,-1 1 0,1-1 0,1 1 0,-1 0 28,3-5-193,-1-1 0,1 0 0,0 0 0,0 0 0,0 0 0,0 0 0,0 0 0,1 1 0,-1-1 0,1 0 0,0 0 0,0 0 0,0 0 1,0-1-1,0 1 0,1 0 0,-1 0 0,1-1 0,1 2 193,0-1-358,-1 0 0,1 0-1,0-1 1,0 1 0,1-1 0,-1 0 0,1 0 0,-1 0 0,1 0-1,-1 0 1,1-1 0,0 0 0,2 1 358,26 0-933</inkml:trace>
@@ -515,7 +577,7 @@
   </inkml:definitions>
   <inkml:trace contextRef="#ctx0" brushRef="#br0">374 65 11904,'-2'-10'3706,"2"10"-3622,0 0 0,0 0 1,0-1-1,0 1 0,-1 0 0,1 0 0,0 0 0,0 0 1,0 0-1,0 0 0,0 0 0,0 0 0,-1 0 1,1 0-1,0 0 0,0 0 0,0 0 0,0-1 0,-1 1 1,1 0-1,0 0 0,0 0 0,0 0 0,0 0 1,0 1-1,-1-1 0,1 0 0,0 0 0,0 0 0,0 0 1,0 0-1,0 0 0,-1 0 0,1 0-84,-17 16 1735,13-10-1589,-20 20 271,2 1 0,1 1 0,2 1 0,-2 5-417,-21 43 247,4 2 0,3 2 0,-21 76-247,29-61 136,4 1-136,16-62-74,2 0 0,2 0 0,0 1 0,3 19 74,1-39-52,0 0 1,1 0-1,1 0 1,0-1-1,1 1 1,1-1-1,0 0 0,6 10 52,-7-18-25,0 0 0,0 1 0,1-2 0,0 1 1,1 0-1,0-1 0,0 0 0,0-1 0,0 1 0,1-1 0,0 0 0,0-1 0,0 0 0,1 0 0,0 0 0,-1-1 0,2 0 25,4 1-59,1-1 0,-1 0 1,1-1-1,-1 0 0,1-1 1,0-1-1,-1 0 0,1-1 0,0 0 1,-1-1-1,1-1 0,-1 0 1,6-3 58,4-1-95,-1-2 1,-1 0-1,1-2 1,-1 0 0,-1-2-1,-1 0 1,8-7 94,-15 12-26,15-13 3,0-2 0,-1 0 0,-1-1 0,9-14 23,-25 28-4,17-23 22,14-25-18,-33 48 8,-2 0-1,1 0 1,-1-1-1,-1 0 1,0 0 0,0 0-1,-1-1 1,0-3-8,-2 9-49,-1 0-1,1 1 1,-2-1 0,1 0-1,0 1 1,-1-1 0,0 1-1,-1-1 1,1 1-1,-2-3 50,2 5-17,0 0-1,-1 0 1,1 0-1,-1 0 0,0 0 1,0 0-1,0 1 1,0-1-1,0 1 0,-1-1 1,1 1-1,-1 0 0,1 0 1,-1 0-1,0 0 1,0 1-1,0-1 0,-2 0 18,-9-3 60,0 2-1,0 0 1,-1 0-1,1 1 1,0 1-1,-3 0-59,-9 1 107,1 1 0,-1 1 0,-4 3-107,-40 1-22,70-6 15,0 0 0,0 0 1,-1 0-1,1 0 0,0 0 0,-1 0 0,1 0 0,0 0 0,0 0 0,-1 0 0,1 0 0,0 0 0,0 0 0,-1 0 0,1 0 0,0 1 0,0-1 0,-1 0 0,1 0 0,0 0 0,0 0 0,-1 0 0,1 1 0,0-1 0,0 0 0,0 0 0,0 0 0,-1 1 0,1-1 1,0 0-1,0 0 0,0 1 0,0-1 0,0 0 0,0 0 0,0 1 0,-1-1 0,1 0 0,0 0 0,0 1 0,0-1 7,1 0-11,-1 1 0,0-1 1,1 0-1,-1 1 0,1-1 0,-1 0 1,0 0-1,1 0 0,-1 1 0,1-1 0,-1 0 1,1 0-1,-1 0 0,1 0 0,-1 0 1,1 0-1,-1 0 0,1 0 0,-1 0 1,1 0-1,-1 0 0,0 0 0,1 0 0,-1 0 1,1 0 10,68-12-230,1 3 1,0 3 0,13 3 229,-74 3 136,0 0-1,0 1 1,0 0 0,-1 1 0,1 0 0,-1 0-1,6 3-135,-10-3 64,0-1-1,0 1 0,-1 0 0,1 0 1,-1 1-1,1-1 0,-1 1 0,0-1 1,0 1-1,0 0 0,0 0 0,-1 0 1,1 1-1,-1-1 0,0 1 0,2 2-63,0 5 76,-1-1 1,0 1-1,0-1 0,-1 1 0,-1 0 0,0 0 0,0 0 0,-1 0 0,0 2-76,-2 10 90,0 0 0,-2 0 0,-5 20-90,-2-4-133,5-18-1087,0 1 1,2 0-1,-1 11 1220,4-11-1163</inkml:trace>
   <inkml:trace contextRef="#ctx0" brushRef="#br0" timeOffset="651.375">1343 198 10880,'1'21'4500,"6"2"-2921,-5-16-1418,-1 0 1,1 0-1,-1-1 1,0 2-162,3 30 653,1 2 443,-2 26-1096,-4-35 224,1 11 187,3 14-411,6 62 320,-4 10-320,-5-45-40,-1 17-3467,-8-163 2911,-3-23 568,4 9 117,1 17 141,3-1 0,4-47-230,3 61 134,2 0-1,2 0 0,14-45-133,-13 63 90,1-5 33,2 0 0,1 0 1,4-4-124,-12 29 42,0 1 0,1-1 0,0 1 0,1 0 1,0 0-1,0 1 0,0 0 0,1 0 1,0 0-1,1 1 0,-1 0 0,1 0 0,6-2-42,-7 4 18,-1 2-1,1-1 1,0 1-1,0 0 0,0 1 1,1-1-1,-1 1 0,0 1 1,0 0-1,1 0 0,-1 0 1,7 1-18,-5 1-11,1 0 0,-1 0 1,0 0-1,0 1 0,0 1 1,0 0-1,0 0 0,-1 0 0,1 2 11,-1-1 21,-1 0 0,0 0 0,0 1-1,-1 1 1,0-1 0,0 1 0,0 0 0,-1 0-1,0 0 1,0 1 0,-1 0 0,0 0-1,3 7-20,-3-3 149,-1 0-1,-1 0 0,1 0 1,-2 0-1,0 0 1,0 0-1,-1 1 0,-1-1 1,-1 10-149,0-11 152,0-1 0,-1 1 0,0-1 0,0 0 0,-1 0 0,-1 0 0,1 0 0,-3 2-152,-9 13 714,-1 0 1,-10 9-715,12-17 95,-1-2-1,0 0 1,-1 0-1,-15 8-94,7-4-949,22-16 740,-1-1-1,1 0 0,-1 0 0,1 0 1,-1 0-1,0 0 0,0-1 1,0 0-1,-2 1 210,-1 0-326,-15 7-501</inkml:trace>
-  <inkml:trace contextRef="#ctx0" brushRef="#br0" timeOffset="1240.698">2444 75 12288,'-5'-2'1225,"-1"1"1,1 0 0,0 0 0,-1 1 0,-4 0-1226,3 0 435,0 1 0,-1-1 0,1 2 0,0-1-435,-12 5 315,1 0 1,-15 8-316,32-14 86,-8 5-102,0 0 0,0 0-1,1 0 1,0 1 0,0 1 0,0-1-1,1 1 1,0 1 0,0-1 0,1 1 0,0 0-1,0 1 1,1-1 0,0 1 0,1 0-1,0 1 1,0-1 0,1 1 0,0-1 0,0 1-1,1 0 1,1 0 0,0 0 0,0 8 16,2 15-161,2-1 1,1 0-1,1 0 0,7 22 161,8 14 125,18 41-125,-24-66 365,9 42-365,-7-22 419,-8-36-265,-4-12 73,1 1 0,-2-1 0,0 1 0,-1 5-227,-1-15 53,1 55 849,-2-54-768,-1 0 0,0 0 0,0 0 0,0 0 0,-1 0 0,0 0 0,0 0-134,-1 0 95,-1 0-1,0 0 1,0 0 0,0-1 0,0 0 0,-1 0-1,0 0 1,-1 0 0,1-1 0,-1 0-1,0 0 1,0 0 0,-6 3-95,3-3-7,-1-1 1,1 0-1,-1-1 1,0 1-1,0-2 0,0 1 1,-1-2-1,1 1 1,0-1-1,-1-1 1,1 0-1,-3-1 7,-10 0-810,0-2 0,0-1 1,1 0-1,-1-2 0,1-1 810,-16-7-1291,4-4 587</inkml:trace>
+  <inkml:trace contextRef="#ctx0" brushRef="#br0" timeOffset="1240.697">2444 75 12288,'-5'-2'1225,"-1"1"1,1 0 0,0 0 0,-1 1 0,-4 0-1226,3 0 435,0 1 0,-1-1 0,1 2 0,0-1-435,-12 5 315,1 0 1,-15 8-316,32-14 86,-8 5-102,0 0 0,0 0-1,1 0 1,0 1 0,0 1 0,0-1-1,1 1 1,0 1 0,0-1 0,1 1 0,0 0-1,0 1 1,1-1 0,0 1 0,1 0-1,0 1 1,0-1 0,1 1 0,0-1 0,0 1-1,1 0 1,1 0 0,0 0 0,0 8 16,2 15-161,2-1 1,1 0-1,1 0 0,7 22 161,8 14 125,18 41-125,-24-66 365,9 42-365,-7-22 419,-8-36-265,-4-12 73,1 1 0,-2-1 0,0 1 0,-1 5-227,-1-15 53,1 55 849,-2-54-768,-1 0 0,0 0 0,0 0 0,0 0 0,-1 0 0,0 0 0,0 0-134,-1 0 95,-1 0-1,0 0 1,0 0 0,0-1 0,0 0 0,-1 0-1,0 0 1,-1 0 0,1-1 0,-1 0-1,0 0 1,0 0 0,-6 3-95,3-3-7,-1-1 1,1 0-1,-1-1 1,0 1-1,0-2 0,0 1 1,-1-2-1,1 1 1,0-1-1,-1-1 1,1 0-1,-3-1 7,-10 0-810,0-2 0,0-1 1,1 0-1,-1-2 0,1-1 810,-16-7-1291,4-4 587</inkml:trace>
 </inkml:ink>
 </file>
 
@@ -546,8 +608,8 @@
   <inkml:trace contextRef="#ctx0" brushRef="#br0">7 2033 8960,'-5'-29'2981,"4"23"-1738,1 6-321,0 0-84,8 12-214,2-2-459,-1 0 0,-1 1 0,0 1 0,4 9-165,27 53 316,-29-55-236,48 117 351,8-2-233,-42-80-135,19 50-94,-29-74 27,-11-26-7,0 1 0,-1 0 0,0 0 1,0 0-1,0 0 0,-1 0 0,1 0 0,-1 1 11,-27-33 64,-4-22 373,13 19-213,-6-11-132,2-2 0,1 0 0,0-8-92,-7-27-297,-4-34 297,25 87-20,1 0 1,1-1-1,1 0 0,1 0 1,2-23 19,1 37-7,0 1 0,0-1 1,1 1-1,0-1 0,1 1 1,1 0-1,0 0 0,0 0 1,1 0-1,0 1 0,1 0 0,0 0 1,1 0-1,0 0 7,-3 6 25,1 0 0,-1 0 1,1 0-1,0 0 0,0 1 0,0 0 0,0 0 0,1 0 0,-1 1 0,1 0 0,-1 0 1,1 0-1,0 0 0,0 1 0,0 0 0,0 1 0,0-1 0,0 1 0,2 0-24,5 1 62,0 0 1,-1 1-1,1 0 1,0 1 0,-1 1-1,0 0 1,0 0 0,7 5-64,-1 0-14,0 1 0,-1 1 0,0 1 0,-1 0 0,-1 1 0,0 1 0,0 0 0,-1 1 0,-1 1 0,7 12 14,-3-3-19,-1 1 1,-1 1-1,-1 1 1,-2 0 0,-1 0-1,6 25 19,-13-37 92,-1 0-1,0 0 1,-2 0 0,0 0-1,0 1 1,-2-1 0,0 0-1,-1 0 1,0 0-1,-1 0 1,-1 1-92,0-5 176,1 0 0,-2 1 0,0-1 0,0-1 0,-1 1 0,0-1 0,-1 0 0,-1 0 0,1-1 0,-2 0 0,1-1 0,-2 1 0,1-2 0,-2 1-176,-7 5 212,0-2 0,-1 0 1,-1-1-1,-2-1-212,16-7-167,0 0 0,0 0-1,0-1 1,0 0 0,-1 0 0,1-1 0,-1 0 0,1 0-1,-1-1 1,1 1 0,-1-1 0,0-1 0,1 1 0,-1-1-1,-4-1 168,10 1-128,-1 1-1,1-1 0,-1 1 0,1-1 1,-1 0-1,1 0 0,0 1 1,-1-1-1,1 0 0,0 0 0,0 0 1,-1 0-1,1 0 0,0-1 0,0 1 1,0 0-1,0-1 0,1 1 0,-1 0 1,0-1-1,0 1 0,1-1 1,-1 1-1,1-1 0,-1 1 0,1-1 1,0 0-1,0 1 0,0-1 129,-1-30-746</inkml:trace>
   <inkml:trace contextRef="#ctx0" brushRef="#br0" timeOffset="429.855">852 1903 11136,'0'0'4376,"0"7"-3654,1-3-625,-1-1-1,1 1 1,0-1 0,0 0-1,0 1 1,0-1-1,1 0 1,0 0-1,-1 1-96,10 21 59,-4 2 330,3 17-389,2 13 523,43 139 138,-42-163-492,-10-29-107,-1 0 0,0 0 0,0 1-1,-1-1 1,0 1 0,1-1 0,-1 1 0,-1-1 0,1 4-62,-1 3 342,0-13 192,0-18-72,-5-87 265,0-6-152,4 75-449,0 12-67,2 1 1,2-19-60,0 21-480,1 0 0,1 0 0,1 1 0,1-2 480,-5 20-415,1 0 0,-1 0 1,1 0-1,0 0 0,0 0 0,0 1 0,0 0 0,0-1 0,1 1 1,0 0-1,-1 1 0,1-1 0,0 1 0,1-1 415,14-8-762</inkml:trace>
   <inkml:trace contextRef="#ctx0" brushRef="#br0" timeOffset="761.001">1319 1844 10112,'7'6'3872,"-7"-6"-3040,10 29 288,-10-15 223,12 0-799,-12 13 128,17-2-384,-17 0-32,10-1-160,2 1-1664,-7 4 832,1-5-1407,0-3 1247</inkml:trace>
-  <inkml:trace contextRef="#ctx0" brushRef="#br0" timeOffset="1098.064">1309 1572 13696,'-12'-10'5087,"12"10"-3967,-10-21-352,3 17-800,14 4-128,-7-4-2336,0-2 1376,0-5-1663,0 11 1631</inkml:trace>
-  <inkml:trace contextRef="#ctx0" brushRef="#br0" timeOffset="1432.172">1521 1586 9856,'3'11'1203,"-3"-8"-786,1 1 0,1-1 0,-1 0 0,0 1 0,1-1-1,-1 0 1,1 0 0,0 0-417,87 165 4192,-82-153-3823,13 24 889,5 6-1258,-17-33 147,0-1 0,0 0 1,1 0-1,0-1 0,9 8-147,-16-17 44,0 1 0,0-1 0,0 1-1,0-1 1,0 0 0,0 0 0,0 0 0,0 0 0,0 0 0,1 0 0,-1-1 0,2 1-44,-3-1 20,0 0-1,0 0 1,0 0-1,0 0 1,0 0 0,1 0-1,-1-1 1,0 1 0,0 0-1,0-1 1,0 1 0,0-1-1,0 1 1,0-1 0,0 1-1,0-1 1,0 0 0,-1 1-1,1-1 1,0 0-1,0 0 1,0 0 0,-1 0-1,1 0 1,-1 0 0,1 0-1,-1 0 1,1 0-20,4-9 53,-1-1 1,0 0-1,-1 0 0,0 0 0,2-11-53,5-62-305,-9 69 227,3-28-456,14-112-3432,-12 122-303,1 0 0,2 1 1,8-21 4268,-5 27-1499</inkml:trace>
+  <inkml:trace contextRef="#ctx0" brushRef="#br0" timeOffset="1098.063">1309 1572 13696,'-12'-10'5087,"12"10"-3967,-10-21-352,3 17-800,14 4-128,-7-4-2336,0-2 1376,0-5-1663,0 11 1631</inkml:trace>
+  <inkml:trace contextRef="#ctx0" brushRef="#br0" timeOffset="1432.171">1521 1586 9856,'3'11'1203,"-3"-8"-786,1 1 0,1-1 0,-1 0 0,0 1 0,1-1-1,-1 0 1,1 0 0,0 0-417,87 165 4192,-82-153-3823,13 24 889,5 6-1258,-17-33 147,0-1 0,0 0 1,1 0-1,0-1 0,9 8-147,-16-17 44,0 1 0,0-1 0,0 1-1,0-1 1,0 0 0,0 0 0,0 0 0,0 0 0,0 0 0,1 0 0,-1-1 0,2 1-44,-3-1 20,0 0-1,0 0 1,0 0-1,0 0 1,0 0 0,1 0-1,-1-1 1,0 1 0,0 0-1,0-1 1,0 1 0,0-1-1,0 1 1,0-1 0,0 1-1,0-1 1,0 0 0,-1 1-1,1-1 1,0 0-1,0 0 1,0 0 0,-1 0-1,1 0 1,-1 0 0,1 0-1,-1 0 1,1 0-20,4-9 53,-1-1 1,0 0-1,-1 0 0,0 0 0,2-11-53,5-62-305,-9 69 227,3-28-456,14-112-3432,-12 122-303,1 0 0,2 1 1,8-21 4268,-5 27-1499</inkml:trace>
   <inkml:trace contextRef="#ctx0" brushRef="#br0" timeOffset="1844.107">2149 1597 8704,'2'2'223,"1"-1"0,-1 1 1,1 0-1,0-1 0,-1 1 0,1-1 1,0 0-1,0 0 0,0 0 0,0 0 1,0-1-1,0 1 0,0-1 1,0 0-1,0 0 0,0 0 0,0 0 1,1 0-1,-1-1 0,0 1 0,0-1 1,0 0-1,0 0 0,-1 0 0,1 0 1,3-2-224,1-1 85,-1 0 0,1-1 0,0 1 0,-1-1 0,0-1 0,-1 1 0,1-1 0,-1 0 0,5-7-85,-2 1 33,0-1 0,-1 0 1,-1 0-1,0-1 0,0 1 0,-1-1 0,-1-1 0,-1 1 0,0-1 1,-1 1-1,0-1 0,-1 0 0,-1 0 0,0-6-33,-1 16 36,1 0 0,-1 1 0,0-1 1,0 1-1,0-1 0,-1 1 0,1-1 0,-1 1 0,0 0 0,-1-1 0,0 0-36,2 4 55,0-1-1,-1 0 1,1 1-1,-1 0 0,1-1 1,-1 1-1,0 0 1,0 0-1,1 0 1,-1 0-1,0 0 1,0 0-1,0 0 1,0 0-1,0 1 1,0-1-1,0 1 1,0 0-1,0 0 1,0 0-1,-1-1 1,1 2-1,0-1 1,0 0-1,0 0 0,0 1-54,-6 1 98,1 0 0,0 0 0,-1 1-1,1 0 1,0 1 0,0-1 0,1 1-1,-1 1 1,1-1 0,0 1 0,0 0-1,0 1 1,1-1 0,0 1 0,-3 4-98,-5 7 150,2 1 1,-1-1-1,2 2 1,1 0-1,-1 3-150,2-3 70,1 1 1,1 0-1,0 0 1,2 0-1,0 0 0,2 1 1,0-1-1,1 1 1,1 0-1,2 19-70,0-32-39,-1 1-1,1-1 1,1 0-1,-1 0 1,1 0 0,1 0-1,-1 0 1,1-1-1,1 1 1,0-1-1,0 0 1,5 5 39,-7-8-271,2 0 0,-1 0-1,0-1 1,1 0 0,-1 0 0,1 0-1,0 0 1,0-1 0,0 1 0,1-1-1,-1-1 1,0 1 0,1-1 0,-1 0-1,1 0 1,-1 0 0,1-1 0,0 0 0,4 0 271,-4-1-273,1 0 0,-1 0 0,0 0 0,0-1 0,0 0 0,3-1 273,40-23-890</inkml:trace>
   <inkml:trace contextRef="#ctx0" brushRef="#br0" timeOffset="2177.218">2573 1117 11392,'-2'2'569,"1"0"0,0 1 1,-1-1-1,1 0 0,0 0 1,1 1-1,-1-1 0,0 1 0,0 1-569,0 4 208,1 0 0,0 0 0,0 1 0,0 1-208,1 12 732,-2 59-498,2 74 446,1-115-140,2 0 1,7 32-541,-11-68-10,1-1 0,0 1 0,0 0 0,1-1 0,-1 1 1,1-1-1,-1 0 0,2 2 10,-2-4-15,-1-1 1,0 1 0,1-1-1,-1 1 1,1-1-1,-1 0 1,0 1-1,1-1 1,-1 0 0,1 1-1,-1-1 1,1 0-1,-1 0 1,1 0 0,0 1-1,-1-1 1,1 0-1,-1 0 1,1 0-1,-1 0 1,1 0 0,0 0 14,0 0-19,0 0 0,0-1 0,0 1 0,0-1 0,0 1 0,0-1 0,0 1 1,0-1-1,0 0 0,0 0 0,0 1 0,0-1 0,-1 0 0,1 0 0,0 0 0,0 0 19,6-10-135,0 0 0,-1-1-1,0 0 1,0 0 0,-2-1-1,1 1 1,1-11 135,14-36-615,-13 41 413,45-101-1106,-49 112 1286,0 1 0,0 0-1,1 0 1,-1 0 0,1 0-1,1 1 1,-1-1-1,1 1 1,0 0 0,1 0 22,-5 4 11,-1 1 1,1 0 0,-1-1-1,1 1 1,-1 0 0,1 0-1,-1 0 1,1-1 0,0 1 0,-1 0-1,1 0 1,-1 0 0,1 0-1,-1 0 1,1 0 0,0 0 0,-1 0-1,1 0 1,-1 1 0,1-1-1,-1 0 1,1 0 0,-1 0 0,1 1-1,-1-1 1,1 0 0,-1 1-1,1-1 1,-1 0 0,1 1-1,-1-1 1,0 0 0,1 1 0,-1-1-1,0 1 1,1-1 0,-1 1-1,0-1 1,1 1 0,-1-1 0,0 1-1,0-1 1,0 1 0,1 0-12,0 2 82,0 0 0,0 1 0,0-1 0,0 1 0,-1-1 0,1 2-82,1 46 558,-2-31-163,1 1 0,1-1 1,1 0-1,1 4-395,-3-23 25,-1 0 0,0-1 0,0 1 0,0 0 1,0 0-1,1 0 0,-1 0 0,0-1 0,1 1 0,-1 0 0,1 0 0,-1-1 0,1 1 0,-1 0 0,1-1 1,-1 1-1,1 0 0,0-1 0,-1 1 0,1-1 0,0 1 0,0-1 0,-1 1 0,1-1 0,0 0 0,0 1-25,0-1 18,0-1 0,0 1 0,0 0 0,0 0 0,0 0 0,0-1 0,0 1 0,0 0 0,0-1 0,0 1 0,0-1 0,0 0 0,0 1 0,0-1 0,0 0 0,0 1 0,-1-1-1,1 0-17,6-6 20,0-1-1,-1 0 0,1-1 0,0-2-19,-5 8-7,49-83-578,-20 31-689,4 0 1274,-25 40-36,1 1 1,1 0-1,0 1 1,1 0-1,11-9 36,-21 19 8,0 1 0,0 0 0,1-1 1,-1 1-1,0 0 0,1 1 0,0-1 0,-1 1 0,1-1 0,0 1 0,0 0 0,0 1 1,0-1-1,0 0 0,0 1-8,0 1 28,-1-1 0,1 1 0,-1 0 0,0 0 0,1 0 0,-1 0 0,0 0 0,0 1 0,0-1 0,0 1 0,0 0 1,0 0-1,0 0 0,-1 1 0,1-1 0,1 3-28,5 5-21,0 2 0,-1-1 0,0 1-1,-1 0 1,0 1 0,-1 0 0,2 7 21,2 3-2504,9 14 2504,-14-30-659,-1 0 0,1 0 1,0-1-1,0 0 0,0 0 0,1-1 0,2 2 659,13 6-949</inkml:trace>
   <inkml:trace contextRef="#ctx0" brushRef="#br0" timeOffset="2531.237">3653 874 12672,'-4'0'712,"0"1"-1,0-1 1,0 0 0,0 1 0,0 0 0,0 0 0,0 0 0,-1 1-712,1 0 84,1 0 1,-1 0 0,1 1-1,0-1 1,-1 1-1,1-1 1,0 1-1,0 0 1,1 0-1,-1 1 1,1-1 0,-1 0-1,1 1-84,-9 14 184,1-1 0,0 1 0,2 1 0,-3 6-184,9-19 53,0 1-1,0-1 1,0 1 0,1-1-1,0 1 1,1 0-1,-1-1 1,1 1 0,1 0-1,-1 0 1,1-1 0,0 1-1,0 0 1,1-1-1,1 3-52,-1-4-3,0 1-1,1-1 1,0 1-1,0-1 0,0 0 1,1 0-1,0 0 0,0-1 1,0 1-1,0-1 1,1 0-1,-1 0 0,1-1 1,0 1-1,0-1 1,1 0-1,-1-1 0,1 1 1,-1-1-1,4 1 4,-1-1-61,-1-1 0,2 1 0,-1-1 0,0-1 0,0 0 0,0 0 0,0 0 0,0-1 0,0-1 1,0 1-1,0-1 0,0 0 0,0-1 0,-1 0 0,3-1 61,5-4-43,0 0 1,-1-1-1,1-1 1,-2 0-1,1 0 1,10-13 42,-14 13 52,0-1-1,-1 0 1,0 0 0,-1-1 0,0 0 0,-1 0 0,0-1 0,2-8-52,-6 12 84,0 0 0,-1 0 0,0 0 0,-1 0 0,0 0 0,0 0 0,-1 0 0,0-1 0,-1 1 0,0 0 0,0 0 0,-2-4-84,2 9 54,0 0 0,0 1 1,-1-1-1,1 0 0,-1 1 0,0-1 1,0 1-1,0-1 0,-1 1 1,1 0-1,-1 0 0,0 0 0,0 0 1,-2-1-55,1 1 48,-1 0 1,0 0-1,0 0 1,0 0 0,-1 1-1,1 0 1,0 0-1,-1 0 1,-4 0-49,0 0-41,0 1 1,0 0-1,0 1 1,0 0 0,0 1-1,0 0 1,0 0-1,0 1 1,0 0-1,0 1 1,-6 2 40,13-3-208,-1 0 0,0-1 0,1 1 0,-1 1 0,1-1 0,0 0 0,-1 1 0,1 0 0,0 0 0,1 0 0,-3 2 208,4-4-141,0 1-1,0-1 0,0 1 1,1-1-1,-1 1 0,0 0 1,1 0-1,-1-1 0,1 1 1,-1 0-1,1 0 0,0 0 1,0-1-1,0 1 1,0 0-1,0 0 0,0 0 1,0 0-1,1-1 0,-1 1 1,0 0-1,1 0 0,0-1 1,-1 1-1,1 0 0,0-1 1,0 1 141,19 23-709</inkml:trace>
@@ -581,12 +643,12 @@
     </inkml:brush>
   </inkml:definitions>
   <inkml:trace contextRef="#ctx0" brushRef="#br0">0 2351 7552,'8'-7'2141,"-7"12"-324,-1-4-1654,0 0 0,0 0 0,0 1 0,1-1 0,-1 0 0,0 0 0,0 0 0,0 0 0,1 0 0,-1 0 0,1 0 0,-1 0 0,1 0 0,0 1-163,4 5 621,-1-2-259,0 0 0,-1 0 0,1 1 0,-1-1 1,0 2-363,22 53 794,-2 0 1,-3 1-1,7 42-794,-12-44 435,14 32-435,-16-52 24,5 20-397,2 16 373,-12-42-591,7 12 591,-8-27-279,-1 0-1,-1 1 1,-1 0 0,0 0-1,-1 0 1,-1 6 279,-14-36-480,8 6 481,1-1 0,-1 1-1,1-1 1,0 0 0,0 0-1,0 0 1,1-1 0,-1-2-1,-33-95 274,-11-34 113,27 66-265,2 0 1,4-1 0,0-28-123,10 36-36,3 1-1,2 0 1,7-31 36,4 5-271,3 1 0,9-14 271,-17 72-99,2 0 0,2 1-1,6-14 100,-13 36-11,-1 0 0,2 0 0,-1 0 0,1 1 0,1 0 0,-1 0 0,1 0 0,0 1-1,1 0 1,0 0 0,0 0 0,0 1 0,0 0 0,4-2 11,-7 6-2,-1-1 0,1 1 0,-1 0 0,1 0 0,0 0 0,0 0 0,-1 1 0,1-1 0,0 1 0,0 0 0,0 0 0,-1 0 0,1 1 0,0 0 0,0-1 0,-1 1 0,1 0 0,0 1 0,-1-1 0,1 1 0,-1 0 0,0-1 0,1 1 0,-1 1 0,0-1 2,5 4-15,-1 1 0,0-1 0,0 1-1,-1 1 1,1-1 0,-2 1 0,1 0-1,-1 0 1,2 6 15,9 20 3,-2 0 1,-1 0-1,-2 2 0,-1-1 0,3 30-3,-8-32 144,-2 0 0,-2 0 0,-1 0 0,-1 0 0,-5 24-144,4-42 167,-2 1-1,1-1 0,-2 0 1,0 0-1,-1-1 1,0 1-1,-1-1 0,-1 0 1,0-1-1,-1 0 1,-1 0-1,-1 0-166,-1 2 80,-2-2 1,0 0-1,0 0 0,-1-1 1,0-1-1,-1-1 0,-1 0 1,0-1-1,-10 4-80,26-13-31,-30 11-808,30-11 795,0 0 1,0 0-1,0 1 0,0-1 0,-1 0 0,1 0 0,0 0 0,0 0 1,0-1-1,0 1 0,-1 0 0,1 0 0,0-1 0,0 1 0,0-1 1,0 1-1,0-1 0,0 1 0,0-1 0,0 0 0,0 1 0,0-1 44,-1-4-256</inkml:trace>
-  <inkml:trace contextRef="#ctx0" brushRef="#br0" timeOffset="398.936">780 2618 9216,'-8'4'492,"3"-2"-183,-1 1 0,1 0 1,0 0-1,0 0 0,0 0 0,0 1 0,0-1 1,1 1-1,0 1 0,0-1 0,0 1 0,-1 0-309,-1 3 239,1-1 0,-1 1 0,1 0-1,0 1 1,1-1 0,0 1 0,0 0 0,1 0 0,-1 3-239,1 4 329,1 1 1,1-1 0,0 1-1,1 13-329,1-24 27,-1 0-1,2 0 1,-1 1 0,0-1-1,1 0 1,0 0-1,1 0 1,-1-1-1,1 1 1,0 0-1,1-1 1,-1 0 0,1 0-1,3 3-26,-4-4-8,1 0 0,-1-1 0,1 1 1,0-1-1,1 0 0,-1 0 0,0 0 0,1-1 0,0 1 0,-1-1 0,1 0 1,0-1-1,0 1 0,0-1 0,0 0 0,1 0 0,-1-1 0,0 1 0,0-1 0,0 0 1,1-1-1,-1 1 0,1-1 8,5-2-76,-1 0 1,1-1-1,-1 0 1,0-1 0,0 0-1,0 0 1,0-1-1,-1 0 1,0-1-1,0 0 1,-1-1 0,1-1 75,8-9-28,-1 0 0,0-1 0,-2-1 0,0 0 0,0-3 28,-9 13 87,0 1 1,0-1 0,0 0 0,-2 0 0,1-1-1,-1 1 1,-1-1 0,2-7-88,-4 12 93,1 0 1,-1 0-1,-1 0 1,1 0-1,-1 0 1,0 0-1,0 0 0,-1 0 1,1 1-1,-1-1 1,-1 1-1,1-1 0,-1 1 1,0-1-1,0 1 1,-2-2-94,2 4 85,0-1 1,0 1 0,0 0-1,-1 0 1,0 0-1,1 0 1,-1 1 0,0-1-1,0 1 1,-1 0-1,1 0 1,0 1 0,-1-1-86,-10-2 136,0 0 1,0 1 0,-4 1-137,5 0 13,7 0 5,-1 1 1,1 0-1,-1 1 1,1 0-1,-1 0 0,0 1 1,-5 1-19,9-1-199,0 0 0,-1 1 1,1-1-1,0 1 0,-2 1 199,-21 17-4810,24-14-571,3 4 1760</inkml:trace>
+  <inkml:trace contextRef="#ctx0" brushRef="#br0" timeOffset="398.935">780 2618 9216,'-8'4'492,"3"-2"-183,-1 1 0,1 0 1,0 0-1,0 0 0,0 0 0,0 1 0,0-1 1,1 1-1,0 1 0,0-1 0,0 1 0,-1 0-309,-1 3 239,1-1 0,-1 1 0,1 0-1,0 1 1,1-1 0,0 1 0,0 0 0,1 0 0,-1 3-239,1 4 329,1 1 1,1-1 0,0 1-1,1 13-329,1-24 27,-1 0-1,2 0 1,-1 1 0,0-1-1,1 0 1,0 0-1,1 0 1,-1-1-1,1 1 1,0 0-1,1-1 1,-1 0 0,1 0-1,3 3-26,-4-4-8,1 0 0,-1-1 0,1 1 1,0-1-1,1 0 0,-1 0 0,0 0 0,1-1 0,0 1 0,-1-1 0,1 0 1,0-1-1,0 1 0,0-1 0,0 0 0,1 0 0,-1-1 0,0 1 0,0-1 0,0 0 1,1-1-1,-1 1 0,1-1 8,5-2-76,-1 0 1,1-1-1,-1 0 1,0-1 0,0 0-1,0 0 1,0-1-1,-1 0 1,0-1-1,0 0 1,-1-1 0,1-1 75,8-9-28,-1 0 0,0-1 0,-2-1 0,0 0 0,0-3 28,-9 13 87,0 1 1,0-1 0,0 0 0,-2 0 0,1-1-1,-1 1 1,-1-1 0,2-7-88,-4 12 93,1 0 1,-1 0-1,-1 0 1,1 0-1,-1 0 1,0 0-1,0 0 0,-1 0 1,1 1-1,-1-1 1,-1 1-1,1-1 0,-1 1 1,0-1-1,0 1 1,-2-2-94,2 4 85,0-1 1,0 1 0,0 0-1,-1 0 1,0 0-1,1 0 1,-1 1 0,0-1-1,0 1 1,-1 0-1,1 0 1,0 1 0,-1-1-86,-10-2 136,0 0 1,0 1 0,-4 1-137,5 0 13,7 0 5,-1 1 1,1 0-1,-1 1 1,1 0-1,-1 0 0,0 1 1,-5 1-19,9-1-199,0 0 0,-1 1 1,1-1-1,0 1 0,-2 1 199,-21 17-4810,24-14-571,3 4 1760</inkml:trace>
   <inkml:trace contextRef="#ctx0" brushRef="#br0" timeOffset="846.774">1136 2316 10496,'0'2'3429,"1"4"-3014,-1 0-1,1 0 1,1 0 0,-1 0-1,1 0 1,2 4-415,6 21 189,-10-27-143,5 16 435,0 0 0,2 2-481,1 3 402,-2 0 0,0 1-402,0 1 860,8 23-860,-11-42-8,0 0 0,1 0 0,0-1 0,0 0 0,0 1 0,1-1 0,0-1 0,2 2 8,-7-7-15,0-1 0,1 1 0,-1-1 0,0 1 1,1-1-1,-1 0 0,0 1 0,1-1 0,-1 0 0,1 1 0,-1-1 0,1 0 0,-1 1 0,0-1 0,1 0 0,-1 0 1,1 0-1,-1 1 0,1-1 0,-1 0 0,1 0 0,-1 0 0,1 0 0,-1 0 0,1 0 0,0 0 0,-1 0 1,1 0-1,-1 0 0,1 0 0,-1-1 15,1 0-30,1 0-1,-1 0 1,0 0 0,0 0-1,0-1 1,0 1 0,0-1-1,0 1 1,1-1 30,-1-1 20,3-5-139,0 1 0,-1-1 0,0 0 0,0 0-1,-1-1 1,1-6 119,3-10-405,1-15-129,-5 26 343,0 1-1,3-9 192,-4 19 3,0 0 0,0 0-1,1 0 1,-1 0 0,1 0-1,-1 0 1,1 0 0,0 0-1,0 1 1,0-1 0,0 1-1,3-3-2,-5 5 9,1 0 1,-1-1-1,1 1 0,-1 0 0,1 0 0,-1-1 1,1 1-1,-1 0 0,1 0 0,0 0 0,-1 0 1,1-1-1,-1 1 0,1 0 0,0 0 0,-1 0 1,1 0-1,0 1 0,-1-1 0,1 0 0,-1 0 1,1 0-1,-1 0 0,1 1 0,0-1 0,-1 0 1,1 0-1,-1 1 0,1-1 0,-1 0 0,1 1 1,-1-1-1,1 1 0,-1-1-9,17 22 398,-9-12-138,82 103 940,-88-111-1162,0-1 1,0 1 0,0 0-1,0 0 1,0-1-1,1 1 1,-1-1 0,0 0-1,1 0 1,-1 1-1,1-2 1,-1 1-1,1 0 1,-1 0 0,1-1-1,0 0 1,-1 1-1,1-1 1,0 0 0,0 0-1,-1 0 1,1-1-1,0 1 1,-1-1 0,1 0-1,-1 1 1,1-1-1,-1 0 1,1 0 0,-1-1-1,0 1 1,1 0-1,-1-1 1,0 1 0,0-1-1,0 0 1,0 0-1,1-1-38,7-10-92,-2 0 0,0 0 0,0-1 0,-1 1-1,-1-2 1,0 1 0,-1-1 0,3-13 92,-3 1-1525,0 0 0,-2-1 0,0 0 0,-2-16 1525,-1 6-746</inkml:trace>
   <inkml:trace contextRef="#ctx0" brushRef="#br0" timeOffset="1177.85">1733 2232 8320,'1'3'349,"1"1"0,0 0 0,1 0 0,-1-1 0,1 1-1,-1-1 1,1 0 0,0 1 0,0-2 0,1 1 0,-1 0 0,0 0 0,1-1 0,0 0 0,3 2-349,-3-2 88,1 0 0,0-1 0,0 1 1,-1-1-1,1 0 0,0 0 0,0-1 0,1 1 0,-1-1 0,0 0 1,0-1-1,0 1 0,0-1 0,0 0 0,0 0 0,-1 0 0,1-1 1,0 0-1,0 0 0,2-2-88,1 0-8,-1-1 0,0-1 1,0 1-1,0-1 0,-1 0 0,0 0 0,0-1 1,0 0-1,-1 0 0,0-1 0,-1 1 1,2-5 7,-3 6-18,0 0 1,0 0 0,-1-1 0,0 0 0,0 1 0,-1-1-1,0 0 1,0 0 0,0 0 0,-1 0 0,0 0 0,0 0-1,-1 0 1,0 1 0,0-1 0,-1-1 17,1 6 63,1-1 1,-1 1-1,0 0 0,0-1 0,-1 1 1,1 0-1,0 0 0,-1 0 1,1 0-1,-1 0 0,0 0 1,1 0-1,-1 1 0,0-1 1,0 1-1,0-1 0,0 1 1,0 0-1,-1-1 0,1 1 1,0 0-1,-1 1 0,1-1 1,-1 0-1,1 1 0,0-1 1,-1 1-1,1 0 0,-1 0 0,0 0 1,1 0-1,-1 0 0,1 0 1,-2 1-64,-1 0 156,-1 0 0,0 1 1,1 0-1,-1 0 0,1 0 1,-1 0-1,1 1 0,0 0 1,0 0-1,0 1 0,0-1 0,1 1 1,0 0-1,-4 4-156,-2 4 169,0 0 0,2 1-1,-1 1 1,2-1 0,0 1 0,0 0-1,1 1 1,1-1 0,-1 6-169,4-11-59,0 1 0,0 0 0,1 0 0,0 0 0,1 0 0,0 0 0,1 0 0,0 0 0,0 0 0,1 0 0,1-1 0,-1 1 0,2 0 0,3 8 59,-5-14-202,-1-1-1,1 1 0,0-1 0,0 1 0,0-1 0,0 0 0,1 0 0,0 0 1,-1 0-1,1 0 0,0-1 0,0 1 0,1-1 0,-1 0 0,0 0 0,1 0 1,-1 0-1,1-1 0,0 1 0,-1-1 0,1 0 0,0 0 0,0 0 0,0-1 1,2 1 202,3-2-235,0 0 0,0 0 1,7-3 234</inkml:trace>
   <inkml:trace contextRef="#ctx0" brushRef="#br0" timeOffset="1529.914">2177 2108 11264,'-5'12'962,"0"1"0,1-1 1,1 1-1,0 0 0,0 0 0,1 9-962,0 5 361,1 0 0,3 23-361,-1-36 289,1 0 0,1 1-1,1 2-288,-3-12 31,0 0 0,1-1 0,-1 1 0,1-1 0,0 1-1,0-1 1,1 0 0,0 0 0,-1 0 0,1 0 0,2 1-31,-5-5 11,1 1 1,-1-1 0,1 1 0,-1-1-1,1 1 1,0-1 0,-1 0-1,1 0 1,0 1 0,-1-1-1,1 0 1,0 0 0,-1 0 0,1 1-1,0-1 1,-1 0 0,1 0-1,0 0 1,0 0 0,-1 0 0,1 0-1,0-1 1,-1 1 0,1 0-1,0 0-11,1-1 14,-1 0 0,1 0 0,0 0 0,-1 0 0,1 0 0,-1 0 0,0 0-1,1-1 1,-1 1 0,1-1-14,3-4 11,-1-1 0,1 0 0,-1 0-1,1-2-10,2-7-23,0 0 0,-1-1 0,-1 0-1,1-6 24,12-70-27,-12 60 19,-3 18-16,3-23-263,2 1 0,2 1 0,6-16 287,-7 27-255,0 0-3090,12-22 3345,-17 39-506,0 1 0,1-1 0,0 1 0,1 0 1,0 0-1,0 0 0,4-2 506,17-13-757</inkml:trace>
   <inkml:trace contextRef="#ctx0" brushRef="#br0" timeOffset="2583.132">2755 1678 11264,'-2'-1'493,"0"0"1,0 0 0,0 0 0,-1 0-1,1 0 1,0 1 0,-1-1-1,1 1 1,-1 0-494,2 0 97,0 0-1,0 0 1,0 0-1,0 0 0,0 1 1,-1-1-1,1 0 1,0 1-1,0-1 1,0 1-1,0-1 1,0 1-1,1 0 1,-1-1-1,0 1 0,0 0 1,0 0-1,1-1 1,-1 1-1,0 0 1,0 1-97,-8 12 353,0 0 0,0 1 1,2 1-1,0-1 0,0 1 1,2 0-1,0 0 0,-2 15-353,2-6-2,2 0 0,0 0 0,2 1 0,1-1 0,2 15 2,-1-23-122,2 0-1,0 0 1,1 0 0,0-1 0,5 9 122,-6-17-486,0 0 0,1 0 0,0 0 0,1-1 0,-1 0 0,2 0 0,-1 0 0,1 0 0,0-1 0,0 0 0,4 3 486,-7-6-310,0-1 1,0 0 0,0 0 0,0-1 0,0 1 0,1-1 0,-1 1 0,0-1 0,1 0 0,-1 0 0,1-1 0,-1 1-1,1-1 1,-1 0 0,1 0 0,0 0 0,-1 0 0,1 0 0,-1-1 0,1 1 0,-1-1 0,2-1 309,40-15-1360</inkml:trace>
-  <inkml:trace contextRef="#ctx0" brushRef="#br0" timeOffset="2909.224">2973 1682 11904,'-10'4'1149,"7"-4"-864,0 1 0,1 0 0,-1 0 0,0 1 0,0-1 0,1 0 0,-1 1 0,1 0 0,-1 0 0,1-1 0,0 2 0,-1-1 0,1 0 0,0 0-1,0 1-284,-3 4 58,1 0 0,0 0-1,0 1 1,1-1-1,0 1 1,0 0-1,1 0 1,0 0-1,0 0 1,1 0-1,0 1 1,0-1 0,1 0-1,0 1 1,0-1-1,1 0 1,1 0-1,-1 0 1,1 1-1,0-1 1,1-1-1,0 1 1,0 0-58,0-1-44,0-1 1,0 1-1,1-1 0,0 0 0,0 0 1,0 0-1,1 0 0,0-1 0,0 1 1,0-1-1,1-1 0,0 1 1,-1-1-1,2 0 0,-1 0 0,0-1 1,1 0-1,0 0 0,0 0 0,-1-1 1,1 0-1,1 0 0,-1-1 1,0 0-1,0 0 0,2-1 44,1 0-156,1-1 0,-1-1 0,0 0 0,0 0-1,0-1 1,0 0 0,7-3 156,7-5-651,0-1 1,10-7 650,-24 13-78,0-1 0,-1 0 0,0 0 0,0-1 0,0 0 0,-1 0 1,-1-1-1,1 0 0,-1-1 78,-3 5 75,-1 0 1,0 0-1,-1-1 0,1 1 1,-1 0-1,0-1 0,-1 1 1,1-1-1,-1 0 0,0 1 1,-1-1-1,1 0 0,-1 0 1,0 0-1,-1 1 0,1-1 1,-1 0-1,0 0 0,-1-2-75,0 1 163,-1 0 0,0 0 0,0 0-1,-1 0 1,1 1 0,-1-1 0,-1 1-1,1 0 1,-1 0 0,-2-1-163,-2-1 258,0 0 0,0 1 1,0 0-1,-1 0 0,0 1 0,-5-2-258,-18-6-301,-1 1 0,0 2 1,-35-8 300,43 13-1086,10 0 447,10 2 303</inkml:trace>
+  <inkml:trace contextRef="#ctx0" brushRef="#br0" timeOffset="2909.223">2973 1682 11904,'-10'4'1149,"7"-4"-864,0 1 0,1 0 0,-1 0 0,0 1 0,0-1 0,1 0 0,-1 1 0,1 0 0,-1 0 0,1-1 0,0 2 0,-1-1 0,1 0 0,0 0-1,0 1-284,-3 4 58,1 0 0,0 0-1,0 1 1,1-1-1,0 1 1,0 0-1,1 0 1,0 0-1,0 0 1,1 0-1,0 1 1,0-1 0,1 0-1,0 1 1,0-1-1,1 0 1,1 0-1,-1 0 1,1 1-1,0-1 1,1-1-1,0 1 1,0 0-58,0-1-44,0-1 1,0 1-1,1-1 0,0 0 0,0 0 1,0 0-1,1 0 0,0-1 0,0 1 1,0-1-1,1-1 0,0 1 1,-1-1-1,2 0 0,-1 0 0,0-1 1,1 0-1,0 0 0,0 0 0,-1-1 1,1 0-1,1 0 0,-1-1 1,0 0-1,0 0 0,2-1 44,1 0-156,1-1 0,-1-1 0,0 0 0,0 0-1,0-1 1,0 0 0,7-3 156,7-5-651,0-1 1,10-7 650,-24 13-78,0-1 0,-1 0 0,0 0 0,0-1 0,0 0 0,-1 0 1,-1-1-1,1 0 0,-1-1 78,-3 5 75,-1 0 1,0 0-1,-1-1 0,1 1 1,-1 0-1,0-1 0,-1 1 1,1-1-1,-1 0 0,0 1 1,-1-1-1,1 0 0,-1 0 1,0 0-1,-1 1 0,1-1 1,-1 0-1,0 0 0,-1-2-75,0 1 163,-1 0 0,0 0 0,0 0-1,-1 0 1,1 1 0,-1-1 0,-1 1-1,1 0 1,-1 0 0,-2-1-163,-2-1 258,0 0 0,0 1 1,0 0-1,-1 0 0,0 1 0,-5-2-258,-18-6-301,-1 1 0,0 2 1,-35-8 300,43 13-1086,10 0 447,10 2 303</inkml:trace>
   <inkml:trace contextRef="#ctx0" brushRef="#br0" timeOffset="3241.338">3502 1394 10112,'6'23'1833,"-2"0"-1,-1 1 1,1 13-1833,-5 32 1541,-2-1 1,-10 44-1542,10-90 597,1-1 0,1 13-597,1-34 4,0 0-1,0 0 0,0 0 0,0 0 0,0 0 0,0-1 1,0 1-1,0 0 0,0 0 0,1 0 0,-1 0 0,0 0 0,0 0 1,0 0-1,0 0 0,0 0 0,0 0 0,0 0 0,0 0 1,0 0-1,0 0 0,0 0 0,0 0 0,0 0 0,0 0 1,1 0-1,-1 0 0,0 0 0,0 0 0,0 0 0,0 0 1,0 0-1,0 0 0,0 0 0,0 0 0,0 0 0,0 0 0,0 0 1,0 0-1,0 0 0,0 0 0,1 0 0,-1 0 0,0 0 1,0 0-1,0 0 0,0 1 0,0-1 0,0 0 0,0 0 1,0 0-1,0 0 0,0 0 0,0 0 0,0 0 0,0 0 1,0 0-1,0 0 0,0 0 0,0 0 0,0 0 0,0 0 0,0 1 1,0-1-1,0 0 0,0 0 0,0 0 0,0 0 0,0 0-3,4-5-20,3-7-115,-1-2 0,-1 1 0,0-1 1,0 1-1,-2-1 0,1-6 135,10-30-274,-8 32 165,1-7 257,2 0 1,1 1 0,1 0-1,14-22-148,-23 43-63,0-1 0,0 2 0,0-1 0,1 0 0,-1 0 0,1 1-1,0-1 1,0 1 0,0 0 0,1 0 63,-3 1-16,0 0-1,1 1 1,-1-1 0,0 1-1,1 0 1,-1-1 0,0 1-1,1 0 1,-1 0 0,1 0-1,-1 0 1,0 0 0,1 0-1,-1 0 1,1 0 0,-1 1-1,0-1 1,1 0 0,-1 1-1,0-1 1,1 1 0,-1 0-1,0-1 1,0 1 0,1 0-1,-1 0 17,6 5-262,0 1-1,0 0 0,-1 0 1,0 0-1,-1 1 0,0-1 1,0 1-1,0 1 263,10 16-746,2-3 234</inkml:trace>
   <inkml:trace contextRef="#ctx0" brushRef="#br0" timeOffset="3576.441">3910 1271 13440,'-6'-3'979,"1"0"0,-1 0 0,0 1 0,0 0 0,0 0 0,0 0 0,-6 0-979,11 2 6,1 0 1,0 0 0,-1 0-1,1 1 1,-1-1-1,1 0 1,0 0 0,-1 0-1,1 1 1,-1-1-1,1 0 1,0 0 0,-1 1-1,1-1 1,0 0-1,-1 1 1,1-1 0,0 0-1,0 1 1,-1-1 0,1 0-1,0 1 1,0-1-1,0 1 1,0-1 0,-1 0-1,1 1 1,0-1-1,0 1 1,0-1 0,0 1-1,0-1 1,0 0-1,0 1 1,0-1-7,1 14-301,4 8 182,2 0 1,0-1-1,2 0 0,0 0 0,1-1 0,12 17 119,-9-14-52,0 1-1,-2 0 1,0 1 0,3 16 52,-12-36 32,-1 0 1,0 0-1,0 0 0,-1 0 1,1 1-1,-1-1 1,0 0-1,-1 0 1,0 1-33,1-3 18,0-1 0,-1 0 0,0 0 1,0 0-1,1 1 0,-1-1 0,0 0 1,-1 0-1,1 0 0,0-1 0,-1 1 1,1 0-1,-1 0 0,1-1 0,-1 1 1,0-1-1,1 1 0,-1-1 0,0 0 1,0 0-1,0 0 0,-2 1-18,2-1-74,-1 0 0,1 0-1,0 0 1,-1-1 0,1 1-1,0-1 1,-1 1 0,1-1 0,-1 0-1,1 0 1,-1 0 0,1 0 0,0-1-1,-1 1 1,1 0 0,-1-1-1,1 0 1,0 0 0,0 0 0,-2 0 74,2-1-534,0 1 1,0-1 0,0 1 0,1-1 0,-1 0 0,0 0-1,1 0 1,-1 0 0,1 0 0,0 0 0,0 0-1,0-1 1,0 1 0,0 0 0,0-1 0,0 1 0,1 0-1,-1-1 1,1 1 0,0-3 533,-1-26-3813</inkml:trace>
   <inkml:trace contextRef="#ctx0" brushRef="#br0" timeOffset="3926.523">4194 1143 11264,'0'14'4224,"-7"7"-3296,14 8-33,-7-4-223,4-1 0,2 1 160,4 0-96,3-1 0,3-3-384,7-7-64,-1-10-64,-1-4-256,8-14-128,-3-11-1952,-3-14-928,-7-6 1569,3-4 703</inkml:trace>
@@ -600,9 +662,9 @@
   <inkml:trace contextRef="#ctx0" brushRef="#br0" timeOffset="6023.896">6938 139 11392,'-3'12'1085,"0"-1"0,0 1 1,1 0-1,0 0 1,1 8-1086,-1-2 627,0-1 1,-2 7-628,-24 133 4731,27-135-4314,1-22-411,0 1 0,0-1 0,0 0-1,0 0 1,0 1 0,0-1 0,0 0 0,0 0 0,1 1-1,-1-1 1,0 0 0,0 0 0,0 1 0,0-1 0,0 0 0,1 0-1,-1 0 1,0 1 0,0-1 0,0 0 0,1 0 0,-1 0-1,0 0 1,0 1 0,0-1 0,1 0-6,-1 0 2,1 0 1,-1 0-1,1-1 0,-1 1 1,1 0-1,-1 0 0,1 0 1,-1-1-1,1 1 0,-1 0 0,1 0 1,-1-1-1,1 1 0,-1 0 1,1-1-1,-1 1 0,0 0 1,1-1-1,-1 0-2,6-5-87,-1-2 1,1 1-1,-2-1 1,5-8 86,1-2-267,12-17-780,0 0 1,14-13 1046,-26 36-283,1 0 1,0 0 0,1 1-1,0 0 1,1 1 0,0 0-1,12-6 283,-21 14-70,0 0 0,1 0-1,-1 0 1,1 1-1,-1-1 1,1 1-1,0 1 1,1-1 70,-4 0 17,0 1 1,0 0-1,0 0 1,0 0-1,0 1 1,0-1-1,0 0 1,0 1-1,0-1 0,0 1 1,0 0-1,0 0 1,-1-1-1,1 1 1,0 0-1,0 1 0,-1-1 1,1 0-1,-1 0 1,1 1-1,-1-1-17,3 5 130,0 0-1,0 0 1,-1 0 0,0 1-1,0-1 1,-1 1 0,0 0-1,0-1 1,0 1-1,-1 0 1,0 0 0,0 5-130,0 7-844,-1 0 1,0 0-1,-2 0 0,0 4 844,-2-4-1749,1-1 0,-2 0 0,-1 0-1,-4 11 1750,-6 7-1402</inkml:trace>
   <inkml:trace contextRef="#ctx0" brushRef="#br0" timeOffset="8142.25">940 3454 13056,'-36'2'6646,"-1"6"-4565,32-7-2061,1 1 0,0 0 0,0 0 0,0 0 1,0 0-1,0 1 0,0-1 0,0 1 0,1 0 0,-1 0 0,1 1 0,0-1 0,0 1 1,0-1-1,0 2-20,-1 1-17,1 0 0,1 1 0,-1-1 0,1 1 0,0-1 0,0 1 0,1 0 0,0-1 1,0 1-1,1 0 0,0 0 0,0 0 0,0-1 0,1 1 0,0 2 17,2 7-158,1-1-1,0 0 1,1 0 0,1-1-1,7 14 159,2 2-530,3-1-1,0-1 0,6 5 531,17 26-797,81 140 440,-114-183 623,0 0 1,-1 1 0,0 0-1,2 15-266,-8-29 102,-1 0-1,0 0 0,0-1 1,1 1-1,-2 0 0,1 0 1,0 0-1,-1 0 0,1 0 1,-1 0-1,0-1 0,0 1 1,0 0-1,0 0 0,0-1 1,-1 1-1,1-1 0,-1 1 1,1-1-1,-1 0 0,0 0 1,0 1-1,0-1 0,-2 1-101,0-1 112,1 1-1,-1-1 0,0 1 1,0-1-1,0 0 0,0-1 0,0 1 1,0-1-1,-1 1 0,1-2 1,0 1-1,-1 0 0,1-1 0,-1 1 1,-4-2-112,-8 0 134,0-2 0,0 0 1,0-1-1,1-1 1,-4-2-135,-11-2-207,27 8 16,-1 0-1,0 0 1,0 0 0,1-1 0,-1 0 0,1 0-1,-1 0 1,1-1 0,0 1 0,0-1 0,0 0-1,0 0 192,-11-16-2268,13 17 1536,1-1 1,-1 1-1,1-1 0,0 1 1,0-1-1,0 0 0,0 0 0,1 0 1,-1 1-1,1-1 0,-1 0 1,1 0-1,0 0 0,0 0 0,1-3 732,3-14-1161,11-14-273</inkml:trace>
   <inkml:trace contextRef="#ctx0" brushRef="#br0" timeOffset="8630.944">1280 3874 9728,'7'3'936,"-1"0"-1,0 1 1,0 0 0,0 0 0,1 1-936,8 6 622,-4-3-333,0 1 1,-1 1-1,0-1 1,-1 2-1,0-1 1,0 1-1,-1 1 0,-1-1 1,0 1-1,0 1 1,1 6-290,2 4 634,3 17-634,-7-19 424,1 0 0,5 6-424,-5-13 170,-1 0-1,-1 0 0,0 1 1,0 3-170,0 0 50,1-1 0,2 3-50,4 13-159,-12-32 135,1 0-1,-1-1 1,0 1-1,1 0 1,-1 0 0,0 0-1,0 0 1,0 0-1,0 0 1,0 0 0,0 0-1,0 0 1,0 0-1,0 0 1,0 0 0,0 0-1,0-1 1,-1 1-1,1 0 26,0-1-20,-1 1 0,1-1 0,-1 0 0,1 0 0,0 0 0,-1 0 0,1 0 0,-1 1 0,1-1 0,0 0 0,-1 0 0,1 0 0,-1 0 0,1 0 0,-1 0 0,1-1 0,0 1 0,-1 0 0,1 0 0,-1 0 0,1 0 0,0 0 0,-1-1 0,1 1 0,0 0 1,-1 0-1,1-1 19,-5-2-152,0 0 0,1 0 1,0-1-1,0 1 1,-3-4 151,0-3-34,-1-1 0,2 1 0,-1-1 0,1-1 0,1 1 0,-3-9 34,-10-21-111,8 21 25,1-1-1,1 1 1,0-2 0,2 1-1,-1-4 87,-2-38 80,1-21-80,8 75 48,-2-12 34,2 0 0,0 0-1,2-1 1,0 1 0,1 0 0,1 1 0,1-1-1,1 1 1,1 0 0,1 0 0,0 0-1,2 1-81,-6 11 10,0 1 1,1-1-1,0 1 0,0 0 0,1 0 0,0 1 0,0 0 0,1 0 0,6-5-10,-8 8 3,-1 0 1,0 1-1,1-1 1,0 1-1,-1 0 1,1 1-1,0-1 1,0 1-1,0 0 1,0 0-1,1 0 0,-1 1 1,0 0-1,0 0 1,0 0-1,0 0 1,1 1-4,-3 0 25,0-1 0,0 1 0,0 0 0,0 0 0,0 1 0,-1-1 0,1 1 0,0-1 0,0 1 1,-1 0-1,1 0 0,-1 0 0,0 0 0,0 0 0,0 1 0,0-1 0,0 1 0,0-1 0,1 3-25,-1-1 52,0 1-1,1 0 1,-2 0-1,1 0 1,-1 0 0,1 1-1,-1-1 1,-1 0-1,1 1 1,-1 3-52,-1 14 214,0-1 1,-2 0-1,-1 1 1,0-1 0,-4 7-215,-4 7 266,-1-1 0,-12 24-266,24-58-34,0 1 0,1-1 0,-1 0 0,0 0 0,0 0 0,0 0-1,0 0 1,0 0 0,0 0 0,-1 0 0,1-1 0,0 1 0,0 0 0,-1 0 34,1-1-49,1 0 1,-1 0 0,0 1-1,1-1 1,-1 0-1,0 0 1,1 0-1,-1 0 1,0 1 0,1-1-1,-1 0 1,0 0-1,1-1 1,-1 1-1,0 0 1,1 0-1,-1 0 1,0 0 0,1 0-1,-1-1 1,1 1-1,-1 0 1,0-1-1,1 1 1,-1 0 0,1-1-1,-1 1 1,1-1-1,-1 1 1,1-1-1,-1 0 49,0 0-338,-1-1 0,1 1 0,0-1 0,0 1 0,0-1 0,1 0 0,-1 0 0,0 1 0,0-1 0,1 0 0,0 0 0,-1-1 338,1 0-326,1 0 1,-1 0-1,1 0 1,0 0-1,0 0 1,0 1-1,0-1 1,0 0-1,1 1 326,8-30-629</inkml:trace>
-  <inkml:trace contextRef="#ctx0" brushRef="#br0" timeOffset="9029.86">1809 3478 12032,'-3'0'1386,"-1"1"1154,5 1-1018,1 6-853,-1-5-607,0-1 0,-1 1 0,1 0 0,0 0 0,0-1 0,1 1 0,-1-1 0,0 1 0,1-1 0,0 0 0,-1 1 0,1-1 0,0 0 0,0 0 0,0 0 0,1 0 0,-1-1-62,2 2 42,-1-1 0,1-1 0,0 1 0,-1 0 0,1-1 0,0 0 1,0 0-1,0 0 0,0 0 0,1-1 0,-1 1-42,6-1 5,-1 0-1,1-1 1,-1 0-1,1 0 1,-1-1-1,0 0 1,0-1-1,0 0 1,0 0-1,0-1-4,3-2-19,1 0-1,-1-1 0,-1 0 0,0-1 0,0-1 1,0 0 19,-8 6 1,0 0 0,0 0 0,0-1 0,0 1 0,-1-1 0,0 1 1,1-1-1,-2 0 0,3-3-1,-4 4 19,1 0-1,0 0 1,-1 1 0,1-1 0,-1 0-1,0 0 1,0 1 0,0-1 0,0 0 0,-1 0-1,1 1 1,-1-1 0,1 0 0,-1 1 0,0-1-1,0 0-18,-1 0 57,0-1 0,1 1-1,-1 0 1,-1 0-1,1 0 1,0 0-1,-1 0 1,1 1-1,-1-1 1,0 1 0,0-1-1,0 1 1,0 0-1,0 0 1,0 1-1,-1-1 1,1 0 0,-1 1-1,1 0 1,-1 0-1,1 0 1,-1 0-1,0 1 1,1 0 0,-1-1-1,0 1-56,-3 0 91,0 1 0,-1-1 1,1 1-1,0 0 0,0 1 0,0-1 0,0 1 0,1 1 1,-1 0-1,0 0 0,1 0 0,0 0 0,-1 2-91,3-2 2,0 0 0,1 0 0,-1 0 0,1 1 0,0-1-1,0 1 1,1 0 0,-1 0 0,1 0 0,-1 0 0,1 0 0,1 1-1,-1-1 1,0 1 0,1-1 0,0 1 0,0-1 0,1 1 0,-1 0-1,1 2-1,0 2-35,0-1 0,1 1 0,0-1 0,0 1 0,1-1-1,0 1 1,0-1 0,1 0 0,0 0 0,4 7 35,-3-8-228,0 0 1,1 0-1,0-1 0,0 1 1,0-1-1,1 0 1,0-1-1,0 1 1,3 0 227,-4-2-592,0 0 1,1-1-1,0 0 1,-1 0-1,1-1 0,0 0 1,0 0-1,1 0 1,-1 0-1,0-1 1,0 0-1,3-1 592,0 0-816,0 0 0,0-1 0,7-1 816,24-6-1306</inkml:trace>
-  <inkml:trace contextRef="#ctx0" brushRef="#br0" timeOffset="9398.875">2255 3291 12288,'0'0'124,"0"0"0,0 0 0,0 0 0,0 0 0,0 1 0,-1-1 0,1 0 0,0 0 1,0 0-1,0 0 0,0 0 0,0 0 0,0 0 0,-1 0 0,1 0 0,0 1 0,0-1 1,0 0-1,0 0 0,0 0 0,0 0 0,0 0 0,0 0 0,0 1 0,0-1 0,0 0 1,0 0-1,0 0 0,0 0 0,0 0 0,0 1 0,0-1 0,0 0 0,0 0 0,0 0 0,0 0 1,0 0-1,0 1 0,0-1 0,0 0 0,0 0 0,0 0 0,0 0 0,0 0 0,0 0 1,0 1-1,1-1-124,5 13 1210,13 11-1528,-16-22 335,0 1-1,0-1 1,0 0 0,1 0 0,-1 0 0,1-1-1,-1 1 1,1-1 0,0 0 0,0 0-1,-1 0 1,1 0 0,0-1 0,2 1-17,0-1 9,0 0 1,0-1 0,0 0-1,0 0 1,0 0 0,0-1-1,0 0 1,-1 0 0,2-1-10,4-2-21,-1 0 1,0-1 0,0-1-1,-1 1 1,0-2-1,0 1 1,0-1 0,-1-1-1,6-7 21,-7 7-5,-1 0 0,0 0 0,-1-1 0,0 1 0,0-1 0,-1 0 0,1-5 5,-4 12 37,0 0 1,0 0 0,-1 0-1,1 0 1,-1 0 0,1 0-1,-1 0 1,0 0 0,0-1-1,-1 1 1,1 0 0,-1 0-1,1 0 1,-1 0 0,0 0-1,0 0 1,0 0 0,0 0-1,-1 0 1,1 0 0,-1 1-1,0-1 1,0 1 0,0-1-1,0 1 1,0 0 0,-1-1-38,0 1 69,0 0 1,0 0 0,0 0 0,1 1 0,-2-1-1,1 1 1,0 0 0,0 0 0,0 0-1,0 0 1,-1 1 0,1-1 0,0 1 0,-1 0-1,1 0 1,0 0 0,-1 0 0,1 1-1,0-1 1,-1 1 0,1 0 0,0 0 0,0 0-1,0 0 1,-2 1-70,-5 4 109,1-1 1,-1 1-1,1 1 0,0 0 0,0 0 1,-6 8-110,8-9-8,1 1 0,0 0 0,1 1 0,-1-1 0,2 1 0,-1 0 0,1 0 0,0 1 1,1-1-1,0 1 0,0 0 0,1 0 0,0 0 0,0 0 0,1 0 0,1 0 0,-1 0 0,1 1 1,1-1-1,0 0 0,0 0 0,1 0 0,0 0 0,0 0 0,1 0 0,0-1 0,5 8 8,-3-7-241,0 0-1,0-1 0,1 0 0,0 0 1,1 0-1,0-1 0,0 0 0,0 0 1,1-1-1,0 0 0,7 3 242,-9-5-352,1-1 0,-1 0 0,1 0 0,0 0 0,0-1-1,0 0 1,0-1 0,0 1 0,1-2 0,-1 1 0,0-1 0,1 0 0,-1 0-1,0-1 1,0 0 0,5-1 352,43-14-906</inkml:trace>
-  <inkml:trace contextRef="#ctx0" brushRef="#br0" timeOffset="9892.557">2879 2978 8832,'-16'9'2806,"13"-8"-2695,1-1 0,0 1 0,-1 1 0,1-1 0,0 0 0,0 1 0,0-1-1,0 1 1,0-1 0,0 1 0,0 0 0,0 0 0,1 0 0,-1 0 0,1 0 0,-1 1-111,-14 31 898,12-27-401,0 1 1,0 0-1,0 0 1,1 0-1,1 1 1,-1-1 0,1 1-1,1 0 1,-1 6-498,2 11 575,-1-9-498,1 1 0,1 0 0,1 0 0,1 0 0,0 1-77,-2-15-8,0 0 1,1 0 0,-1 0 0,1 1 0,0-2-1,0 1 1,1 0 0,-1 0 0,1-1-1,0 1 1,-1-1 0,2 0 0,-1 0-1,0 0 1,4 2 7,-3-2-64,1 0 1,1 0-1,-1-1 1,0 0-1,1 0 0,-1 0 1,1-1-1,-1 1 0,1-1 1,0-1-1,2 1 64,1-1-52,0 0-1,0 0 1,-1-1 0,1 0-1,0-1 1,-1 0-1,1 0 1,-1-1 0,1 0-1,-1 0 1,0-1-1,0 0 1,-1-1 0,1 1-1,5-6 53,-5 2-56,0 0-1,0-1 1,0 0 0,-1 0-1,0 0 1,-1-1 0,0 0-1,-1-1 1,2-3 56,-1-2-15,0-1 1,-1 0-1,-1 0 0,0-1 1,0-13 14,-1-21 114,-2 0 1,-3 0 0,-6-36-115,5 58 28,2 16-79,-1-15 577,-1 1-1,-2-1 0,-6-19-525,11 45 54,-1 1-1,0 0 0,0 0 0,0 0 0,0 0 0,0 0 0,0 0 0,-1-1-53,2 3 7,0 0 0,-1 0 0,1-1 0,0 1 0,0 0 0,0 0-1,0 0 1,-1 0 0,1 0 0,0 0 0,0 0 0,0-1 0,0 1-1,-1 0 1,1 0 0,0 0 0,0 0 0,-1 0 0,1 0 0,0 0-1,0 0 1,0 0 0,-1 0 0,1 0 0,0 0 0,0 0-1,0 0 1,-1 0 0,1 0 0,0 0 0,0 1 0,0-1 0,-1 0-1,1 0 1,0 0 0,0 0 0,0 0 0,0 0 0,-1 1 0,1-1-1,0 0 1,0 0-7,-2 3 40,1 0-1,-1 0 0,1 1 0,0-1 1,0 0-1,0 1 0,0-1 1,0 1-1,1 0-39,-2 10 90,1 1 0,0 0-1,2-1 1,-1 1 0,2-1 0,0 1 0,1-1 0,0 0-1,1 1-89,4 9 218,1 0 0,0 0 0,2-1 0,10 17-218,-3-14 151,1 0 0,2-1 0,0-1 0,1-1 1,1-1-1,3 0-151,-14-11-65,1 0 1,0-1-1,1-1 0,0 0 1,1-1-1,4 2 65,-11-7-269,-1 0-1,1 0 1,-1-1-1,1 0 1,0-1-1,0 1 1,0-1 0,0-1-1,0 0 1,0 0-1,0 0 1,0-1-1,0 0 1,3-2 269,-4 1-222,0 0-1,0-1 1,0-1 0,0 1 0,0-1-1,6-4 223,39-35-736</inkml:trace>
+  <inkml:trace contextRef="#ctx0" brushRef="#br0" timeOffset="9029.859">1809 3478 12032,'-3'0'1386,"-1"1"1154,5 1-1018,1 6-853,-1-5-607,0-1 0,-1 1 0,1 0 0,0 0 0,0-1 0,1 1 0,-1-1 0,0 1 0,1-1 0,0 0 0,-1 1 0,1-1 0,0 0 0,0 0 0,0 0 0,1 0 0,-1-1-62,2 2 42,-1-1 0,1-1 0,0 1 0,-1 0 0,1-1 0,0 0 1,0 0-1,0 0 0,0 0 0,1-1 0,-1 1-42,6-1 5,-1 0-1,1-1 1,-1 0-1,1 0 1,-1-1-1,0 0 1,0-1-1,0 0 1,0 0-1,0-1-4,3-2-19,1 0-1,-1-1 0,-1 0 0,0-1 0,0-1 1,0 0 19,-8 6 1,0 0 0,0 0 0,0-1 0,0 1 0,-1-1 0,0 1 1,1-1-1,-2 0 0,3-3-1,-4 4 19,1 0-1,0 0 1,-1 1 0,1-1 0,-1 0-1,0 0 1,0 1 0,0-1 0,0 0 0,-1 0-1,1 1 1,-1-1 0,1 0 0,-1 1 0,0-1-1,0 0-18,-1 0 57,0-1 0,1 1-1,-1 0 1,-1 0-1,1 0 1,0 0-1,-1 0 1,1 1-1,-1-1 1,0 1 0,0-1-1,0 1 1,0 0-1,0 0 1,0 1-1,-1-1 1,1 0 0,-1 1-1,1 0 1,-1 0-1,1 0 1,-1 0-1,0 1 1,1 0 0,-1-1-1,0 1-56,-3 0 91,0 1 0,-1-1 1,1 1-1,0 0 0,0 1 0,0-1 0,0 1 0,1 1 1,-1 0-1,0 0 0,1 0 0,0 0 0,-1 2-91,3-2 2,0 0 0,1 0 0,-1 0 0,1 1 0,0-1-1,0 1 1,1 0 0,-1 0 0,1 0 0,-1 0 0,1 0 0,1 1-1,-1-1 1,0 1 0,1-1 0,0 1 0,0-1 0,1 1 0,-1 0-1,1 2-1,0 2-35,0-1 0,1 1 0,0-1 0,0 1 0,1-1-1,0 1 1,0-1 0,1 0 0,0 0 0,4 7 35,-3-8-228,0 0 1,1 0-1,0-1 0,0 1 1,0-1-1,1 0 1,0-1-1,0 1 1,3 0 227,-4-2-592,0 0 1,1-1-1,0 0 1,-1 0-1,1-1 0,0 0 1,0 0-1,1 0 1,-1 0-1,0-1 1,0 0-1,3-1 592,0 0-816,0 0 0,0-1 0,7-1 816,24-6-1306</inkml:trace>
+  <inkml:trace contextRef="#ctx0" brushRef="#br0" timeOffset="9398.874">2255 3291 12288,'0'0'124,"0"0"0,0 0 0,0 0 0,0 0 0,0 1 0,-1-1 0,1 0 0,0 0 1,0 0-1,0 0 0,0 0 0,0 0 0,0 0 0,-1 0 0,1 0 0,0 1 0,0-1 1,0 0-1,0 0 0,0 0 0,0 0 0,0 0 0,0 0 0,0 1 0,0-1 0,0 0 1,0 0-1,0 0 0,0 0 0,0 0 0,0 1 0,0-1 0,0 0 0,0 0 0,0 0 0,0 0 1,0 0-1,0 1 0,0-1 0,0 0 0,0 0 0,0 0 0,0 0 0,0 0 0,0 0 1,0 1-1,1-1-124,5 13 1210,13 11-1528,-16-22 335,0 1-1,0-1 1,0 0 0,1 0 0,-1 0 0,1-1-1,-1 1 1,1-1 0,0 0 0,0 0-1,-1 0 1,1 0 0,0-1 0,2 1-17,0-1 9,0 0 1,0-1 0,0 0-1,0 0 1,0 0 0,0-1-1,0 0 1,-1 0 0,2-1-10,4-2-21,-1 0 1,0-1 0,0-1-1,-1 1 1,0-2-1,0 1 1,0-1 0,-1-1-1,6-7 21,-7 7-5,-1 0 0,0 0 0,-1-1 0,0 1 0,0-1 0,-1 0 0,1-5 5,-4 12 37,0 0 1,0 0 0,-1 0-1,1 0 1,-1 0 0,1 0-1,-1 0 1,0 0 0,0-1-1,-1 1 1,1 0 0,-1 0-1,1 0 1,-1 0 0,0 0-1,0 0 1,0 0 0,0 0-1,-1 0 1,1 0 0,-1 1-1,0-1 1,0 1 0,0-1-1,0 1 1,0 0 0,-1-1-38,0 1 69,0 0 1,0 0 0,0 0 0,1 1 0,-2-1-1,1 1 1,0 0 0,0 0 0,0 0-1,0 0 1,-1 1 0,1-1 0,0 1 0,-1 0-1,1 0 1,0 0 0,-1 0 0,1 1-1,0-1 1,-1 1 0,1 0 0,0 0 0,0 0-1,0 0 1,-2 1-70,-5 4 109,1-1 1,-1 1-1,1 1 0,0 0 0,0 0 1,-6 8-110,8-9-8,1 1 0,0 0 0,1 1 0,-1-1 0,2 1 0,-1 0 0,1 0 0,0 1 1,1-1-1,0 1 0,0 0 0,1 0 0,0 0 0,0 0 0,1 0 0,1 0 0,-1 0 0,1 1 1,1-1-1,0 0 0,0 0 0,1 0 0,0 0 0,0 0 0,1 0 0,0-1 0,5 8 8,-3-7-241,0 0-1,0-1 0,1 0 0,0 0 1,1 0-1,0-1 0,0 0 0,0 0 1,1-1-1,0 0 0,7 3 242,-9-5-352,1-1 0,-1 0 0,1 0 0,0 0 0,0-1-1,0 0 1,0-1 0,0 1 0,1-2 0,-1 1 0,0-1 0,1 0 0,-1 0-1,0-1 1,0 0 0,5-1 352,43-14-906</inkml:trace>
+  <inkml:trace contextRef="#ctx0" brushRef="#br0" timeOffset="9892.556">2879 2978 8832,'-16'9'2806,"13"-8"-2695,1-1 0,0 1 0,-1 1 0,1-1 0,0 0 0,0 1 0,0-1-1,0 1 1,0-1 0,0 1 0,0 0 0,0 0 0,1 0 0,-1 0 0,1 0 0,-1 1-111,-14 31 898,12-27-401,0 1 1,0 0-1,0 0 1,1 0-1,1 1 1,-1-1 0,1 1-1,1 0 1,-1 6-498,2 11 575,-1-9-498,1 1 0,1 0 0,1 0 0,1 0 0,0 1-77,-2-15-8,0 0 1,1 0 0,-1 0 0,1 1 0,0-2-1,0 1 1,1 0 0,-1 0 0,1-1-1,0 1 1,-1-1 0,2 0 0,-1 0-1,0 0 1,4 2 7,-3-2-64,1 0 1,1 0-1,-1-1 1,0 0-1,1 0 0,-1 0 1,1-1-1,-1 1 0,1-1 1,0-1-1,2 1 64,1-1-52,0 0-1,0 0 1,-1-1 0,1 0-1,0-1 1,-1 0-1,1 0 1,-1-1 0,1 0-1,-1 0 1,0-1-1,0 0 1,-1-1 0,1 1-1,5-6 53,-5 2-56,0 0-1,0-1 1,0 0 0,-1 0-1,0 0 1,-1-1 0,0 0-1,-1-1 1,2-3 56,-1-2-15,0-1 1,-1 0-1,-1 0 0,0-1 1,0-13 14,-1-21 114,-2 0 1,-3 0 0,-6-36-115,5 58 28,2 16-79,-1-15 577,-1 1-1,-2-1 0,-6-19-525,11 45 54,-1 1-1,0 0 0,0 0 0,0 0 0,0 0 0,0 0 0,0 0 0,-1-1-53,2 3 7,0 0 0,-1 0 0,1-1 0,0 1 0,0 0 0,0 0-1,0 0 1,-1 0 0,1 0 0,0 0 0,0 0 0,0-1 0,0 1-1,-1 0 1,1 0 0,0 0 0,0 0 0,-1 0 0,1 0 0,0 0-1,0 0 1,0 0 0,-1 0 0,1 0 0,0 0 0,0 0-1,0 0 1,-1 0 0,1 0 0,0 0 0,0 1 0,0-1 0,-1 0-1,1 0 1,0 0 0,0 0 0,0 0 0,0 0 0,-1 1 0,1-1-1,0 0 1,0 0-7,-2 3 40,1 0-1,-1 0 0,1 1 0,0-1 1,0 0-1,0 1 0,0-1 1,0 1-1,1 0-39,-2 10 90,1 1 0,0 0-1,2-1 1,-1 1 0,2-1 0,0 1 0,1-1 0,0 0-1,1 1-89,4 9 218,1 0 0,0 0 0,2-1 0,10 17-218,-3-14 151,1 0 0,2-1 0,0-1 0,1-1 1,1-1-1,3 0-151,-14-11-65,1 0 1,0-1-1,1-1 0,0 0 1,1-1-1,4 2 65,-11-7-269,-1 0-1,1 0 1,-1-1-1,1 0 1,0-1-1,0 1 1,0-1 0,0-1-1,0 0 1,0 0-1,0 0 1,0-1-1,0 0 1,3-2 269,-4 1-222,0 0-1,0-1 1,0-1 0,0 1 0,0-1-1,6-4 223,39-35-736</inkml:trace>
   <inkml:trace contextRef="#ctx0" brushRef="#br0" timeOffset="74733.09">3091 3038 3968,'-3'-4'8847,"-3"-5"-6732,-8-13-1440,11 18-397,0 0 1,0 0-1,0 0 0,-4-3-278,-8-9 513,13 14-537,1 0 0,-1 0-1,1 1 1,-1-1-1,0 1 1,0-1-1,0 1 1,1-1-1,-2 1 1,1 0-1,0 0 1,0 0-1,0 0 1,0 0-1,-1 1 1,1-1-1,0 1 1,-1-1-1,1 1 1,0 0-1,-1 0 1,1 0-1,-1 0 25,0 1-444,-1-1 0,1 1 0,-1 0-1,1 1 1,0-1 0,-1 1 0,1 0 0,0-1-1,0 1 1,0 1 0,0-1 0,0 0-1,0 1 1,1-1 0,-1 1 444,-13 17-1893,-1 0 885</inkml:trace>
   <inkml:trace contextRef="#ctx0" brushRef="#br0" timeOffset="75604.73">2873 2954 6656,'-5'-4'2528,"-1"4"-1952,0 0 384,0 0 64,2 0-256,-2 4 0,0-4-416,1 4-224,-1 2-64,0 4-1632,-4 1-608,-3 3 1024,3 5 576</inkml:trace>
   <inkml:trace contextRef="#ctx0" brushRef="#br0" timeOffset="76850.399">2924 2925 5376,'-6'-10'2112,"0"10"-1664,2 0 736,-3 0 192,1 0-544,0 4-224,-4 2-512,-7 2-224,-5 9 64,-1-3 0,-4 7 64</inkml:trace>
@@ -671,7 +733,7 @@
   <inkml:trace contextRef="#ctx0" brushRef="#br0" timeOffset="2049.499">2071 986 11264,'-2'4'575,"-1"0"0,1 0 1,0 0-1,1 1 1,-1-1-1,1 0 1,-1 1-1,1 0 0,0 0-575,-3 44 624,3-35-405,0-1-1,-2 10-218,2-18 55,-26 127 2461,27-131-2490,-1 0 1,1-1-1,0 1 1,0 0-1,0 0 1,0-1-1,0 1 0,0 0 1,0-1-1,0 1 1,0 0-1,1 0 0,-1-1 1,0 1-1,0 0 1,1-1-27,-1 1 7,0-1 1,0 0 0,0 0 0,1 0 0,-1 0 0,0 0-1,0 0 1,1 1 0,-1-1 0,0 0 0,0 0 0,0 0-1,1 0 1,-1 0 0,0 0 0,0 0 0,1 0 0,-1 0-1,0 0 1,0 0 0,1 0 0,-1 0 0,0 0 0,0 0-1,1-1 1,-1 1 0,0 0 0,0 0 0,0 0-1,1 0-7,19-16-86,-19 15 59,53-52-539,-34 32 355,2 0-1,0 1 1,17-11 211,-37 31-6,8-8-36,1 1-1,0 1 1,0 0-1,1 0 1,8-2 42,-17 7 7,0 0 0,-1 1 0,1-1 1,0 1-1,0-1 0,0 1 0,-1 0 0,1 0 1,0 0-1,0 0 0,0 1 0,0-1 1,-1 1-1,1 0 0,0 0 0,-1 0 1,1 0-1,0 0 0,-1 0 0,1 1 0,-1-1 1,0 1-1,0 0 0,1 0 0,-1 0 1,0 0-1,0 0 0,0 0-7,4 8-78,1 0 0,-1 0 0,-1 1-1,1-1 1,-2 1 0,0 1 78,16 32-2514,-17-38 1209,1 0-1,-1 0 1,1 0 0,1-1 0,4 5 1305,-7-7-446,1-1 0,0 1-1,0-1 1,0 1 0,1-1 0,0 0 446,22 6-1424</inkml:trace>
   <inkml:trace contextRef="#ctx0" brushRef="#br0" timeOffset="2382.593">2678 842 11136,'-3'-4'535,"1"2"-315,1 0 0,-1 0 0,1 0 0,-1 1 0,0-1 0,0 0 0,0 1 0,0 0 1,0-1-1,0 1 0,0 0 0,0 0 0,-1 0 0,1 0 0,0 0 0,-1 1 0,1-1 1,-1 1-1,1-1 0,0 1 0,-2 0-220,-20 0 912,23 0-877,0 0 0,-1 0 1,1 0-1,0 0 0,-1 1 1,1-1-1,0 0 0,0 1 1,-1-1-1,1 1 0,0-1 0,0 1 1,0-1-1,-1 1 0,1 0 1,0 0-1,0-1 0,0 1 1,0 0-1,0 0 0,0 1-35,-3 2 53,0 0-68,-1 1-1,1 0 1,0 0-1,0 0 0,1 1 1,0 0-1,-2 4 16,-17 44-59,19-46 83,-1 7 160,0-1 0,1 1 0,1 0 0,0 0 0,1 0 0,1 13-184,0-24 8,0 1 0,1-1-1,-1 0 1,1 1-1,0-1 1,0 0 0,0 0-1,0 0 1,1 0-1,0 0 1,0 0-1,0 0 1,0 0 0,1-1-1,-1 1 1,1-1-1,0 1-7,-1-2-38,1 0-1,-1 0 0,1-1 1,0 1-1,-1 0 0,1-1 0,0 0 1,0 1-1,0-1 0,0-1 1,0 1-1,0 0 0,0-1 1,0 1-1,0-1 0,0 0 0,0 0 1,1 0-1,-1 0 0,0-1 1,0 1-1,0-1 0,0 0 0,0 0 39,7-3-85,-1 0 0,0 0-1,0-1 1,-1-1 0,0 1-1,1-1 1,-2-1 0,1 1-1,3-6 86,11-12-767,-1-2 0,-1 0-1,-1-1 1,5-13 767,-7 12-584,-4 5 353,-1 0 0,-1-2 0,-1 1 0,-1-1 0,-1 0 0,-2-1 0,0 0-1,-2 0 1,-1-1 231,-2 14 380,0 1 1,-1 0-1,-1-1 0,0 1 0,0 0 0,-2 0 0,1 0 0,-1 0 0,-1 0 0,0 1 1,-5-9-381,8 19 106,1-1 0,-1 1 1,1 0-1,-1 0 0,0 0 1,0 0-1,1 0 0,-1 0 1,0 0-1,0 0 0,0 0 1,0 0-1,-1 0-106,1 1 24,1 0 0,-1 0 0,0 0-1,0 0 1,1 0 0,-1 1 0,0-1 0,0 0 0,0 0-1,1 1 1,-1-1 0,0 0 0,1 1 0,-1-1 0,0 0-1,1 1 1,-1-1 0,0 1 0,1 0 0,-1-1-1,1 1 1,-1-1 0,1 1-24,-2 1 49,1-1 1,-1 1-1,1 0 0,0 0 0,-1 0 1,1 0-1,0 0 0,0 0 1,0 0-1,1 0 0,-1 0 0,0 1 1,1-1-1,0 0 0,-1 0 0,1 1 1,0 0-50,-2 9 213,-3 26 808,2 1 0,1 33-1021,5 13 843,9 51-843,11-3-1232,-20-115 702,5 35-3023,-7-48 3088,1 0-1,0 0 0,0 1 1,0-1-1,0 0 1,1-1-1,-1 1 0,2 0 466,-3-3-131,1 0 0,-1-1-1,1 1 1,-1-1 0,1 1-1,0-1 1,0 0 0,0 1 131</inkml:trace>
   <inkml:trace contextRef="#ctx0" brushRef="#br0" timeOffset="2717.7">3030 788 9728,'0'2'3120,"1"1"-2918,-1 0 0,1 0-1,0-1 1,0 1 0,0 0 0,0-1 0,1 1 0,-1-1 0,1 0 0,-1 1 0,1-1 0,0 0 0,0 1-202,1 0 133,-1 0 0,1 0 0,-1 1 1,0-1-1,0 1 0,0 0 0,-1 0 0,1 1-133,3 20 1584,0 17-1584,4 28 1051,-3-43-656,5 25 219,-10-48-558,1 1-1,-1-1 1,1 0-1,0 1 1,0-1-1,1 0 1,-1 0 0,1 0-1,0 0-55,-2-3 6,-1-1 0,1 1 1,-1-1-1,1 0 0,-1 1 0,1-1 0,-1 1 1,1-1-1,-1 0 0,1 1 0,-1-1 0,1 0 0,-1 1 1,1-1-1,0 0 0,-1 0 0,1 0 0,0 0 1,-1 0-1,1 1 0,-1-1 0,1 0 0,0 0 1,-1-1-1,1 1 0,0 0 0,-1 0 0,1 0 0,0 0 1,-1 0-1,1-1 0,-1 1 0,1 0 0,-1-1 1,1 1-1,0 0 0,-1-1 0,1 1 0,-1-1 1,0 1-1,1-1 0,0 1-6,1-3 17,0 0 0,0 0 0,0 0 0,0 0 1,0-1-1,1-2-17,0-6-2,1 0 0,-2 0 0,1 0 0,-2 0 0,0-1 0,0-9 2,2-19-95,0 12 183,9-63-2644,-9 76 1745,1 0 0,0 1 0,1 0 0,3-8 811,13-14-634</inkml:trace>
-  <inkml:trace contextRef="#ctx0" brushRef="#br0" timeOffset="3066.762">3419 690 11008,'-9'20'3099,"6"-15"-2675,1 0-1,-1 0 1,1 0-1,0 0 1,1 1 0,-1-1-1,1 1 1,0-1-1,0 6-423,1 2 614,-1 0 0,-1-1 0,-1 3-614,1-2 591,0-1 1,1 0-1,0 2-591,1-1 247,1-1-1,1 0 0,0-1 0,1 1 0,0 0 1,1 2-247,-4-12 15,1 0 0,0 0 1,-1 0-1,1 1 0,0-1 1,0 0-1,0 0 0,0-1 1,0 1-1,1 0 0,-1 0 1,0 0-1,1-1 0,0 1 1,-1-1-1,1 1 0,0-1 1,0 0-1,-1 0 0,1 0 1,0 0-1,0 0 0,1 0 1,-1 0-1,0 0 0,0-1 1,0 1-1,0-1 0,0 0 1,1 0-1,-1 0 0,1 0-15,4 0-2,1-1 0,0 0-1,0-1 1,0 0-1,-1 0 1,1-1 0,-1 0-1,1 0 1,-1-1 0,0 0-1,0 0 1,-1-1-1,0 1 1,1-1 0,2-4 2,9-8-233,-1-2 1,0 0-1,-2 0 1,5-8 232,-4 2-1223,0 0-1,-2-1 1,-1 0-1,-1-1 1,-1-2 1223,2-11-677</inkml:trace>
+  <inkml:trace contextRef="#ctx0" brushRef="#br0" timeOffset="3066.761">3419 690 11008,'-9'20'3099,"6"-15"-2675,1 0-1,-1 0 1,1 0-1,0 0 1,1 1 0,-1-1-1,1 1 1,0-1-1,0 6-423,1 2 614,-1 0 0,-1-1 0,-1 3-614,1-2 591,0-1 1,1 0-1,0 2-591,1-1 247,1-1-1,1 0 0,0-1 0,1 1 0,0 0 1,1 2-247,-4-12 15,1 0 0,0 0 1,-1 0-1,1 1 0,0-1 1,0 0-1,0 0 0,0-1 1,0 1-1,1 0 0,-1 0 1,0 0-1,1-1 0,0 1 1,-1-1-1,1 1 0,0-1 1,0 0-1,-1 0 0,1 0 1,0 0-1,0 0 0,1 0 1,-1 0-1,0 0 0,0-1 1,0 1-1,0-1 0,0 0 1,1 0-1,-1 0 0,1 0-15,4 0-2,1-1 0,0 0-1,0-1 1,0 0-1,-1 0 1,1-1 0,-1 0-1,1 0 1,-1-1 0,0 0-1,0 0 1,-1-1-1,0 1 1,1-1 0,2-4 2,9-8-233,-1-2 1,0 0-1,-2 0 1,5-8 232,-4 2-1223,0 0-1,-2-1 1,-1 0-1,-1-1 1,-1-2 1223,2-11-677</inkml:trace>
   <inkml:trace contextRef="#ctx0" brushRef="#br0" timeOffset="3400.874">3977 546 11648,'-26'25'4893,"-6"18"-2682,4-6-1246,20-27-828,1 1-1,0 0 1,0 1 0,1 0 0,1 0 0,-4 11-137,6-14-17,0-1 0,1 1 0,1 0 0,-1 0 0,1 0-1,1 1 1,0-1 0,0 0 0,1 0 0,1 6 17,-2-11-82,1-1-1,0 0 0,0 1 0,0-1 0,0 0 0,0 0 0,1 1 1,0-1-1,-1 0 0,1 0 0,0-1 0,1 1 0,-1 0 0,0-1 1,1 1-1,-1-1 0,1 0 0,0 0 0,0 0 0,0 0 0,0 0 0,0-1 1,0 1-1,0-1 0,1 0 0,-1 0 0,0 0 0,1-1 0,-1 1 1,1-1-1,-1 1 0,1-1 0,-1 0 0,1-1 0,-1 1 0,0 0 1,1-1-1,-1 0 0,1 0 0,-1 0 0,1-1 83,2-1-120,-1 1-1,1-2 1,-1 1-1,0-1 0,2-1 121,26-28-303</inkml:trace>
   <inkml:trace contextRef="#ctx0" brushRef="#br0" timeOffset="3401.874">4137 0 11264,'0'0'149,"-1"1"0,1-1 0,-1 0 1,1 0-1,-1 0 0,1 0 0,-1 0 1,1 1-1,-1-1 0,1 0 0,-1 0 1,1 1-1,0-1 0,-1 0 0,1 1 1,-1-1-1,1 0 0,0 1 0,-1-1 1,1 1-1,0-1 0,0 1 0,-1-1 0,1 0 1,0 1-1,0-1 0,0 1 0,-1-1 1,1 1-1,0-1 0,0 1 0,0-1 1,0 1-1,0-1 0,0 1 0,0 0 1,0-1-1,0 1 0,0-1 0,1 1 1,-1-1-1,0 1-149,8 28 235,-5-19 45,0 8 127,1 1 0,-2 0 0,0 14-407,4 31 977,15 89 728,13 76-72,-25-177-1718,9 45 452,-13-81-1533,-1 0-1,2-1 1,0 0-1,7 13 1167,-1-13-1397,-1-12 650</inkml:trace>
   <inkml:trace contextRef="#ctx0" brushRef="#br0" timeOffset="3731.989">4483 482 12160,'0'-6'2974,"0"7"-1252,5 7-253,-5-7-1437,0-1 1,0 0-1,0 1 0,0-1 1,0 1-1,0-1 0,0 0 1,0 1-1,0-1 1,0 1-1,0-1 0,0 0 1,0 1-1,0-1 1,0 0-1,0 1 0,-1-1 1,1 0-1,0 1 0,0-1 1,0 0-1,-1 1 1,1-1-1,0 0 0,-1 1 1,1-1-1,0 0 1,0 0-1,-1 1 0,1-1 1,0 0-1,-1 0-32,0 1 116,-47 37 1084,36-26-969,7-7-33,-1 1-1,1-1 1,0 1 0,1 0-1,-1 0 1,0 2-198,4-7 37,1 0 0,-1 1 0,1-1 0,-1 0 0,1 1-1,-1-1 1,1 1 0,0-1 0,0 0 0,-1 1 0,1-1 0,0 1 0,0-1 0,1 1-1,-1-1 1,0 1 0,0-1 0,1 0 0,-1 1 0,1-1 0,-1 0 0,1 1-1,-1-1 1,1 0 0,0 0 0,0 1 0,0-1 0,0 0 0,0 0 0,0 0 0,0 0-1,0 0 1,1 0-37,7 6-83,0-1 1,0 0-1,1 0 0,-1-1 0,1 0 0,1-1 1,-1 0-1,1-1 0,1 0 83,-3-1-989,1 0 1,0 0-1,-1-1 0,1-1 1,0 0-1,5 0 989,-11-1-450,0 1 0,0-1 0,0 0 0,0 0 0,3-1 450,6-8-1200</inkml:trace>
@@ -3913,8 +3975,8 @@
           <a:chExt cx="0" cy="0"/>
         </a:xfrm>
       </p:grpSpPr>
-      <mc:AlternateContent xmlns:mc="http://schemas.openxmlformats.org/markup-compatibility/2006">
-        <mc:Choice xmlns:a14="http://schemas.microsoft.com/office/drawing/2010/main" Requires="a14">
+      <mc:AlternateContent xmlns:mc="http://schemas.openxmlformats.org/markup-compatibility/2006" xmlns:a14="http://schemas.microsoft.com/office/drawing/2010/main">
+        <mc:Choice Requires="a14">
           <p:sp>
             <p:nvSpPr>
               <p:cNvPr id="2" name="Title 1">
@@ -3974,7 +4036,7 @@
             </p:txBody>
           </p:sp>
         </mc:Choice>
-        <mc:Fallback>
+        <mc:Fallback xmlns="">
           <p:sp>
             <p:nvSpPr>
               <p:cNvPr id="2" name="Title 1">
@@ -4107,8 +4169,8 @@
           </a:xfrm>
         </p:spPr>
       </p:pic>
-      <mc:AlternateContent xmlns:mc="http://schemas.openxmlformats.org/markup-compatibility/2006">
-        <mc:Choice xmlns:p14="http://schemas.microsoft.com/office/powerpoint/2010/main" Requires="p14">
+      <mc:AlternateContent xmlns:mc="http://schemas.openxmlformats.org/markup-compatibility/2006" xmlns:p14="http://schemas.microsoft.com/office/powerpoint/2010/main">
+        <mc:Choice Requires="p14">
           <p:contentPart p14:bwMode="auto" r:id="rId3">
             <p14:nvContentPartPr>
               <p14:cNvPr id="25" name="Ink 24">
@@ -4127,7 +4189,7 @@
             </p14:xfrm>
           </p:contentPart>
         </mc:Choice>
-        <mc:Fallback>
+        <mc:Fallback xmlns="">
           <p:pic>
             <p:nvPicPr>
               <p:cNvPr id="25" name="Ink 24">
@@ -4158,8 +4220,8 @@
           </p:pic>
         </mc:Fallback>
       </mc:AlternateContent>
-      <mc:AlternateContent xmlns:mc="http://schemas.openxmlformats.org/markup-compatibility/2006">
-        <mc:Choice xmlns:p14="http://schemas.microsoft.com/office/powerpoint/2010/main" Requires="p14">
+      <mc:AlternateContent xmlns:mc="http://schemas.openxmlformats.org/markup-compatibility/2006" xmlns:p14="http://schemas.microsoft.com/office/powerpoint/2010/main">
+        <mc:Choice Requires="p14">
           <p:contentPart p14:bwMode="auto" r:id="rId5">
             <p14:nvContentPartPr>
               <p14:cNvPr id="41" name="Ink 40">
@@ -4178,7 +4240,7 @@
             </p14:xfrm>
           </p:contentPart>
         </mc:Choice>
-        <mc:Fallback>
+        <mc:Fallback xmlns="">
           <p:pic>
             <p:nvPicPr>
               <p:cNvPr id="41" name="Ink 40">
@@ -4209,8 +4271,8 @@
           </p:pic>
         </mc:Fallback>
       </mc:AlternateContent>
-      <mc:AlternateContent xmlns:mc="http://schemas.openxmlformats.org/markup-compatibility/2006">
-        <mc:Choice xmlns:p14="http://schemas.microsoft.com/office/powerpoint/2010/main" Requires="p14">
+      <mc:AlternateContent xmlns:mc="http://schemas.openxmlformats.org/markup-compatibility/2006" xmlns:p14="http://schemas.microsoft.com/office/powerpoint/2010/main">
+        <mc:Choice Requires="p14">
           <p:contentPart p14:bwMode="auto" r:id="rId7">
             <p14:nvContentPartPr>
               <p14:cNvPr id="42" name="Ink 41">
@@ -4229,7 +4291,7 @@
             </p14:xfrm>
           </p:contentPart>
         </mc:Choice>
-        <mc:Fallback>
+        <mc:Fallback xmlns="">
           <p:pic>
             <p:nvPicPr>
               <p:cNvPr id="42" name="Ink 41">
@@ -4260,8 +4322,8 @@
           </p:pic>
         </mc:Fallback>
       </mc:AlternateContent>
-      <mc:AlternateContent xmlns:mc="http://schemas.openxmlformats.org/markup-compatibility/2006">
-        <mc:Choice xmlns:p14="http://schemas.microsoft.com/office/powerpoint/2010/main" Requires="p14">
+      <mc:AlternateContent xmlns:mc="http://schemas.openxmlformats.org/markup-compatibility/2006" xmlns:p14="http://schemas.microsoft.com/office/powerpoint/2010/main">
+        <mc:Choice Requires="p14">
           <p:contentPart p14:bwMode="auto" r:id="rId9">
             <p14:nvContentPartPr>
               <p14:cNvPr id="53" name="Ink 52">
@@ -4280,7 +4342,7 @@
             </p14:xfrm>
           </p:contentPart>
         </mc:Choice>
-        <mc:Fallback>
+        <mc:Fallback xmlns="">
           <p:pic>
             <p:nvPicPr>
               <p:cNvPr id="53" name="Ink 52">
@@ -4311,8 +4373,8 @@
           </p:pic>
         </mc:Fallback>
       </mc:AlternateContent>
-      <mc:AlternateContent xmlns:mc="http://schemas.openxmlformats.org/markup-compatibility/2006">
-        <mc:Choice xmlns:p14="http://schemas.microsoft.com/office/powerpoint/2010/main" Requires="p14">
+      <mc:AlternateContent xmlns:mc="http://schemas.openxmlformats.org/markup-compatibility/2006" xmlns:p14="http://schemas.microsoft.com/office/powerpoint/2010/main">
+        <mc:Choice Requires="p14">
           <p:contentPart p14:bwMode="auto" r:id="rId11">
             <p14:nvContentPartPr>
               <p14:cNvPr id="61" name="Ink 60">
@@ -4331,7 +4393,7 @@
             </p14:xfrm>
           </p:contentPart>
         </mc:Choice>
-        <mc:Fallback>
+        <mc:Fallback xmlns="">
           <p:pic>
             <p:nvPicPr>
               <p:cNvPr id="61" name="Ink 60">
@@ -4362,8 +4424,8 @@
           </p:pic>
         </mc:Fallback>
       </mc:AlternateContent>
-      <mc:AlternateContent xmlns:mc="http://schemas.openxmlformats.org/markup-compatibility/2006">
-        <mc:Choice xmlns:p14="http://schemas.microsoft.com/office/powerpoint/2010/main" Requires="p14">
+      <mc:AlternateContent xmlns:mc="http://schemas.openxmlformats.org/markup-compatibility/2006" xmlns:p14="http://schemas.microsoft.com/office/powerpoint/2010/main">
+        <mc:Choice Requires="p14">
           <p:contentPart p14:bwMode="auto" r:id="rId13">
             <p14:nvContentPartPr>
               <p14:cNvPr id="97" name="Ink 96">
@@ -4382,7 +4444,7 @@
             </p14:xfrm>
           </p:contentPart>
         </mc:Choice>
-        <mc:Fallback>
+        <mc:Fallback xmlns="">
           <p:pic>
             <p:nvPicPr>
               <p:cNvPr id="97" name="Ink 96">
@@ -4413,8 +4475,8 @@
           </p:pic>
         </mc:Fallback>
       </mc:AlternateContent>
-      <mc:AlternateContent xmlns:mc="http://schemas.openxmlformats.org/markup-compatibility/2006">
-        <mc:Choice xmlns:p14="http://schemas.microsoft.com/office/powerpoint/2010/main" Requires="p14">
+      <mc:AlternateContent xmlns:mc="http://schemas.openxmlformats.org/markup-compatibility/2006" xmlns:p14="http://schemas.microsoft.com/office/powerpoint/2010/main">
+        <mc:Choice Requires="p14">
           <p:contentPart p14:bwMode="auto" r:id="rId15">
             <p14:nvContentPartPr>
               <p14:cNvPr id="102" name="Ink 101">
@@ -4433,7 +4495,7 @@
             </p14:xfrm>
           </p:contentPart>
         </mc:Choice>
-        <mc:Fallback>
+        <mc:Fallback xmlns="">
           <p:pic>
             <p:nvPicPr>
               <p:cNvPr id="102" name="Ink 101">
@@ -4464,8 +4526,8 @@
           </p:pic>
         </mc:Fallback>
       </mc:AlternateContent>
-      <mc:AlternateContent xmlns:mc="http://schemas.openxmlformats.org/markup-compatibility/2006">
-        <mc:Choice xmlns:p14="http://schemas.microsoft.com/office/powerpoint/2010/main" Requires="p14">
+      <mc:AlternateContent xmlns:mc="http://schemas.openxmlformats.org/markup-compatibility/2006" xmlns:p14="http://schemas.microsoft.com/office/powerpoint/2010/main">
+        <mc:Choice Requires="p14">
           <p:contentPart p14:bwMode="auto" r:id="rId17">
             <p14:nvContentPartPr>
               <p14:cNvPr id="115" name="Ink 114">
@@ -4484,7 +4546,7 @@
             </p14:xfrm>
           </p:contentPart>
         </mc:Choice>
-        <mc:Fallback>
+        <mc:Fallback xmlns="">
           <p:pic>
             <p:nvPicPr>
               <p:cNvPr id="115" name="Ink 114">
@@ -4515,8 +4577,8 @@
           </p:pic>
         </mc:Fallback>
       </mc:AlternateContent>
-      <mc:AlternateContent xmlns:mc="http://schemas.openxmlformats.org/markup-compatibility/2006">
-        <mc:Choice xmlns:p14="http://schemas.microsoft.com/office/powerpoint/2010/main" Requires="p14">
+      <mc:AlternateContent xmlns:mc="http://schemas.openxmlformats.org/markup-compatibility/2006" xmlns:p14="http://schemas.microsoft.com/office/powerpoint/2010/main">
+        <mc:Choice Requires="p14">
           <p:contentPart p14:bwMode="auto" r:id="rId19">
             <p14:nvContentPartPr>
               <p14:cNvPr id="116" name="Ink 115">
@@ -4535,7 +4597,7 @@
             </p14:xfrm>
           </p:contentPart>
         </mc:Choice>
-        <mc:Fallback>
+        <mc:Fallback xmlns="">
           <p:pic>
             <p:nvPicPr>
               <p:cNvPr id="116" name="Ink 115">
@@ -4566,8 +4628,8 @@
           </p:pic>
         </mc:Fallback>
       </mc:AlternateContent>
-      <mc:AlternateContent xmlns:mc="http://schemas.openxmlformats.org/markup-compatibility/2006">
-        <mc:Choice xmlns:p14="http://schemas.microsoft.com/office/powerpoint/2010/main" Requires="p14">
+      <mc:AlternateContent xmlns:mc="http://schemas.openxmlformats.org/markup-compatibility/2006" xmlns:p14="http://schemas.microsoft.com/office/powerpoint/2010/main">
+        <mc:Choice Requires="p14">
           <p:contentPart p14:bwMode="auto" r:id="rId21">
             <p14:nvContentPartPr>
               <p14:cNvPr id="120" name="Ink 119">
@@ -4586,7 +4648,7 @@
             </p14:xfrm>
           </p:contentPart>
         </mc:Choice>
-        <mc:Fallback>
+        <mc:Fallback xmlns="">
           <p:pic>
             <p:nvPicPr>
               <p:cNvPr id="120" name="Ink 119">
@@ -4617,8 +4679,8 @@
           </p:pic>
         </mc:Fallback>
       </mc:AlternateContent>
-      <mc:AlternateContent xmlns:mc="http://schemas.openxmlformats.org/markup-compatibility/2006">
-        <mc:Choice xmlns:p14="http://schemas.microsoft.com/office/powerpoint/2010/main" Requires="p14">
+      <mc:AlternateContent xmlns:mc="http://schemas.openxmlformats.org/markup-compatibility/2006" xmlns:p14="http://schemas.microsoft.com/office/powerpoint/2010/main">
+        <mc:Choice Requires="p14">
           <p:contentPart p14:bwMode="auto" r:id="rId23">
             <p14:nvContentPartPr>
               <p14:cNvPr id="123" name="Ink 122">
@@ -4637,7 +4699,7 @@
             </p14:xfrm>
           </p:contentPart>
         </mc:Choice>
-        <mc:Fallback>
+        <mc:Fallback xmlns="">
           <p:pic>
             <p:nvPicPr>
               <p:cNvPr id="123" name="Ink 122">
@@ -4668,8 +4730,8 @@
           </p:pic>
         </mc:Fallback>
       </mc:AlternateContent>
-      <mc:AlternateContent xmlns:mc="http://schemas.openxmlformats.org/markup-compatibility/2006">
-        <mc:Choice xmlns:p14="http://schemas.microsoft.com/office/powerpoint/2010/main" Requires="p14">
+      <mc:AlternateContent xmlns:mc="http://schemas.openxmlformats.org/markup-compatibility/2006" xmlns:p14="http://schemas.microsoft.com/office/powerpoint/2010/main">
+        <mc:Choice Requires="p14">
           <p:contentPart p14:bwMode="auto" r:id="rId25">
             <p14:nvContentPartPr>
               <p14:cNvPr id="124" name="Ink 123">
@@ -4688,7 +4750,7 @@
             </p14:xfrm>
           </p:contentPart>
         </mc:Choice>
-        <mc:Fallback>
+        <mc:Fallback xmlns="">
           <p:pic>
             <p:nvPicPr>
               <p:cNvPr id="124" name="Ink 123">
@@ -4719,8 +4781,8 @@
           </p:pic>
         </mc:Fallback>
       </mc:AlternateContent>
-      <mc:AlternateContent xmlns:mc="http://schemas.openxmlformats.org/markup-compatibility/2006">
-        <mc:Choice xmlns:p14="http://schemas.microsoft.com/office/powerpoint/2010/main" Requires="p14">
+      <mc:AlternateContent xmlns:mc="http://schemas.openxmlformats.org/markup-compatibility/2006" xmlns:p14="http://schemas.microsoft.com/office/powerpoint/2010/main">
+        <mc:Choice Requires="p14">
           <p:contentPart p14:bwMode="auto" r:id="rId27">
             <p14:nvContentPartPr>
               <p14:cNvPr id="126" name="Ink 125">
@@ -4739,7 +4801,7 @@
             </p14:xfrm>
           </p:contentPart>
         </mc:Choice>
-        <mc:Fallback>
+        <mc:Fallback xmlns="">
           <p:pic>
             <p:nvPicPr>
               <p:cNvPr id="126" name="Ink 125">
@@ -4762,6 +4824,108 @@
               <a:xfrm>
                 <a:off x="1187058" y="2556942"/>
                 <a:ext cx="1355760" cy="1165680"/>
+              </a:xfrm>
+              <a:prstGeom prst="rect">
+                <a:avLst/>
+              </a:prstGeom>
+            </p:spPr>
+          </p:pic>
+        </mc:Fallback>
+      </mc:AlternateContent>
+      <mc:AlternateContent xmlns:mc="http://schemas.openxmlformats.org/markup-compatibility/2006">
+        <mc:Choice xmlns:p14="http://schemas.microsoft.com/office/powerpoint/2010/main" Requires="p14">
+          <p:contentPart p14:bwMode="auto" r:id="rId29">
+            <p14:nvContentPartPr>
+              <p14:cNvPr id="3" name="Ink 2">
+                <a:extLst>
+                  <a:ext uri="{FF2B5EF4-FFF2-40B4-BE49-F238E27FC236}">
+                    <a16:creationId xmlns:a16="http://schemas.microsoft.com/office/drawing/2014/main" id="{82833541-D675-457A-B009-68C340FA1F88}"/>
+                  </a:ext>
+                </a:extLst>
+              </p14:cNvPr>
+              <p14:cNvContentPartPr/>
+              <p14:nvPr/>
+            </p14:nvContentPartPr>
+            <p14:xfrm>
+              <a:off x="8054531" y="1694542"/>
+              <a:ext cx="2137320" cy="202320"/>
+            </p14:xfrm>
+          </p:contentPart>
+        </mc:Choice>
+        <mc:Fallback>
+          <p:pic>
+            <p:nvPicPr>
+              <p:cNvPr id="3" name="Ink 2">
+                <a:extLst>
+                  <a:ext uri="{FF2B5EF4-FFF2-40B4-BE49-F238E27FC236}">
+                    <a16:creationId xmlns:a16="http://schemas.microsoft.com/office/drawing/2014/main" id="{82833541-D675-457A-B009-68C340FA1F88}"/>
+                  </a:ext>
+                </a:extLst>
+              </p:cNvPr>
+              <p:cNvPicPr/>
+              <p:nvPr/>
+            </p:nvPicPr>
+            <p:blipFill>
+              <a:blip r:embed="rId30"/>
+              <a:stretch>
+                <a:fillRect/>
+              </a:stretch>
+            </p:blipFill>
+            <p:spPr>
+              <a:xfrm>
+                <a:off x="8036531" y="1676902"/>
+                <a:ext cx="2172960" cy="237960"/>
+              </a:xfrm>
+              <a:prstGeom prst="rect">
+                <a:avLst/>
+              </a:prstGeom>
+            </p:spPr>
+          </p:pic>
+        </mc:Fallback>
+      </mc:AlternateContent>
+      <mc:AlternateContent xmlns:mc="http://schemas.openxmlformats.org/markup-compatibility/2006">
+        <mc:Choice xmlns:p14="http://schemas.microsoft.com/office/powerpoint/2010/main" Requires="p14">
+          <p:contentPart p14:bwMode="auto" r:id="rId31">
+            <p14:nvContentPartPr>
+              <p14:cNvPr id="4" name="Ink 3">
+                <a:extLst>
+                  <a:ext uri="{FF2B5EF4-FFF2-40B4-BE49-F238E27FC236}">
+                    <a16:creationId xmlns:a16="http://schemas.microsoft.com/office/drawing/2014/main" id="{CBF3C015-53DF-4B2D-AF8B-D7124F1C8F0A}"/>
+                  </a:ext>
+                </a:extLst>
+              </p14:cNvPr>
+              <p14:cNvContentPartPr/>
+              <p14:nvPr/>
+            </p14:nvContentPartPr>
+            <p14:xfrm>
+              <a:off x="5076611" y="718582"/>
+              <a:ext cx="801000" cy="44640"/>
+            </p14:xfrm>
+          </p:contentPart>
+        </mc:Choice>
+        <mc:Fallback>
+          <p:pic>
+            <p:nvPicPr>
+              <p:cNvPr id="4" name="Ink 3">
+                <a:extLst>
+                  <a:ext uri="{FF2B5EF4-FFF2-40B4-BE49-F238E27FC236}">
+                    <a16:creationId xmlns:a16="http://schemas.microsoft.com/office/drawing/2014/main" id="{CBF3C015-53DF-4B2D-AF8B-D7124F1C8F0A}"/>
+                  </a:ext>
+                </a:extLst>
+              </p:cNvPr>
+              <p:cNvPicPr/>
+              <p:nvPr/>
+            </p:nvPicPr>
+            <p:blipFill>
+              <a:blip r:embed="rId32"/>
+              <a:stretch>
+                <a:fillRect/>
+              </a:stretch>
+            </p:blipFill>
+            <p:spPr>
+              <a:xfrm>
+                <a:off x="5058611" y="700942"/>
+                <a:ext cx="836640" cy="80280"/>
               </a:xfrm>
               <a:prstGeom prst="rect">
                 <a:avLst/>
@@ -4830,8 +4994,8 @@
           </a:p>
         </p:txBody>
       </p:sp>
-      <mc:AlternateContent xmlns:mc="http://schemas.openxmlformats.org/markup-compatibility/2006">
-        <mc:Choice xmlns:p14="http://schemas.microsoft.com/office/powerpoint/2010/main" Requires="p14">
+      <mc:AlternateContent xmlns:mc="http://schemas.openxmlformats.org/markup-compatibility/2006" xmlns:p14="http://schemas.microsoft.com/office/powerpoint/2010/main">
+        <mc:Choice Requires="p14">
           <p:contentPart p14:bwMode="auto" r:id="rId2">
             <p14:nvContentPartPr>
               <p14:cNvPr id="5" name="Ink 4">
@@ -4850,7 +5014,7 @@
             </p14:xfrm>
           </p:contentPart>
         </mc:Choice>
-        <mc:Fallback>
+        <mc:Fallback xmlns="">
           <p:pic>
             <p:nvPicPr>
               <p:cNvPr id="5" name="Ink 4">
@@ -5085,6 +5249,7 @@
               </a:bodyPr>
               <a:lstStyle/>
               <a:p>
+                <a:pPr/>
                 <a14:m>
                   <m:oMathPara xmlns:m="http://schemas.openxmlformats.org/officeDocument/2006/math">
                     <m:oMathParaPr>
@@ -5221,7 +5386,50 @@
                                 <a:rPr lang="de-DE" sz="3200" b="0" i="1" smtClean="0">
                                   <a:latin typeface="Cambria Math" panose="02040503050406030204" pitchFamily="18" charset="0"/>
                                 </a:rPr>
+                                <m:t>(</m:t>
+                              </m:r>
+                              <m:r>
+                                <a:rPr lang="de-DE" sz="3200" b="0" i="1" smtClean="0">
+                                  <a:latin typeface="Cambria Math" panose="02040503050406030204" pitchFamily="18" charset="0"/>
+                                </a:rPr>
                                 <m:t>𝑣</m:t>
+                              </m:r>
+                              <m:r>
+                                <a:rPr lang="de-DE" sz="3200" b="0" i="1" smtClean="0">
+                                  <a:latin typeface="Cambria Math" panose="02040503050406030204" pitchFamily="18" charset="0"/>
+                                </a:rPr>
+                                <m:t>−</m:t>
+                              </m:r>
+                              <m:sSub>
+                                <m:sSubPr>
+                                  <m:ctrlPr>
+                                    <a:rPr lang="de-DE" sz="3200" b="0" i="1" smtClean="0">
+                                      <a:latin typeface="Cambria Math" panose="02040503050406030204" pitchFamily="18" charset="0"/>
+                                    </a:rPr>
+                                  </m:ctrlPr>
+                                </m:sSubPr>
+                                <m:e>
+                                  <m:r>
+                                    <a:rPr lang="de-DE" sz="3200" b="0" i="1" smtClean="0">
+                                      <a:latin typeface="Cambria Math" panose="02040503050406030204" pitchFamily="18" charset="0"/>
+                                    </a:rPr>
+                                    <m:t>𝛽</m:t>
+                                  </m:r>
+                                </m:e>
+                                <m:sub>
+                                  <m:r>
+                                    <a:rPr lang="de-DE" sz="3200" b="0" i="1" smtClean="0">
+                                      <a:latin typeface="Cambria Math" panose="02040503050406030204" pitchFamily="18" charset="0"/>
+                                    </a:rPr>
+                                    <m:t>0</m:t>
+                                  </m:r>
+                                </m:sub>
+                              </m:sSub>
+                              <m:r>
+                                <a:rPr lang="de-DE" sz="3200" b="0" i="1" smtClean="0">
+                                  <a:latin typeface="Cambria Math" panose="02040503050406030204" pitchFamily="18" charset="0"/>
+                                </a:rPr>
+                                <m:t>)</m:t>
                               </m:r>
                             </m:e>
                             <m:sup>
@@ -5493,6 +5701,64 @@
     <p:extLst>
       <p:ext uri="{BB962C8B-B14F-4D97-AF65-F5344CB8AC3E}">
         <p14:creationId xmlns:p14="http://schemas.microsoft.com/office/powerpoint/2010/main" val="1983415291"/>
+      </p:ext>
+    </p:extLst>
+  </p:cSld>
+  <p:clrMapOvr>
+    <a:masterClrMapping/>
+  </p:clrMapOvr>
+</p:sld>
+</file>
+
+<file path=ppt/slides/slide6.xml><?xml version="1.0" encoding="utf-8"?>
+<p:sld xmlns:a="http://schemas.openxmlformats.org/drawingml/2006/main" xmlns:r="http://schemas.openxmlformats.org/officeDocument/2006/relationships" xmlns:p="http://schemas.openxmlformats.org/presentationml/2006/main">
+  <p:cSld>
+    <p:spTree>
+      <p:nvGrpSpPr>
+        <p:cNvPr id="1" name=""/>
+        <p:cNvGrpSpPr/>
+        <p:nvPr/>
+      </p:nvGrpSpPr>
+      <p:grpSpPr>
+        <a:xfrm>
+          <a:off x="0" y="0"/>
+          <a:ext cx="0" cy="0"/>
+          <a:chOff x="0" y="0"/>
+          <a:chExt cx="0" cy="0"/>
+        </a:xfrm>
+      </p:grpSpPr>
+      <p:sp>
+        <p:nvSpPr>
+          <p:cNvPr id="2" name="Title 1">
+            <a:extLst>
+              <a:ext uri="{FF2B5EF4-FFF2-40B4-BE49-F238E27FC236}">
+                <a16:creationId xmlns:a16="http://schemas.microsoft.com/office/drawing/2014/main" id="{6CC6EBFC-9956-4C2D-9E82-6F14A6DB9A1D}"/>
+              </a:ext>
+            </a:extLst>
+          </p:cNvPr>
+          <p:cNvSpPr>
+            <a:spLocks noGrp="1"/>
+          </p:cNvSpPr>
+          <p:nvPr>
+            <p:ph type="title"/>
+          </p:nvPr>
+        </p:nvSpPr>
+        <p:spPr/>
+        <p:txBody>
+          <a:bodyPr/>
+          <a:lstStyle/>
+          <a:p>
+            <a:r>
+              <a:rPr lang="de-DE" dirty="0"/>
+              <a:t>Zukunft</a:t>
+            </a:r>
+          </a:p>
+        </p:txBody>
+      </p:sp>
+    </p:spTree>
+    <p:extLst>
+      <p:ext uri="{BB962C8B-B14F-4D97-AF65-F5344CB8AC3E}">
+        <p14:creationId xmlns:p14="http://schemas.microsoft.com/office/powerpoint/2010/main" val="4200150237"/>
       </p:ext>
     </p:extLst>
   </p:cSld>
